--- a/scratch-screens.pptx
+++ b/scratch-screens.pptx
@@ -5,7 +5,7 @@
     <p:sldMasterId id="2147483648" r:id="rId1"/>
   </p:sldMasterIdLst>
   <p:notesMasterIdLst>
-    <p:notesMasterId r:id="rId20"/>
+    <p:notesMasterId r:id="rId23"/>
   </p:notesMasterIdLst>
   <p:sldIdLst>
     <p:sldId id="257" r:id="rId2"/>
@@ -15,17 +15,20 @@
     <p:sldId id="261" r:id="rId6"/>
     <p:sldId id="262" r:id="rId7"/>
     <p:sldId id="263" r:id="rId8"/>
-    <p:sldId id="264" r:id="rId9"/>
-    <p:sldId id="265" r:id="rId10"/>
-    <p:sldId id="266" r:id="rId11"/>
-    <p:sldId id="267" r:id="rId12"/>
-    <p:sldId id="268" r:id="rId13"/>
-    <p:sldId id="269" r:id="rId14"/>
-    <p:sldId id="270" r:id="rId15"/>
-    <p:sldId id="271" r:id="rId16"/>
-    <p:sldId id="272" r:id="rId17"/>
-    <p:sldId id="273" r:id="rId18"/>
-    <p:sldId id="274" r:id="rId19"/>
+    <p:sldId id="275" r:id="rId9"/>
+    <p:sldId id="264" r:id="rId10"/>
+    <p:sldId id="265" r:id="rId11"/>
+    <p:sldId id="266" r:id="rId12"/>
+    <p:sldId id="267" r:id="rId13"/>
+    <p:sldId id="268" r:id="rId14"/>
+    <p:sldId id="269" r:id="rId15"/>
+    <p:sldId id="270" r:id="rId16"/>
+    <p:sldId id="271" r:id="rId17"/>
+    <p:sldId id="272" r:id="rId18"/>
+    <p:sldId id="273" r:id="rId19"/>
+    <p:sldId id="274" r:id="rId20"/>
+    <p:sldId id="276" r:id="rId21"/>
+    <p:sldId id="277" r:id="rId22"/>
   </p:sldIdLst>
   <p:sldSz cx="12192000" cy="6858000"/>
   <p:notesSz cx="6858000" cy="9144000"/>
@@ -214,7 +217,7 @@
           <a:p>
             <a:fld id="{03EDC328-2959-F844-B260-27BAAFECA6BB}" type="datetimeFigureOut">
               <a:rPr lang="ru-RU" smtClean="0"/>
-              <a:t>23.08.2021</a:t>
+              <a:t>26.08.2021</a:t>
             </a:fld>
             <a:endParaRPr lang="ru-RU"/>
           </a:p>
@@ -687,7 +690,7 @@
           <a:p>
             <a:fld id="{3E03AB2E-3D5B-ED4B-A8B6-FC965523A4EE}" type="datetimeFigureOut">
               <a:rPr lang="ru-RU" smtClean="0"/>
-              <a:t>23.08.2021</a:t>
+              <a:t>26.08.2021</a:t>
             </a:fld>
             <a:endParaRPr lang="ru-RU"/>
           </a:p>
@@ -860,7 +863,7 @@
           <a:p>
             <a:fld id="{3E03AB2E-3D5B-ED4B-A8B6-FC965523A4EE}" type="datetimeFigureOut">
               <a:rPr lang="ru-RU" smtClean="0"/>
-              <a:t>23.08.2021</a:t>
+              <a:t>26.08.2021</a:t>
             </a:fld>
             <a:endParaRPr lang="ru-RU"/>
           </a:p>
@@ -1043,7 +1046,7 @@
           <a:p>
             <a:fld id="{3E03AB2E-3D5B-ED4B-A8B6-FC965523A4EE}" type="datetimeFigureOut">
               <a:rPr lang="ru-RU" smtClean="0"/>
-              <a:t>23.08.2021</a:t>
+              <a:t>26.08.2021</a:t>
             </a:fld>
             <a:endParaRPr lang="ru-RU"/>
           </a:p>
@@ -1216,7 +1219,7 @@
           <a:p>
             <a:fld id="{3E03AB2E-3D5B-ED4B-A8B6-FC965523A4EE}" type="datetimeFigureOut">
               <a:rPr lang="ru-RU" smtClean="0"/>
-              <a:t>23.08.2021</a:t>
+              <a:t>26.08.2021</a:t>
             </a:fld>
             <a:endParaRPr lang="ru-RU"/>
           </a:p>
@@ -1494,7 +1497,7 @@
           <a:p>
             <a:fld id="{3E03AB2E-3D5B-ED4B-A8B6-FC965523A4EE}" type="datetimeFigureOut">
               <a:rPr lang="ru-RU" smtClean="0"/>
-              <a:t>23.08.2021</a:t>
+              <a:t>26.08.2021</a:t>
             </a:fld>
             <a:endParaRPr lang="ru-RU"/>
           </a:p>
@@ -1709,7 +1712,7 @@
           <a:p>
             <a:fld id="{3E03AB2E-3D5B-ED4B-A8B6-FC965523A4EE}" type="datetimeFigureOut">
               <a:rPr lang="ru-RU" smtClean="0"/>
-              <a:t>23.08.2021</a:t>
+              <a:t>26.08.2021</a:t>
             </a:fld>
             <a:endParaRPr lang="ru-RU"/>
           </a:p>
@@ -2077,7 +2080,7 @@
           <a:p>
             <a:fld id="{3E03AB2E-3D5B-ED4B-A8B6-FC965523A4EE}" type="datetimeFigureOut">
               <a:rPr lang="ru-RU" smtClean="0"/>
-              <a:t>23.08.2021</a:t>
+              <a:t>26.08.2021</a:t>
             </a:fld>
             <a:endParaRPr lang="ru-RU"/>
           </a:p>
@@ -2218,7 +2221,7 @@
           <a:p>
             <a:fld id="{3E03AB2E-3D5B-ED4B-A8B6-FC965523A4EE}" type="datetimeFigureOut">
               <a:rPr lang="ru-RU" smtClean="0"/>
-              <a:t>23.08.2021</a:t>
+              <a:t>26.08.2021</a:t>
             </a:fld>
             <a:endParaRPr lang="ru-RU"/>
           </a:p>
@@ -2331,7 +2334,7 @@
           <a:p>
             <a:fld id="{3E03AB2E-3D5B-ED4B-A8B6-FC965523A4EE}" type="datetimeFigureOut">
               <a:rPr lang="ru-RU" smtClean="0"/>
-              <a:t>23.08.2021</a:t>
+              <a:t>26.08.2021</a:t>
             </a:fld>
             <a:endParaRPr lang="ru-RU"/>
           </a:p>
@@ -2620,7 +2623,7 @@
           <a:p>
             <a:fld id="{3E03AB2E-3D5B-ED4B-A8B6-FC965523A4EE}" type="datetimeFigureOut">
               <a:rPr lang="ru-RU" smtClean="0"/>
-              <a:t>23.08.2021</a:t>
+              <a:t>26.08.2021</a:t>
             </a:fld>
             <a:endParaRPr lang="ru-RU"/>
           </a:p>
@@ -2911,7 +2914,7 @@
           <a:p>
             <a:fld id="{3E03AB2E-3D5B-ED4B-A8B6-FC965523A4EE}" type="datetimeFigureOut">
               <a:rPr lang="ru-RU" smtClean="0"/>
-              <a:t>23.08.2021</a:t>
+              <a:t>26.08.2021</a:t>
             </a:fld>
             <a:endParaRPr lang="ru-RU"/>
           </a:p>
@@ -3127,7 +3130,7 @@
           <a:p>
             <a:fld id="{3E03AB2E-3D5B-ED4B-A8B6-FC965523A4EE}" type="datetimeFigureOut">
               <a:rPr lang="ru-RU" smtClean="0"/>
-              <a:t>23.08.2021</a:t>
+              <a:t>26.08.2021</a:t>
             </a:fld>
             <a:endParaRPr lang="ru-RU"/>
           </a:p>
@@ -3852,62 +3855,328 @@
           <a:chExt cx="0" cy="0"/>
         </a:xfrm>
       </p:grpSpPr>
-      <p:pic>
-        <p:nvPicPr>
-          <p:cNvPr id="3" name="Рисунок 2">
-            <a:extLst>
-              <a:ext uri="{FF2B5EF4-FFF2-40B4-BE49-F238E27FC236}">
-                <a16:creationId xmlns:a16="http://schemas.microsoft.com/office/drawing/2014/main" id="{EB7691CD-2BFB-904A-85F9-AB40DB154D9D}"/>
-              </a:ext>
-            </a:extLst>
-          </p:cNvPr>
-          <p:cNvPicPr>
-            <a:picLocks noChangeAspect="1"/>
-          </p:cNvPicPr>
-          <p:nvPr/>
-        </p:nvPicPr>
-        <p:blipFill>
-          <a:blip r:embed="rId2"/>
-          <a:stretch>
-            <a:fillRect/>
-          </a:stretch>
-        </p:blipFill>
-        <p:spPr>
-          <a:xfrm>
-            <a:off x="0" y="1470776"/>
-            <a:ext cx="12192000" cy="4581466"/>
-          </a:xfrm>
-          <a:prstGeom prst="rect">
-            <a:avLst/>
-          </a:prstGeom>
-        </p:spPr>
-      </p:pic>
+      <p:sp>
+        <p:nvSpPr>
+          <p:cNvPr id="2" name="Скругленный прямоугольник 1">
+            <a:extLst>
+              <a:ext uri="{FF2B5EF4-FFF2-40B4-BE49-F238E27FC236}">
+                <a16:creationId xmlns:a16="http://schemas.microsoft.com/office/drawing/2014/main" id="{54F3683C-C7B7-A242-8F0C-8E6FFE83CB52}"/>
+              </a:ext>
+            </a:extLst>
+          </p:cNvPr>
+          <p:cNvSpPr/>
+          <p:nvPr/>
+        </p:nvSpPr>
+        <p:spPr>
+          <a:xfrm>
+            <a:off x="2185059" y="1149930"/>
+            <a:ext cx="1947553" cy="486887"/>
+          </a:xfrm>
+          <a:prstGeom prst="roundRect">
+            <a:avLst/>
+          </a:prstGeom>
+        </p:spPr>
+        <p:style>
+          <a:lnRef idx="2">
+            <a:schemeClr val="accent1">
+              <a:shade val="50000"/>
+            </a:schemeClr>
+          </a:lnRef>
+          <a:fillRef idx="1">
+            <a:schemeClr val="accent1"/>
+          </a:fillRef>
+          <a:effectRef idx="0">
+            <a:schemeClr val="accent1"/>
+          </a:effectRef>
+          <a:fontRef idx="minor">
+            <a:schemeClr val="lt1"/>
+          </a:fontRef>
+        </p:style>
+        <p:txBody>
+          <a:bodyPr rtlCol="0" anchor="ctr"/>
+          <a:lstStyle/>
+          <a:p>
+            <a:pPr algn="ctr"/>
+            <a:r>
+              <a:rPr lang="ru-RU" sz="1400" dirty="0"/>
+              <a:t>Отвернуть от кота</a:t>
+            </a:r>
+          </a:p>
+        </p:txBody>
+      </p:sp>
+      <p:sp>
+        <p:nvSpPr>
+          <p:cNvPr id="3" name="Скругленный прямоугольник 2">
+            <a:extLst>
+              <a:ext uri="{FF2B5EF4-FFF2-40B4-BE49-F238E27FC236}">
+                <a16:creationId xmlns:a16="http://schemas.microsoft.com/office/drawing/2014/main" id="{56D25509-F34D-A34E-8D44-C471FB7656E4}"/>
+              </a:ext>
+            </a:extLst>
+          </p:cNvPr>
+          <p:cNvSpPr/>
+          <p:nvPr/>
+        </p:nvSpPr>
+        <p:spPr>
+          <a:xfrm>
+            <a:off x="2185058" y="1961412"/>
+            <a:ext cx="1947553" cy="486887"/>
+          </a:xfrm>
+          <a:prstGeom prst="roundRect">
+            <a:avLst/>
+          </a:prstGeom>
+        </p:spPr>
+        <p:style>
+          <a:lnRef idx="2">
+            <a:schemeClr val="accent1">
+              <a:shade val="50000"/>
+            </a:schemeClr>
+          </a:lnRef>
+          <a:fillRef idx="1">
+            <a:schemeClr val="accent1"/>
+          </a:fillRef>
+          <a:effectRef idx="0">
+            <a:schemeClr val="accent1"/>
+          </a:effectRef>
+          <a:fontRef idx="minor">
+            <a:schemeClr val="lt1"/>
+          </a:fontRef>
+        </p:style>
+        <p:txBody>
+          <a:bodyPr rtlCol="0" anchor="ctr"/>
+          <a:lstStyle/>
+          <a:p>
+            <a:pPr algn="ctr"/>
+            <a:r>
+              <a:rPr lang="ru-RU" sz="1400" dirty="0"/>
+              <a:t>Сделать шаг</a:t>
+            </a:r>
+          </a:p>
+        </p:txBody>
+      </p:sp>
+      <p:sp>
+        <p:nvSpPr>
+          <p:cNvPr id="4" name="Ромб 3">
+            <a:extLst>
+              <a:ext uri="{FF2B5EF4-FFF2-40B4-BE49-F238E27FC236}">
+                <a16:creationId xmlns:a16="http://schemas.microsoft.com/office/drawing/2014/main" id="{19144544-04FD-6F4C-A62C-532C2C94CD60}"/>
+              </a:ext>
+            </a:extLst>
+          </p:cNvPr>
+          <p:cNvSpPr/>
+          <p:nvPr/>
+        </p:nvSpPr>
+        <p:spPr>
+          <a:xfrm>
+            <a:off x="2256308" y="2788732"/>
+            <a:ext cx="1805049" cy="914400"/>
+          </a:xfrm>
+          <a:prstGeom prst="diamond">
+            <a:avLst/>
+          </a:prstGeom>
+        </p:spPr>
+        <p:style>
+          <a:lnRef idx="2">
+            <a:schemeClr val="accent1">
+              <a:shade val="50000"/>
+            </a:schemeClr>
+          </a:lnRef>
+          <a:fillRef idx="1">
+            <a:schemeClr val="accent1"/>
+          </a:fillRef>
+          <a:effectRef idx="0">
+            <a:schemeClr val="accent1"/>
+          </a:effectRef>
+          <a:fontRef idx="minor">
+            <a:schemeClr val="lt1"/>
+          </a:fontRef>
+        </p:style>
+        <p:txBody>
+          <a:bodyPr rtlCol="0" anchor="ctr"/>
+          <a:lstStyle/>
+          <a:p>
+            <a:pPr algn="ctr"/>
+            <a:r>
+              <a:rPr lang="ru-RU" sz="1400" dirty="0"/>
+              <a:t>Граница?</a:t>
+            </a:r>
+          </a:p>
+        </p:txBody>
+      </p:sp>
+      <p:sp>
+        <p:nvSpPr>
+          <p:cNvPr id="5" name="Скругленный прямоугольник 4">
+            <a:extLst>
+              <a:ext uri="{FF2B5EF4-FFF2-40B4-BE49-F238E27FC236}">
+                <a16:creationId xmlns:a16="http://schemas.microsoft.com/office/drawing/2014/main" id="{A3D6A8C5-4CF3-5E4A-8468-952D62CB1EEF}"/>
+              </a:ext>
+            </a:extLst>
+          </p:cNvPr>
+          <p:cNvSpPr/>
+          <p:nvPr/>
+        </p:nvSpPr>
+        <p:spPr>
+          <a:xfrm>
+            <a:off x="4676899" y="3002488"/>
+            <a:ext cx="1947553" cy="486887"/>
+          </a:xfrm>
+          <a:prstGeom prst="roundRect">
+            <a:avLst/>
+          </a:prstGeom>
+        </p:spPr>
+        <p:style>
+          <a:lnRef idx="2">
+            <a:schemeClr val="accent1">
+              <a:shade val="50000"/>
+            </a:schemeClr>
+          </a:lnRef>
+          <a:fillRef idx="1">
+            <a:schemeClr val="accent1"/>
+          </a:fillRef>
+          <a:effectRef idx="0">
+            <a:schemeClr val="accent1"/>
+          </a:effectRef>
+          <a:fontRef idx="minor">
+            <a:schemeClr val="lt1"/>
+          </a:fontRef>
+        </p:style>
+        <p:txBody>
+          <a:bodyPr rtlCol="0" anchor="ctr"/>
+          <a:lstStyle/>
+          <a:p>
+            <a:pPr algn="ctr"/>
+            <a:r>
+              <a:rPr lang="ru-RU" sz="1400" dirty="0"/>
+              <a:t>Отвернуть от границы </a:t>
+            </a:r>
+          </a:p>
+        </p:txBody>
+      </p:sp>
+      <p:sp>
+        <p:nvSpPr>
+          <p:cNvPr id="6" name="Скругленный прямоугольник 5">
+            <a:extLst>
+              <a:ext uri="{FF2B5EF4-FFF2-40B4-BE49-F238E27FC236}">
+                <a16:creationId xmlns:a16="http://schemas.microsoft.com/office/drawing/2014/main" id="{F4E6A621-35EA-494D-B77F-CE4F4321E907}"/>
+              </a:ext>
+            </a:extLst>
+          </p:cNvPr>
+          <p:cNvSpPr/>
+          <p:nvPr/>
+        </p:nvSpPr>
+        <p:spPr>
+          <a:xfrm>
+            <a:off x="2185059" y="338448"/>
+            <a:ext cx="1947553" cy="486887"/>
+          </a:xfrm>
+          <a:prstGeom prst="roundRect">
+            <a:avLst/>
+          </a:prstGeom>
+        </p:spPr>
+        <p:style>
+          <a:lnRef idx="2">
+            <a:schemeClr val="accent1">
+              <a:shade val="50000"/>
+            </a:schemeClr>
+          </a:lnRef>
+          <a:fillRef idx="1">
+            <a:schemeClr val="accent1"/>
+          </a:fillRef>
+          <a:effectRef idx="0">
+            <a:schemeClr val="accent1"/>
+          </a:effectRef>
+          <a:fontRef idx="minor">
+            <a:schemeClr val="lt1"/>
+          </a:fontRef>
+        </p:style>
+        <p:txBody>
+          <a:bodyPr rtlCol="0" anchor="ctr"/>
+          <a:lstStyle/>
+          <a:p>
+            <a:pPr algn="ctr"/>
+            <a:r>
+              <a:rPr lang="ru-RU" sz="1400" dirty="0"/>
+              <a:t>Стоп=0</a:t>
+            </a:r>
+          </a:p>
+        </p:txBody>
+      </p:sp>
+      <p:sp>
+        <p:nvSpPr>
+          <p:cNvPr id="7" name="Скругленный прямоугольник 6">
+            <a:extLst>
+              <a:ext uri="{FF2B5EF4-FFF2-40B4-BE49-F238E27FC236}">
+                <a16:creationId xmlns:a16="http://schemas.microsoft.com/office/drawing/2014/main" id="{B1C1F175-76B5-084A-8AEF-B222E43BCFFB}"/>
+              </a:ext>
+            </a:extLst>
+          </p:cNvPr>
+          <p:cNvSpPr/>
+          <p:nvPr/>
+        </p:nvSpPr>
+        <p:spPr>
+          <a:xfrm>
+            <a:off x="2185058" y="4093063"/>
+            <a:ext cx="1947553" cy="486887"/>
+          </a:xfrm>
+          <a:prstGeom prst="roundRect">
+            <a:avLst/>
+          </a:prstGeom>
+        </p:spPr>
+        <p:style>
+          <a:lnRef idx="2">
+            <a:schemeClr val="accent1">
+              <a:shade val="50000"/>
+            </a:schemeClr>
+          </a:lnRef>
+          <a:fillRef idx="1">
+            <a:schemeClr val="accent1"/>
+          </a:fillRef>
+          <a:effectRef idx="0">
+            <a:schemeClr val="accent1"/>
+          </a:effectRef>
+          <a:fontRef idx="minor">
+            <a:schemeClr val="lt1"/>
+          </a:fontRef>
+        </p:style>
+        <p:txBody>
+          <a:bodyPr rtlCol="0" anchor="ctr"/>
+          <a:lstStyle/>
+          <a:p>
+            <a:pPr algn="ctr"/>
+            <a:r>
+              <a:rPr lang="ru-RU" sz="1400" dirty="0"/>
+              <a:t>Повторять пока стоп</a:t>
+            </a:r>
+            <a:r>
+              <a:rPr lang="en-US" sz="1400" dirty="0"/>
+              <a:t>&lt;&gt;1</a:t>
+            </a:r>
+            <a:endParaRPr lang="ru-RU" sz="1400" dirty="0"/>
+          </a:p>
+        </p:txBody>
+      </p:sp>
       <p:cxnSp>
         <p:nvCxnSpPr>
-          <p:cNvPr id="7" name="Прямая со стрелкой 6">
-            <a:extLst>
-              <a:ext uri="{FF2B5EF4-FFF2-40B4-BE49-F238E27FC236}">
-                <a16:creationId xmlns:a16="http://schemas.microsoft.com/office/drawing/2014/main" id="{517EEC03-7397-234B-BB9C-F5B42C25B7D5}"/>
+          <p:cNvPr id="8" name="Прямая со стрелкой 7">
+            <a:extLst>
+              <a:ext uri="{FF2B5EF4-FFF2-40B4-BE49-F238E27FC236}">
+                <a16:creationId xmlns:a16="http://schemas.microsoft.com/office/drawing/2014/main" id="{F5B1876E-3BA6-734B-A1D4-24E2A9AA40B6}"/>
               </a:ext>
             </a:extLst>
           </p:cNvPr>
           <p:cNvCxnSpPr>
-            <a:cxnSpLocks/>
+            <a:endCxn id="2" idx="0"/>
           </p:cNvCxnSpPr>
           <p:nvPr/>
         </p:nvCxnSpPr>
         <p:spPr>
-          <a:xfrm flipH="1">
-            <a:off x="1104405" y="1615045"/>
-            <a:ext cx="1235034" cy="390120"/>
+          <a:xfrm>
+            <a:off x="3158834" y="825335"/>
+            <a:ext cx="2" cy="324595"/>
           </a:xfrm>
           <a:prstGeom prst="straightConnector1">
             <a:avLst/>
           </a:prstGeom>
           <a:ln w="38100">
-            <a:solidFill>
-              <a:schemeClr val="accent2"/>
-            </a:solidFill>
             <a:tailEnd type="triangle"/>
           </a:ln>
         </p:spPr>
@@ -3926,148 +4195,27 @@
           </a:fontRef>
         </p:style>
       </p:cxnSp>
-      <p:sp>
-        <p:nvSpPr>
-          <p:cNvPr id="8" name="TextBox 7">
-            <a:extLst>
-              <a:ext uri="{FF2B5EF4-FFF2-40B4-BE49-F238E27FC236}">
-                <a16:creationId xmlns:a16="http://schemas.microsoft.com/office/drawing/2014/main" id="{9C114EDD-22B3-EE49-B9B7-F679E93A062E}"/>
-              </a:ext>
-            </a:extLst>
-          </p:cNvPr>
-          <p:cNvSpPr txBox="1"/>
-          <p:nvPr/>
-        </p:nvSpPr>
-        <p:spPr>
-          <a:xfrm>
-            <a:off x="2339439" y="1470775"/>
-            <a:ext cx="2702791" cy="307777"/>
-          </a:xfrm>
-          <a:prstGeom prst="rect">
-            <a:avLst/>
-          </a:prstGeom>
-        </p:spPr>
-        <p:style>
-          <a:lnRef idx="1">
-            <a:schemeClr val="accent2"/>
-          </a:lnRef>
-          <a:fillRef idx="2">
-            <a:schemeClr val="accent2"/>
-          </a:fillRef>
-          <a:effectRef idx="1">
-            <a:schemeClr val="accent2"/>
-          </a:effectRef>
-          <a:fontRef idx="minor">
-            <a:schemeClr val="dk1"/>
-          </a:fontRef>
-        </p:style>
-        <p:txBody>
-          <a:bodyPr wrap="none" rtlCol="0">
-            <a:spAutoFit/>
-          </a:bodyPr>
-          <a:lstStyle>
-            <a:defPPr>
-              <a:defRPr lang="ru-RU"/>
-            </a:defPPr>
-            <a:lvl1pPr>
-              <a:defRPr>
-                <a:solidFill>
-                  <a:schemeClr val="dk1"/>
-                </a:solidFill>
-              </a:defRPr>
-            </a:lvl1pPr>
-            <a:lvl2pPr>
-              <a:defRPr>
-                <a:solidFill>
-                  <a:schemeClr val="dk1"/>
-                </a:solidFill>
-              </a:defRPr>
-            </a:lvl2pPr>
-            <a:lvl3pPr>
-              <a:defRPr>
-                <a:solidFill>
-                  <a:schemeClr val="dk1"/>
-                </a:solidFill>
-              </a:defRPr>
-            </a:lvl3pPr>
-            <a:lvl4pPr>
-              <a:defRPr>
-                <a:solidFill>
-                  <a:schemeClr val="dk1"/>
-                </a:solidFill>
-              </a:defRPr>
-            </a:lvl4pPr>
-            <a:lvl5pPr>
-              <a:defRPr>
-                <a:solidFill>
-                  <a:schemeClr val="dk1"/>
-                </a:solidFill>
-              </a:defRPr>
-            </a:lvl5pPr>
-            <a:lvl6pPr>
-              <a:defRPr>
-                <a:solidFill>
-                  <a:schemeClr val="dk1"/>
-                </a:solidFill>
-              </a:defRPr>
-            </a:lvl6pPr>
-            <a:lvl7pPr>
-              <a:defRPr>
-                <a:solidFill>
-                  <a:schemeClr val="dk1"/>
-                </a:solidFill>
-              </a:defRPr>
-            </a:lvl7pPr>
-            <a:lvl8pPr>
-              <a:defRPr>
-                <a:solidFill>
-                  <a:schemeClr val="dk1"/>
-                </a:solidFill>
-              </a:defRPr>
-            </a:lvl8pPr>
-            <a:lvl9pPr>
-              <a:defRPr>
-                <a:solidFill>
-                  <a:schemeClr val="dk1"/>
-                </a:solidFill>
-              </a:defRPr>
-            </a:lvl9pPr>
-          </a:lstStyle>
-          <a:p>
-            <a:r>
-              <a:rPr lang="ru-RU" sz="1400" dirty="0"/>
-              <a:t>Нужно создать переменную стоп</a:t>
-            </a:r>
-          </a:p>
-        </p:txBody>
-      </p:sp>
       <p:cxnSp>
         <p:nvCxnSpPr>
           <p:cNvPr id="9" name="Прямая со стрелкой 8">
             <a:extLst>
               <a:ext uri="{FF2B5EF4-FFF2-40B4-BE49-F238E27FC236}">
-                <a16:creationId xmlns:a16="http://schemas.microsoft.com/office/drawing/2014/main" id="{A1AA0B36-0485-4443-B9B7-2B22BD2FC486}"/>
-              </a:ext>
-            </a:extLst>
-          </p:cNvPr>
-          <p:cNvCxnSpPr>
-            <a:cxnSpLocks/>
-            <a:stCxn id="11" idx="1"/>
-          </p:cNvCxnSpPr>
+                <a16:creationId xmlns:a16="http://schemas.microsoft.com/office/drawing/2014/main" id="{A1356200-0096-0D4F-8A8C-99C857A508A2}"/>
+              </a:ext>
+            </a:extLst>
+          </p:cNvPr>
+          <p:cNvCxnSpPr/>
           <p:nvPr/>
         </p:nvCxnSpPr>
         <p:spPr>
-          <a:xfrm flipH="1">
-            <a:off x="6745184" y="2159054"/>
-            <a:ext cx="1178975" cy="0"/>
+          <a:xfrm>
+            <a:off x="3158830" y="1636817"/>
+            <a:ext cx="2" cy="324595"/>
           </a:xfrm>
           <a:prstGeom prst="straightConnector1">
             <a:avLst/>
           </a:prstGeom>
           <a:ln w="38100">
-            <a:solidFill>
-              <a:schemeClr val="accent2"/>
-            </a:solidFill>
             <a:tailEnd type="triangle"/>
           </a:ln>
         </p:spPr>
@@ -4086,147 +4234,30 @@
           </a:fontRef>
         </p:style>
       </p:cxnSp>
-      <p:sp>
-        <p:nvSpPr>
-          <p:cNvPr id="11" name="TextBox 10">
-            <a:extLst>
-              <a:ext uri="{FF2B5EF4-FFF2-40B4-BE49-F238E27FC236}">
-                <a16:creationId xmlns:a16="http://schemas.microsoft.com/office/drawing/2014/main" id="{14BF98BF-4D53-A843-B10C-20B3847EE796}"/>
-              </a:ext>
-            </a:extLst>
-          </p:cNvPr>
-          <p:cNvSpPr txBox="1"/>
-          <p:nvPr/>
-        </p:nvSpPr>
-        <p:spPr>
-          <a:xfrm>
-            <a:off x="7924159" y="2005165"/>
-            <a:ext cx="2412455" cy="307777"/>
-          </a:xfrm>
-          <a:prstGeom prst="rect">
-            <a:avLst/>
-          </a:prstGeom>
-        </p:spPr>
-        <p:style>
-          <a:lnRef idx="1">
-            <a:schemeClr val="accent2"/>
-          </a:lnRef>
-          <a:fillRef idx="2">
-            <a:schemeClr val="accent2"/>
-          </a:fillRef>
-          <a:effectRef idx="1">
-            <a:schemeClr val="accent2"/>
-          </a:effectRef>
-          <a:fontRef idx="minor">
-            <a:schemeClr val="dk1"/>
-          </a:fontRef>
-        </p:style>
-        <p:txBody>
-          <a:bodyPr wrap="none" rtlCol="0">
-            <a:spAutoFit/>
-          </a:bodyPr>
-          <a:lstStyle>
-            <a:defPPr>
-              <a:defRPr lang="ru-RU"/>
-            </a:defPPr>
-            <a:lvl1pPr>
-              <a:defRPr>
-                <a:solidFill>
-                  <a:schemeClr val="dk1"/>
-                </a:solidFill>
-              </a:defRPr>
-            </a:lvl1pPr>
-            <a:lvl2pPr>
-              <a:defRPr>
-                <a:solidFill>
-                  <a:schemeClr val="dk1"/>
-                </a:solidFill>
-              </a:defRPr>
-            </a:lvl2pPr>
-            <a:lvl3pPr>
-              <a:defRPr>
-                <a:solidFill>
-                  <a:schemeClr val="dk1"/>
-                </a:solidFill>
-              </a:defRPr>
-            </a:lvl3pPr>
-            <a:lvl4pPr>
-              <a:defRPr>
-                <a:solidFill>
-                  <a:schemeClr val="dk1"/>
-                </a:solidFill>
-              </a:defRPr>
-            </a:lvl4pPr>
-            <a:lvl5pPr>
-              <a:defRPr>
-                <a:solidFill>
-                  <a:schemeClr val="dk1"/>
-                </a:solidFill>
-              </a:defRPr>
-            </a:lvl5pPr>
-            <a:lvl6pPr>
-              <a:defRPr>
-                <a:solidFill>
-                  <a:schemeClr val="dk1"/>
-                </a:solidFill>
-              </a:defRPr>
-            </a:lvl6pPr>
-            <a:lvl7pPr>
-              <a:defRPr>
-                <a:solidFill>
-                  <a:schemeClr val="dk1"/>
-                </a:solidFill>
-              </a:defRPr>
-            </a:lvl7pPr>
-            <a:lvl8pPr>
-              <a:defRPr>
-                <a:solidFill>
-                  <a:schemeClr val="dk1"/>
-                </a:solidFill>
-              </a:defRPr>
-            </a:lvl8pPr>
-            <a:lvl9pPr>
-              <a:defRPr>
-                <a:solidFill>
-                  <a:schemeClr val="dk1"/>
-                </a:solidFill>
-              </a:defRPr>
-            </a:lvl9pPr>
-          </a:lstStyle>
-          <a:p>
-            <a:r>
-              <a:rPr lang="ru-RU" sz="1400" dirty="0"/>
-              <a:t>Кот поворачивается к мышке</a:t>
-            </a:r>
-          </a:p>
-        </p:txBody>
-      </p:sp>
       <p:cxnSp>
         <p:nvCxnSpPr>
-          <p:cNvPr id="12" name="Прямая со стрелкой 11">
-            <a:extLst>
-              <a:ext uri="{FF2B5EF4-FFF2-40B4-BE49-F238E27FC236}">
-                <a16:creationId xmlns:a16="http://schemas.microsoft.com/office/drawing/2014/main" id="{EAA5C1AA-71F9-8943-9DA8-5C475A330BD3}"/>
+          <p:cNvPr id="10" name="Прямая со стрелкой 9">
+            <a:extLst>
+              <a:ext uri="{FF2B5EF4-FFF2-40B4-BE49-F238E27FC236}">
+                <a16:creationId xmlns:a16="http://schemas.microsoft.com/office/drawing/2014/main" id="{8D095AFC-F66D-A74A-81A1-85B55F549F3B}"/>
               </a:ext>
             </a:extLst>
           </p:cNvPr>
           <p:cNvCxnSpPr>
             <a:cxnSpLocks/>
+            <a:stCxn id="3" idx="2"/>
           </p:cNvCxnSpPr>
           <p:nvPr/>
         </p:nvCxnSpPr>
         <p:spPr>
-          <a:xfrm flipV="1">
-            <a:off x="4865915" y="3761509"/>
-            <a:ext cx="976745" cy="1"/>
+          <a:xfrm flipH="1">
+            <a:off x="3158833" y="2448299"/>
+            <a:ext cx="2" cy="356271"/>
           </a:xfrm>
           <a:prstGeom prst="straightConnector1">
             <a:avLst/>
           </a:prstGeom>
           <a:ln w="38100">
-            <a:solidFill>
-              <a:schemeClr val="accent2"/>
-            </a:solidFill>
             <a:tailEnd type="triangle"/>
           </a:ln>
         </p:spPr>
@@ -4245,147 +4276,31 @@
           </a:fontRef>
         </p:style>
       </p:cxnSp>
-      <p:sp>
-        <p:nvSpPr>
-          <p:cNvPr id="17" name="TextBox 16">
-            <a:extLst>
-              <a:ext uri="{FF2B5EF4-FFF2-40B4-BE49-F238E27FC236}">
-                <a16:creationId xmlns:a16="http://schemas.microsoft.com/office/drawing/2014/main" id="{46C28331-1E29-E345-A24A-DBC9C41C77A4}"/>
-              </a:ext>
-            </a:extLst>
-          </p:cNvPr>
-          <p:cNvSpPr txBox="1"/>
-          <p:nvPr/>
-        </p:nvSpPr>
-        <p:spPr>
-          <a:xfrm>
-            <a:off x="3220015" y="3607620"/>
-            <a:ext cx="1645900" cy="307777"/>
-          </a:xfrm>
-          <a:prstGeom prst="rect">
-            <a:avLst/>
-          </a:prstGeom>
-        </p:spPr>
-        <p:style>
-          <a:lnRef idx="1">
-            <a:schemeClr val="accent2"/>
-          </a:lnRef>
-          <a:fillRef idx="2">
-            <a:schemeClr val="accent2"/>
-          </a:fillRef>
-          <a:effectRef idx="1">
-            <a:schemeClr val="accent2"/>
-          </a:effectRef>
-          <a:fontRef idx="minor">
-            <a:schemeClr val="dk1"/>
-          </a:fontRef>
-        </p:style>
-        <p:txBody>
-          <a:bodyPr wrap="none" rtlCol="0">
-            <a:spAutoFit/>
-          </a:bodyPr>
-          <a:lstStyle>
-            <a:defPPr>
-              <a:defRPr lang="ru-RU"/>
-            </a:defPPr>
-            <a:lvl1pPr>
-              <a:defRPr>
-                <a:solidFill>
-                  <a:schemeClr val="dk1"/>
-                </a:solidFill>
-              </a:defRPr>
-            </a:lvl1pPr>
-            <a:lvl2pPr>
-              <a:defRPr>
-                <a:solidFill>
-                  <a:schemeClr val="dk1"/>
-                </a:solidFill>
-              </a:defRPr>
-            </a:lvl2pPr>
-            <a:lvl3pPr>
-              <a:defRPr>
-                <a:solidFill>
-                  <a:schemeClr val="dk1"/>
-                </a:solidFill>
-              </a:defRPr>
-            </a:lvl3pPr>
-            <a:lvl4pPr>
-              <a:defRPr>
-                <a:solidFill>
-                  <a:schemeClr val="dk1"/>
-                </a:solidFill>
-              </a:defRPr>
-            </a:lvl4pPr>
-            <a:lvl5pPr>
-              <a:defRPr>
-                <a:solidFill>
-                  <a:schemeClr val="dk1"/>
-                </a:solidFill>
-              </a:defRPr>
-            </a:lvl5pPr>
-            <a:lvl6pPr>
-              <a:defRPr>
-                <a:solidFill>
-                  <a:schemeClr val="dk1"/>
-                </a:solidFill>
-              </a:defRPr>
-            </a:lvl6pPr>
-            <a:lvl7pPr>
-              <a:defRPr>
-                <a:solidFill>
-                  <a:schemeClr val="dk1"/>
-                </a:solidFill>
-              </a:defRPr>
-            </a:lvl7pPr>
-            <a:lvl8pPr>
-              <a:defRPr>
-                <a:solidFill>
-                  <a:schemeClr val="dk1"/>
-                </a:solidFill>
-              </a:defRPr>
-            </a:lvl8pPr>
-            <a:lvl9pPr>
-              <a:defRPr>
-                <a:solidFill>
-                  <a:schemeClr val="dk1"/>
-                </a:solidFill>
-              </a:defRPr>
-            </a:lvl9pPr>
-          </a:lstStyle>
-          <a:p>
-            <a:r>
-              <a:rPr lang="ru-RU" sz="1400" dirty="0"/>
-              <a:t>Кот поймал мышку</a:t>
-            </a:r>
-          </a:p>
-        </p:txBody>
-      </p:sp>
       <p:cxnSp>
         <p:nvCxnSpPr>
-          <p:cNvPr id="18" name="Прямая со стрелкой 17">
-            <a:extLst>
-              <a:ext uri="{FF2B5EF4-FFF2-40B4-BE49-F238E27FC236}">
-                <a16:creationId xmlns:a16="http://schemas.microsoft.com/office/drawing/2014/main" id="{D3B703E6-ED8A-DD47-B042-D0F7E31EB69A}"/>
+          <p:cNvPr id="11" name="Прямая со стрелкой 10">
+            <a:extLst>
+              <a:ext uri="{FF2B5EF4-FFF2-40B4-BE49-F238E27FC236}">
+                <a16:creationId xmlns:a16="http://schemas.microsoft.com/office/drawing/2014/main" id="{9FE7028D-E71E-674C-8B32-31A989BD58F4}"/>
               </a:ext>
             </a:extLst>
           </p:cNvPr>
           <p:cNvCxnSpPr>
             <a:cxnSpLocks/>
+            <a:stCxn id="4" idx="2"/>
+            <a:endCxn id="7" idx="0"/>
           </p:cNvCxnSpPr>
           <p:nvPr/>
         </p:nvCxnSpPr>
         <p:spPr>
-          <a:xfrm flipV="1">
-            <a:off x="3479470" y="4448298"/>
-            <a:ext cx="520536" cy="503712"/>
+          <a:xfrm>
+            <a:off x="3158833" y="3703132"/>
+            <a:ext cx="2" cy="389931"/>
           </a:xfrm>
           <a:prstGeom prst="straightConnector1">
             <a:avLst/>
           </a:prstGeom>
           <a:ln w="38100">
-            <a:solidFill>
-              <a:schemeClr val="accent2"/>
-            </a:solidFill>
             <a:tailEnd type="triangle"/>
           </a:ln>
         </p:spPr>
@@ -4404,147 +4319,30 @@
           </a:fontRef>
         </p:style>
       </p:cxnSp>
-      <p:sp>
-        <p:nvSpPr>
-          <p:cNvPr id="23" name="TextBox 22">
-            <a:extLst>
-              <a:ext uri="{FF2B5EF4-FFF2-40B4-BE49-F238E27FC236}">
-                <a16:creationId xmlns:a16="http://schemas.microsoft.com/office/drawing/2014/main" id="{3325F539-0B73-3F43-AD3A-5A19E194C11F}"/>
-              </a:ext>
-            </a:extLst>
-          </p:cNvPr>
-          <p:cNvSpPr txBox="1"/>
-          <p:nvPr/>
-        </p:nvSpPr>
-        <p:spPr>
-          <a:xfrm>
-            <a:off x="2656520" y="4952010"/>
-            <a:ext cx="2538002" cy="307777"/>
-          </a:xfrm>
-          <a:prstGeom prst="rect">
-            <a:avLst/>
-          </a:prstGeom>
-        </p:spPr>
-        <p:style>
-          <a:lnRef idx="1">
-            <a:schemeClr val="accent2"/>
-          </a:lnRef>
-          <a:fillRef idx="2">
-            <a:schemeClr val="accent2"/>
-          </a:fillRef>
-          <a:effectRef idx="1">
-            <a:schemeClr val="accent2"/>
-          </a:effectRef>
-          <a:fontRef idx="minor">
-            <a:schemeClr val="dk1"/>
-          </a:fontRef>
-        </p:style>
-        <p:txBody>
-          <a:bodyPr wrap="none" rtlCol="0">
-            <a:spAutoFit/>
-          </a:bodyPr>
-          <a:lstStyle>
-            <a:defPPr>
-              <a:defRPr lang="ru-RU"/>
-            </a:defPPr>
-            <a:lvl1pPr>
-              <a:defRPr>
-                <a:solidFill>
-                  <a:schemeClr val="dk1"/>
-                </a:solidFill>
-              </a:defRPr>
-            </a:lvl1pPr>
-            <a:lvl2pPr>
-              <a:defRPr>
-                <a:solidFill>
-                  <a:schemeClr val="dk1"/>
-                </a:solidFill>
-              </a:defRPr>
-            </a:lvl2pPr>
-            <a:lvl3pPr>
-              <a:defRPr>
-                <a:solidFill>
-                  <a:schemeClr val="dk1"/>
-                </a:solidFill>
-              </a:defRPr>
-            </a:lvl3pPr>
-            <a:lvl4pPr>
-              <a:defRPr>
-                <a:solidFill>
-                  <a:schemeClr val="dk1"/>
-                </a:solidFill>
-              </a:defRPr>
-            </a:lvl4pPr>
-            <a:lvl5pPr>
-              <a:defRPr>
-                <a:solidFill>
-                  <a:schemeClr val="dk1"/>
-                </a:solidFill>
-              </a:defRPr>
-            </a:lvl5pPr>
-            <a:lvl6pPr>
-              <a:defRPr>
-                <a:solidFill>
-                  <a:schemeClr val="dk1"/>
-                </a:solidFill>
-              </a:defRPr>
-            </a:lvl6pPr>
-            <a:lvl7pPr>
-              <a:defRPr>
-                <a:solidFill>
-                  <a:schemeClr val="dk1"/>
-                </a:solidFill>
-              </a:defRPr>
-            </a:lvl7pPr>
-            <a:lvl8pPr>
-              <a:defRPr>
-                <a:solidFill>
-                  <a:schemeClr val="dk1"/>
-                </a:solidFill>
-              </a:defRPr>
-            </a:lvl8pPr>
-            <a:lvl9pPr>
-              <a:defRPr>
-                <a:solidFill>
-                  <a:schemeClr val="dk1"/>
-                </a:solidFill>
-              </a:defRPr>
-            </a:lvl9pPr>
-          </a:lstStyle>
-          <a:p>
-            <a:r>
-              <a:rPr lang="ru-RU" sz="1400" dirty="0"/>
-              <a:t>Мышка уперлась в край сцены</a:t>
-            </a:r>
-          </a:p>
-        </p:txBody>
-      </p:sp>
       <p:cxnSp>
         <p:nvCxnSpPr>
-          <p:cNvPr id="24" name="Прямая со стрелкой 23">
-            <a:extLst>
-              <a:ext uri="{FF2B5EF4-FFF2-40B4-BE49-F238E27FC236}">
-                <a16:creationId xmlns:a16="http://schemas.microsoft.com/office/drawing/2014/main" id="{D3732810-3A3B-394D-9A8F-B0E4779A90A9}"/>
+          <p:cNvPr id="12" name="Прямая со стрелкой 11">
+            <a:extLst>
+              <a:ext uri="{FF2B5EF4-FFF2-40B4-BE49-F238E27FC236}">
+                <a16:creationId xmlns:a16="http://schemas.microsoft.com/office/drawing/2014/main" id="{B2503098-4FB2-CF40-B129-C88812DD9C3D}"/>
               </a:ext>
             </a:extLst>
           </p:cNvPr>
           <p:cNvCxnSpPr>
             <a:cxnSpLocks/>
+            <a:endCxn id="5" idx="1"/>
           </p:cNvCxnSpPr>
           <p:nvPr/>
         </p:nvCxnSpPr>
         <p:spPr>
           <a:xfrm>
-            <a:off x="10462161" y="5716372"/>
-            <a:ext cx="1100447" cy="0"/>
+            <a:off x="4061357" y="3245931"/>
+            <a:ext cx="615542" cy="1"/>
           </a:xfrm>
           <a:prstGeom prst="straightConnector1">
             <a:avLst/>
           </a:prstGeom>
           <a:ln w="38100">
-            <a:solidFill>
-              <a:schemeClr val="accent2"/>
-            </a:solidFill>
             <a:tailEnd type="triangle"/>
           </a:ln>
         </p:spPr>
@@ -4563,147 +4361,31 @@
           </a:fontRef>
         </p:style>
       </p:cxnSp>
-      <p:sp>
-        <p:nvSpPr>
-          <p:cNvPr id="26" name="TextBox 25">
-            <a:extLst>
-              <a:ext uri="{FF2B5EF4-FFF2-40B4-BE49-F238E27FC236}">
-                <a16:creationId xmlns:a16="http://schemas.microsoft.com/office/drawing/2014/main" id="{F317BF92-89F7-A44E-BE20-090997292C8E}"/>
-              </a:ext>
-            </a:extLst>
-          </p:cNvPr>
-          <p:cNvSpPr txBox="1"/>
-          <p:nvPr/>
-        </p:nvSpPr>
-        <p:spPr>
-          <a:xfrm>
-            <a:off x="7924159" y="5562483"/>
-            <a:ext cx="2618217" cy="307777"/>
-          </a:xfrm>
-          <a:prstGeom prst="rect">
-            <a:avLst/>
-          </a:prstGeom>
-        </p:spPr>
-        <p:style>
-          <a:lnRef idx="1">
-            <a:schemeClr val="accent2"/>
-          </a:lnRef>
-          <a:fillRef idx="2">
-            <a:schemeClr val="accent2"/>
-          </a:fillRef>
-          <a:effectRef idx="1">
-            <a:schemeClr val="accent2"/>
-          </a:effectRef>
-          <a:fontRef idx="minor">
-            <a:schemeClr val="dk1"/>
-          </a:fontRef>
-        </p:style>
-        <p:txBody>
-          <a:bodyPr wrap="none" rtlCol="0">
-            <a:spAutoFit/>
-          </a:bodyPr>
-          <a:lstStyle>
-            <a:defPPr>
-              <a:defRPr lang="ru-RU"/>
-            </a:defPPr>
-            <a:lvl1pPr>
-              <a:defRPr>
-                <a:solidFill>
-                  <a:schemeClr val="dk1"/>
-                </a:solidFill>
-              </a:defRPr>
-            </a:lvl1pPr>
-            <a:lvl2pPr>
-              <a:defRPr>
-                <a:solidFill>
-                  <a:schemeClr val="dk1"/>
-                </a:solidFill>
-              </a:defRPr>
-            </a:lvl2pPr>
-            <a:lvl3pPr>
-              <a:defRPr>
-                <a:solidFill>
-                  <a:schemeClr val="dk1"/>
-                </a:solidFill>
-              </a:defRPr>
-            </a:lvl3pPr>
-            <a:lvl4pPr>
-              <a:defRPr>
-                <a:solidFill>
-                  <a:schemeClr val="dk1"/>
-                </a:solidFill>
-              </a:defRPr>
-            </a:lvl4pPr>
-            <a:lvl5pPr>
-              <a:defRPr>
-                <a:solidFill>
-                  <a:schemeClr val="dk1"/>
-                </a:solidFill>
-              </a:defRPr>
-            </a:lvl5pPr>
-            <a:lvl6pPr>
-              <a:defRPr>
-                <a:solidFill>
-                  <a:schemeClr val="dk1"/>
-                </a:solidFill>
-              </a:defRPr>
-            </a:lvl6pPr>
-            <a:lvl7pPr>
-              <a:defRPr>
-                <a:solidFill>
-                  <a:schemeClr val="dk1"/>
-                </a:solidFill>
-              </a:defRPr>
-            </a:lvl7pPr>
-            <a:lvl8pPr>
-              <a:defRPr>
-                <a:solidFill>
-                  <a:schemeClr val="dk1"/>
-                </a:solidFill>
-              </a:defRPr>
-            </a:lvl8pPr>
-            <a:lvl9pPr>
-              <a:defRPr>
-                <a:solidFill>
-                  <a:schemeClr val="dk1"/>
-                </a:solidFill>
-              </a:defRPr>
-            </a:lvl9pPr>
-          </a:lstStyle>
-          <a:p>
-            <a:r>
-              <a:rPr lang="ru-RU" sz="1400" dirty="0"/>
-              <a:t>Нужно создать спрайт «мышка»</a:t>
-            </a:r>
-          </a:p>
-        </p:txBody>
-      </p:sp>
       <p:cxnSp>
         <p:nvCxnSpPr>
-          <p:cNvPr id="27" name="Прямая со стрелкой 26">
-            <a:extLst>
-              <a:ext uri="{FF2B5EF4-FFF2-40B4-BE49-F238E27FC236}">
-                <a16:creationId xmlns:a16="http://schemas.microsoft.com/office/drawing/2014/main" id="{9D6F8147-3D4A-834B-8408-FDDEA21A51CA}"/>
+          <p:cNvPr id="13" name="Соединительная линия уступом 12">
+            <a:extLst>
+              <a:ext uri="{FF2B5EF4-FFF2-40B4-BE49-F238E27FC236}">
+                <a16:creationId xmlns:a16="http://schemas.microsoft.com/office/drawing/2014/main" id="{F5EB487E-16BA-504A-9C82-9491C0D88F93}"/>
               </a:ext>
             </a:extLst>
           </p:cNvPr>
           <p:cNvCxnSpPr>
             <a:cxnSpLocks/>
+            <a:stCxn id="5" idx="2"/>
+            <a:endCxn id="7" idx="3"/>
           </p:cNvCxnSpPr>
           <p:nvPr/>
         </p:nvCxnSpPr>
         <p:spPr>
-          <a:xfrm flipH="1">
-            <a:off x="9832769" y="4821382"/>
-            <a:ext cx="807522" cy="0"/>
-          </a:xfrm>
-          <a:prstGeom prst="straightConnector1">
+          <a:xfrm rot="5400000">
+            <a:off x="4468078" y="3153909"/>
+            <a:ext cx="847132" cy="1518065"/>
+          </a:xfrm>
+          <a:prstGeom prst="bentConnector2">
             <a:avLst/>
           </a:prstGeom>
           <a:ln w="38100">
-            <a:solidFill>
-              <a:schemeClr val="accent2"/>
-            </a:solidFill>
             <a:tailEnd type="triangle"/>
           </a:ln>
         </p:spPr>
@@ -4722,125 +4404,56 @@
           </a:fontRef>
         </p:style>
       </p:cxnSp>
-      <p:sp>
-        <p:nvSpPr>
-          <p:cNvPr id="30" name="TextBox 29">
-            <a:extLst>
-              <a:ext uri="{FF2B5EF4-FFF2-40B4-BE49-F238E27FC236}">
-                <a16:creationId xmlns:a16="http://schemas.microsoft.com/office/drawing/2014/main" id="{DF0FE55C-C12D-114F-83E2-4B455F19824A}"/>
-              </a:ext>
-            </a:extLst>
-          </p:cNvPr>
-          <p:cNvSpPr txBox="1"/>
-          <p:nvPr/>
-        </p:nvSpPr>
-        <p:spPr>
-          <a:xfrm>
-            <a:off x="10604665" y="4692619"/>
-            <a:ext cx="855023" cy="307777"/>
-          </a:xfrm>
-          <a:prstGeom prst="rect">
-            <a:avLst/>
-          </a:prstGeom>
+      <p:cxnSp>
+        <p:nvCxnSpPr>
+          <p:cNvPr id="14" name="Соединительная линия уступом 13">
+            <a:extLst>
+              <a:ext uri="{FF2B5EF4-FFF2-40B4-BE49-F238E27FC236}">
+                <a16:creationId xmlns:a16="http://schemas.microsoft.com/office/drawing/2014/main" id="{702A137F-9B3F-0C47-AB5B-7608A2344A11}"/>
+              </a:ext>
+            </a:extLst>
+          </p:cNvPr>
+          <p:cNvCxnSpPr>
+            <a:cxnSpLocks/>
+            <a:stCxn id="7" idx="2"/>
+            <a:endCxn id="2" idx="1"/>
+          </p:cNvCxnSpPr>
+          <p:nvPr/>
+        </p:nvCxnSpPr>
+        <p:spPr>
+          <a:xfrm rot="5400000" flipH="1">
+            <a:off x="1078659" y="2499774"/>
+            <a:ext cx="3186576" cy="973776"/>
+          </a:xfrm>
+          <a:prstGeom prst="bentConnector4">
+            <a:avLst>
+              <a:gd name="adj1" fmla="val -7174"/>
+              <a:gd name="adj2" fmla="val 123476"/>
+            </a:avLst>
+          </a:prstGeom>
+          <a:ln w="38100">
+            <a:tailEnd type="triangle"/>
+          </a:ln>
         </p:spPr>
         <p:style>
           <a:lnRef idx="1">
-            <a:schemeClr val="accent2"/>
+            <a:schemeClr val="accent1"/>
           </a:lnRef>
-          <a:fillRef idx="2">
-            <a:schemeClr val="accent2"/>
+          <a:fillRef idx="0">
+            <a:schemeClr val="accent1"/>
           </a:fillRef>
-          <a:effectRef idx="1">
-            <a:schemeClr val="accent2"/>
+          <a:effectRef idx="0">
+            <a:schemeClr val="accent1"/>
           </a:effectRef>
           <a:fontRef idx="minor">
-            <a:schemeClr val="dk1"/>
+            <a:schemeClr val="tx1"/>
           </a:fontRef>
         </p:style>
-        <p:txBody>
-          <a:bodyPr wrap="square" rtlCol="0">
-            <a:spAutoFit/>
-          </a:bodyPr>
-          <a:lstStyle>
-            <a:defPPr>
-              <a:defRPr lang="ru-RU"/>
-            </a:defPPr>
-            <a:lvl1pPr>
-              <a:defRPr>
-                <a:solidFill>
-                  <a:schemeClr val="dk1"/>
-                </a:solidFill>
-              </a:defRPr>
-            </a:lvl1pPr>
-            <a:lvl2pPr>
-              <a:defRPr>
-                <a:solidFill>
-                  <a:schemeClr val="dk1"/>
-                </a:solidFill>
-              </a:defRPr>
-            </a:lvl2pPr>
-            <a:lvl3pPr>
-              <a:defRPr>
-                <a:solidFill>
-                  <a:schemeClr val="dk1"/>
-                </a:solidFill>
-              </a:defRPr>
-            </a:lvl3pPr>
-            <a:lvl4pPr>
-              <a:defRPr>
-                <a:solidFill>
-                  <a:schemeClr val="dk1"/>
-                </a:solidFill>
-              </a:defRPr>
-            </a:lvl4pPr>
-            <a:lvl5pPr>
-              <a:defRPr>
-                <a:solidFill>
-                  <a:schemeClr val="dk1"/>
-                </a:solidFill>
-              </a:defRPr>
-            </a:lvl5pPr>
-            <a:lvl6pPr>
-              <a:defRPr>
-                <a:solidFill>
-                  <a:schemeClr val="dk1"/>
-                </a:solidFill>
-              </a:defRPr>
-            </a:lvl6pPr>
-            <a:lvl7pPr>
-              <a:defRPr>
-                <a:solidFill>
-                  <a:schemeClr val="dk1"/>
-                </a:solidFill>
-              </a:defRPr>
-            </a:lvl7pPr>
-            <a:lvl8pPr>
-              <a:defRPr>
-                <a:solidFill>
-                  <a:schemeClr val="dk1"/>
-                </a:solidFill>
-              </a:defRPr>
-            </a:lvl8pPr>
-            <a:lvl9pPr>
-              <a:defRPr>
-                <a:solidFill>
-                  <a:schemeClr val="dk1"/>
-                </a:solidFill>
-              </a:defRPr>
-            </a:lvl9pPr>
-          </a:lstStyle>
-          <a:p>
-            <a:r>
-              <a:rPr lang="ru-RU" sz="1400" dirty="0"/>
-              <a:t>Спрайты</a:t>
-            </a:r>
-          </a:p>
-        </p:txBody>
-      </p:sp>
+      </p:cxnSp>
     </p:spTree>
     <p:extLst>
       <p:ext uri="{BB962C8B-B14F-4D97-AF65-F5344CB8AC3E}">
-        <p14:creationId xmlns:p14="http://schemas.microsoft.com/office/powerpoint/2010/main" val="4016025948"/>
+        <p14:creationId xmlns:p14="http://schemas.microsoft.com/office/powerpoint/2010/main" val="1543966100"/>
       </p:ext>
     </p:extLst>
   </p:cSld>
@@ -4872,7 +4485,7 @@
           <p:cNvPr id="3" name="Рисунок 2">
             <a:extLst>
               <a:ext uri="{FF2B5EF4-FFF2-40B4-BE49-F238E27FC236}">
-                <a16:creationId xmlns:a16="http://schemas.microsoft.com/office/drawing/2014/main" id="{B88A7738-988A-CF41-B7CF-DC50B7196BB0}"/>
+                <a16:creationId xmlns:a16="http://schemas.microsoft.com/office/drawing/2014/main" id="{EB7691CD-2BFB-904A-85F9-AB40DB154D9D}"/>
               </a:ext>
             </a:extLst>
           </p:cNvPr>
@@ -4889,8 +4502,8 @@
         </p:blipFill>
         <p:spPr>
           <a:xfrm>
-            <a:off x="1631950" y="742950"/>
-            <a:ext cx="8928100" cy="5372100"/>
+            <a:off x="0" y="1470776"/>
+            <a:ext cx="12192000" cy="4581466"/>
           </a:xfrm>
           <a:prstGeom prst="rect">
             <a:avLst/>
@@ -4899,10 +4512,10 @@
       </p:pic>
       <p:cxnSp>
         <p:nvCxnSpPr>
-          <p:cNvPr id="4" name="Прямая со стрелкой 3">
-            <a:extLst>
-              <a:ext uri="{FF2B5EF4-FFF2-40B4-BE49-F238E27FC236}">
-                <a16:creationId xmlns:a16="http://schemas.microsoft.com/office/drawing/2014/main" id="{3A1BB270-3F3C-5949-999C-7F31DD362515}"/>
+          <p:cNvPr id="7" name="Прямая со стрелкой 6">
+            <a:extLst>
+              <a:ext uri="{FF2B5EF4-FFF2-40B4-BE49-F238E27FC236}">
+                <a16:creationId xmlns:a16="http://schemas.microsoft.com/office/drawing/2014/main" id="{517EEC03-7397-234B-BB9C-F5B42C25B7D5}"/>
               </a:ext>
             </a:extLst>
           </p:cNvPr>
@@ -4913,8 +4526,8 @@
         </p:nvCxnSpPr>
         <p:spPr>
           <a:xfrm flipH="1">
-            <a:off x="3384468" y="1042772"/>
-            <a:ext cx="890649" cy="465394"/>
+            <a:off x="1104405" y="1615045"/>
+            <a:ext cx="1235034" cy="390120"/>
           </a:xfrm>
           <a:prstGeom prst="straightConnector1">
             <a:avLst/>
@@ -4943,10 +4556,10 @@
       </p:cxnSp>
       <p:sp>
         <p:nvSpPr>
-          <p:cNvPr id="5" name="TextBox 4">
-            <a:extLst>
-              <a:ext uri="{FF2B5EF4-FFF2-40B4-BE49-F238E27FC236}">
-                <a16:creationId xmlns:a16="http://schemas.microsoft.com/office/drawing/2014/main" id="{52833F49-9ABA-434E-80D2-BC4C76C1AB3D}"/>
+          <p:cNvPr id="8" name="TextBox 7">
+            <a:extLst>
+              <a:ext uri="{FF2B5EF4-FFF2-40B4-BE49-F238E27FC236}">
+                <a16:creationId xmlns:a16="http://schemas.microsoft.com/office/drawing/2014/main" id="{9C114EDD-22B3-EE49-B9B7-F679E93A062E}"/>
               </a:ext>
             </a:extLst>
           </p:cNvPr>
@@ -4955,8 +4568,8 @@
         </p:nvSpPr>
         <p:spPr>
           <a:xfrm>
-            <a:off x="4275117" y="888884"/>
-            <a:ext cx="1680525" cy="307777"/>
+            <a:off x="2339439" y="1470775"/>
+            <a:ext cx="2702791" cy="307777"/>
           </a:xfrm>
           <a:prstGeom prst="rect">
             <a:avLst/>
@@ -5051,30 +4664,30 @@
           <a:p>
             <a:r>
               <a:rPr lang="ru-RU" sz="1400" dirty="0"/>
-              <a:t>Выбирай животных</a:t>
+              <a:t>Нужно создать переменную стоп</a:t>
             </a:r>
           </a:p>
         </p:txBody>
       </p:sp>
       <p:cxnSp>
         <p:nvCxnSpPr>
-          <p:cNvPr id="7" name="Прямая со стрелкой 6">
-            <a:extLst>
-              <a:ext uri="{FF2B5EF4-FFF2-40B4-BE49-F238E27FC236}">
-                <a16:creationId xmlns:a16="http://schemas.microsoft.com/office/drawing/2014/main" id="{0D989451-44AD-8E45-8418-7F2A663B5568}"/>
+          <p:cNvPr id="9" name="Прямая со стрелкой 8">
+            <a:extLst>
+              <a:ext uri="{FF2B5EF4-FFF2-40B4-BE49-F238E27FC236}">
+                <a16:creationId xmlns:a16="http://schemas.microsoft.com/office/drawing/2014/main" id="{A1AA0B36-0485-4443-B9B7-2B22BD2FC486}"/>
               </a:ext>
             </a:extLst>
           </p:cNvPr>
           <p:cNvCxnSpPr>
             <a:cxnSpLocks/>
-            <a:stCxn id="8" idx="3"/>
+            <a:stCxn id="11" idx="1"/>
           </p:cNvCxnSpPr>
           <p:nvPr/>
         </p:nvCxnSpPr>
         <p:spPr>
-          <a:xfrm>
-            <a:off x="7592043" y="2986268"/>
-            <a:ext cx="1528206" cy="877509"/>
+          <a:xfrm flipH="1">
+            <a:off x="6745184" y="2159054"/>
+            <a:ext cx="1178975" cy="0"/>
           </a:xfrm>
           <a:prstGeom prst="straightConnector1">
             <a:avLst/>
@@ -5103,10 +4716,10 @@
       </p:cxnSp>
       <p:sp>
         <p:nvSpPr>
-          <p:cNvPr id="8" name="TextBox 7">
-            <a:extLst>
-              <a:ext uri="{FF2B5EF4-FFF2-40B4-BE49-F238E27FC236}">
-                <a16:creationId xmlns:a16="http://schemas.microsoft.com/office/drawing/2014/main" id="{0915EF66-70A1-1242-AC57-34D8129304F8}"/>
+          <p:cNvPr id="11" name="TextBox 10">
+            <a:extLst>
+              <a:ext uri="{FF2B5EF4-FFF2-40B4-BE49-F238E27FC236}">
+                <a16:creationId xmlns:a16="http://schemas.microsoft.com/office/drawing/2014/main" id="{14BF98BF-4D53-A843-B10C-20B3847EE796}"/>
               </a:ext>
             </a:extLst>
           </p:cNvPr>
@@ -5115,8 +4728,8 @@
         </p:nvSpPr>
         <p:spPr>
           <a:xfrm>
-            <a:off x="6127668" y="2832379"/>
-            <a:ext cx="1464375" cy="307777"/>
+            <a:off x="7924159" y="2005165"/>
+            <a:ext cx="2412455" cy="307777"/>
           </a:xfrm>
           <a:prstGeom prst="rect">
             <a:avLst/>
@@ -5137,6 +4750,642 @@
           </a:fontRef>
         </p:style>
         <p:txBody>
+          <a:bodyPr wrap="none" rtlCol="0">
+            <a:spAutoFit/>
+          </a:bodyPr>
+          <a:lstStyle>
+            <a:defPPr>
+              <a:defRPr lang="ru-RU"/>
+            </a:defPPr>
+            <a:lvl1pPr>
+              <a:defRPr>
+                <a:solidFill>
+                  <a:schemeClr val="dk1"/>
+                </a:solidFill>
+              </a:defRPr>
+            </a:lvl1pPr>
+            <a:lvl2pPr>
+              <a:defRPr>
+                <a:solidFill>
+                  <a:schemeClr val="dk1"/>
+                </a:solidFill>
+              </a:defRPr>
+            </a:lvl2pPr>
+            <a:lvl3pPr>
+              <a:defRPr>
+                <a:solidFill>
+                  <a:schemeClr val="dk1"/>
+                </a:solidFill>
+              </a:defRPr>
+            </a:lvl3pPr>
+            <a:lvl4pPr>
+              <a:defRPr>
+                <a:solidFill>
+                  <a:schemeClr val="dk1"/>
+                </a:solidFill>
+              </a:defRPr>
+            </a:lvl4pPr>
+            <a:lvl5pPr>
+              <a:defRPr>
+                <a:solidFill>
+                  <a:schemeClr val="dk1"/>
+                </a:solidFill>
+              </a:defRPr>
+            </a:lvl5pPr>
+            <a:lvl6pPr>
+              <a:defRPr>
+                <a:solidFill>
+                  <a:schemeClr val="dk1"/>
+                </a:solidFill>
+              </a:defRPr>
+            </a:lvl6pPr>
+            <a:lvl7pPr>
+              <a:defRPr>
+                <a:solidFill>
+                  <a:schemeClr val="dk1"/>
+                </a:solidFill>
+              </a:defRPr>
+            </a:lvl7pPr>
+            <a:lvl8pPr>
+              <a:defRPr>
+                <a:solidFill>
+                  <a:schemeClr val="dk1"/>
+                </a:solidFill>
+              </a:defRPr>
+            </a:lvl8pPr>
+            <a:lvl9pPr>
+              <a:defRPr>
+                <a:solidFill>
+                  <a:schemeClr val="dk1"/>
+                </a:solidFill>
+              </a:defRPr>
+            </a:lvl9pPr>
+          </a:lstStyle>
+          <a:p>
+            <a:r>
+              <a:rPr lang="ru-RU" sz="1400" dirty="0"/>
+              <a:t>Кот поворачивается к мышке</a:t>
+            </a:r>
+          </a:p>
+        </p:txBody>
+      </p:sp>
+      <p:cxnSp>
+        <p:nvCxnSpPr>
+          <p:cNvPr id="12" name="Прямая со стрелкой 11">
+            <a:extLst>
+              <a:ext uri="{FF2B5EF4-FFF2-40B4-BE49-F238E27FC236}">
+                <a16:creationId xmlns:a16="http://schemas.microsoft.com/office/drawing/2014/main" id="{EAA5C1AA-71F9-8943-9DA8-5C475A330BD3}"/>
+              </a:ext>
+            </a:extLst>
+          </p:cNvPr>
+          <p:cNvCxnSpPr>
+            <a:cxnSpLocks/>
+          </p:cNvCxnSpPr>
+          <p:nvPr/>
+        </p:nvCxnSpPr>
+        <p:spPr>
+          <a:xfrm flipV="1">
+            <a:off x="4865915" y="3761509"/>
+            <a:ext cx="976745" cy="1"/>
+          </a:xfrm>
+          <a:prstGeom prst="straightConnector1">
+            <a:avLst/>
+          </a:prstGeom>
+          <a:ln w="38100">
+            <a:solidFill>
+              <a:schemeClr val="accent2"/>
+            </a:solidFill>
+            <a:tailEnd type="triangle"/>
+          </a:ln>
+        </p:spPr>
+        <p:style>
+          <a:lnRef idx="1">
+            <a:schemeClr val="accent1"/>
+          </a:lnRef>
+          <a:fillRef idx="0">
+            <a:schemeClr val="accent1"/>
+          </a:fillRef>
+          <a:effectRef idx="0">
+            <a:schemeClr val="accent1"/>
+          </a:effectRef>
+          <a:fontRef idx="minor">
+            <a:schemeClr val="tx1"/>
+          </a:fontRef>
+        </p:style>
+      </p:cxnSp>
+      <p:sp>
+        <p:nvSpPr>
+          <p:cNvPr id="17" name="TextBox 16">
+            <a:extLst>
+              <a:ext uri="{FF2B5EF4-FFF2-40B4-BE49-F238E27FC236}">
+                <a16:creationId xmlns:a16="http://schemas.microsoft.com/office/drawing/2014/main" id="{46C28331-1E29-E345-A24A-DBC9C41C77A4}"/>
+              </a:ext>
+            </a:extLst>
+          </p:cNvPr>
+          <p:cNvSpPr txBox="1"/>
+          <p:nvPr/>
+        </p:nvSpPr>
+        <p:spPr>
+          <a:xfrm>
+            <a:off x="3220015" y="3607620"/>
+            <a:ext cx="1645900" cy="307777"/>
+          </a:xfrm>
+          <a:prstGeom prst="rect">
+            <a:avLst/>
+          </a:prstGeom>
+        </p:spPr>
+        <p:style>
+          <a:lnRef idx="1">
+            <a:schemeClr val="accent2"/>
+          </a:lnRef>
+          <a:fillRef idx="2">
+            <a:schemeClr val="accent2"/>
+          </a:fillRef>
+          <a:effectRef idx="1">
+            <a:schemeClr val="accent2"/>
+          </a:effectRef>
+          <a:fontRef idx="minor">
+            <a:schemeClr val="dk1"/>
+          </a:fontRef>
+        </p:style>
+        <p:txBody>
+          <a:bodyPr wrap="none" rtlCol="0">
+            <a:spAutoFit/>
+          </a:bodyPr>
+          <a:lstStyle>
+            <a:defPPr>
+              <a:defRPr lang="ru-RU"/>
+            </a:defPPr>
+            <a:lvl1pPr>
+              <a:defRPr>
+                <a:solidFill>
+                  <a:schemeClr val="dk1"/>
+                </a:solidFill>
+              </a:defRPr>
+            </a:lvl1pPr>
+            <a:lvl2pPr>
+              <a:defRPr>
+                <a:solidFill>
+                  <a:schemeClr val="dk1"/>
+                </a:solidFill>
+              </a:defRPr>
+            </a:lvl2pPr>
+            <a:lvl3pPr>
+              <a:defRPr>
+                <a:solidFill>
+                  <a:schemeClr val="dk1"/>
+                </a:solidFill>
+              </a:defRPr>
+            </a:lvl3pPr>
+            <a:lvl4pPr>
+              <a:defRPr>
+                <a:solidFill>
+                  <a:schemeClr val="dk1"/>
+                </a:solidFill>
+              </a:defRPr>
+            </a:lvl4pPr>
+            <a:lvl5pPr>
+              <a:defRPr>
+                <a:solidFill>
+                  <a:schemeClr val="dk1"/>
+                </a:solidFill>
+              </a:defRPr>
+            </a:lvl5pPr>
+            <a:lvl6pPr>
+              <a:defRPr>
+                <a:solidFill>
+                  <a:schemeClr val="dk1"/>
+                </a:solidFill>
+              </a:defRPr>
+            </a:lvl6pPr>
+            <a:lvl7pPr>
+              <a:defRPr>
+                <a:solidFill>
+                  <a:schemeClr val="dk1"/>
+                </a:solidFill>
+              </a:defRPr>
+            </a:lvl7pPr>
+            <a:lvl8pPr>
+              <a:defRPr>
+                <a:solidFill>
+                  <a:schemeClr val="dk1"/>
+                </a:solidFill>
+              </a:defRPr>
+            </a:lvl8pPr>
+            <a:lvl9pPr>
+              <a:defRPr>
+                <a:solidFill>
+                  <a:schemeClr val="dk1"/>
+                </a:solidFill>
+              </a:defRPr>
+            </a:lvl9pPr>
+          </a:lstStyle>
+          <a:p>
+            <a:r>
+              <a:rPr lang="ru-RU" sz="1400" dirty="0"/>
+              <a:t>Кот поймал мышку</a:t>
+            </a:r>
+          </a:p>
+        </p:txBody>
+      </p:sp>
+      <p:cxnSp>
+        <p:nvCxnSpPr>
+          <p:cNvPr id="18" name="Прямая со стрелкой 17">
+            <a:extLst>
+              <a:ext uri="{FF2B5EF4-FFF2-40B4-BE49-F238E27FC236}">
+                <a16:creationId xmlns:a16="http://schemas.microsoft.com/office/drawing/2014/main" id="{D3B703E6-ED8A-DD47-B042-D0F7E31EB69A}"/>
+              </a:ext>
+            </a:extLst>
+          </p:cNvPr>
+          <p:cNvCxnSpPr>
+            <a:cxnSpLocks/>
+          </p:cNvCxnSpPr>
+          <p:nvPr/>
+        </p:nvCxnSpPr>
+        <p:spPr>
+          <a:xfrm flipV="1">
+            <a:off x="3479470" y="4448298"/>
+            <a:ext cx="520536" cy="503712"/>
+          </a:xfrm>
+          <a:prstGeom prst="straightConnector1">
+            <a:avLst/>
+          </a:prstGeom>
+          <a:ln w="38100">
+            <a:solidFill>
+              <a:schemeClr val="accent2"/>
+            </a:solidFill>
+            <a:tailEnd type="triangle"/>
+          </a:ln>
+        </p:spPr>
+        <p:style>
+          <a:lnRef idx="1">
+            <a:schemeClr val="accent1"/>
+          </a:lnRef>
+          <a:fillRef idx="0">
+            <a:schemeClr val="accent1"/>
+          </a:fillRef>
+          <a:effectRef idx="0">
+            <a:schemeClr val="accent1"/>
+          </a:effectRef>
+          <a:fontRef idx="minor">
+            <a:schemeClr val="tx1"/>
+          </a:fontRef>
+        </p:style>
+      </p:cxnSp>
+      <p:sp>
+        <p:nvSpPr>
+          <p:cNvPr id="23" name="TextBox 22">
+            <a:extLst>
+              <a:ext uri="{FF2B5EF4-FFF2-40B4-BE49-F238E27FC236}">
+                <a16:creationId xmlns:a16="http://schemas.microsoft.com/office/drawing/2014/main" id="{3325F539-0B73-3F43-AD3A-5A19E194C11F}"/>
+              </a:ext>
+            </a:extLst>
+          </p:cNvPr>
+          <p:cNvSpPr txBox="1"/>
+          <p:nvPr/>
+        </p:nvSpPr>
+        <p:spPr>
+          <a:xfrm>
+            <a:off x="2656520" y="4952010"/>
+            <a:ext cx="2538002" cy="307777"/>
+          </a:xfrm>
+          <a:prstGeom prst="rect">
+            <a:avLst/>
+          </a:prstGeom>
+        </p:spPr>
+        <p:style>
+          <a:lnRef idx="1">
+            <a:schemeClr val="accent2"/>
+          </a:lnRef>
+          <a:fillRef idx="2">
+            <a:schemeClr val="accent2"/>
+          </a:fillRef>
+          <a:effectRef idx="1">
+            <a:schemeClr val="accent2"/>
+          </a:effectRef>
+          <a:fontRef idx="minor">
+            <a:schemeClr val="dk1"/>
+          </a:fontRef>
+        </p:style>
+        <p:txBody>
+          <a:bodyPr wrap="none" rtlCol="0">
+            <a:spAutoFit/>
+          </a:bodyPr>
+          <a:lstStyle>
+            <a:defPPr>
+              <a:defRPr lang="ru-RU"/>
+            </a:defPPr>
+            <a:lvl1pPr>
+              <a:defRPr>
+                <a:solidFill>
+                  <a:schemeClr val="dk1"/>
+                </a:solidFill>
+              </a:defRPr>
+            </a:lvl1pPr>
+            <a:lvl2pPr>
+              <a:defRPr>
+                <a:solidFill>
+                  <a:schemeClr val="dk1"/>
+                </a:solidFill>
+              </a:defRPr>
+            </a:lvl2pPr>
+            <a:lvl3pPr>
+              <a:defRPr>
+                <a:solidFill>
+                  <a:schemeClr val="dk1"/>
+                </a:solidFill>
+              </a:defRPr>
+            </a:lvl3pPr>
+            <a:lvl4pPr>
+              <a:defRPr>
+                <a:solidFill>
+                  <a:schemeClr val="dk1"/>
+                </a:solidFill>
+              </a:defRPr>
+            </a:lvl4pPr>
+            <a:lvl5pPr>
+              <a:defRPr>
+                <a:solidFill>
+                  <a:schemeClr val="dk1"/>
+                </a:solidFill>
+              </a:defRPr>
+            </a:lvl5pPr>
+            <a:lvl6pPr>
+              <a:defRPr>
+                <a:solidFill>
+                  <a:schemeClr val="dk1"/>
+                </a:solidFill>
+              </a:defRPr>
+            </a:lvl6pPr>
+            <a:lvl7pPr>
+              <a:defRPr>
+                <a:solidFill>
+                  <a:schemeClr val="dk1"/>
+                </a:solidFill>
+              </a:defRPr>
+            </a:lvl7pPr>
+            <a:lvl8pPr>
+              <a:defRPr>
+                <a:solidFill>
+                  <a:schemeClr val="dk1"/>
+                </a:solidFill>
+              </a:defRPr>
+            </a:lvl8pPr>
+            <a:lvl9pPr>
+              <a:defRPr>
+                <a:solidFill>
+                  <a:schemeClr val="dk1"/>
+                </a:solidFill>
+              </a:defRPr>
+            </a:lvl9pPr>
+          </a:lstStyle>
+          <a:p>
+            <a:r>
+              <a:rPr lang="ru-RU" sz="1400" dirty="0"/>
+              <a:t>Мышка уперлась в край сцены</a:t>
+            </a:r>
+          </a:p>
+        </p:txBody>
+      </p:sp>
+      <p:cxnSp>
+        <p:nvCxnSpPr>
+          <p:cNvPr id="24" name="Прямая со стрелкой 23">
+            <a:extLst>
+              <a:ext uri="{FF2B5EF4-FFF2-40B4-BE49-F238E27FC236}">
+                <a16:creationId xmlns:a16="http://schemas.microsoft.com/office/drawing/2014/main" id="{D3732810-3A3B-394D-9A8F-B0E4779A90A9}"/>
+              </a:ext>
+            </a:extLst>
+          </p:cNvPr>
+          <p:cNvCxnSpPr>
+            <a:cxnSpLocks/>
+          </p:cNvCxnSpPr>
+          <p:nvPr/>
+        </p:nvCxnSpPr>
+        <p:spPr>
+          <a:xfrm>
+            <a:off x="10462161" y="5716372"/>
+            <a:ext cx="1100447" cy="0"/>
+          </a:xfrm>
+          <a:prstGeom prst="straightConnector1">
+            <a:avLst/>
+          </a:prstGeom>
+          <a:ln w="38100">
+            <a:solidFill>
+              <a:schemeClr val="accent2"/>
+            </a:solidFill>
+            <a:tailEnd type="triangle"/>
+          </a:ln>
+        </p:spPr>
+        <p:style>
+          <a:lnRef idx="1">
+            <a:schemeClr val="accent1"/>
+          </a:lnRef>
+          <a:fillRef idx="0">
+            <a:schemeClr val="accent1"/>
+          </a:fillRef>
+          <a:effectRef idx="0">
+            <a:schemeClr val="accent1"/>
+          </a:effectRef>
+          <a:fontRef idx="minor">
+            <a:schemeClr val="tx1"/>
+          </a:fontRef>
+        </p:style>
+      </p:cxnSp>
+      <p:sp>
+        <p:nvSpPr>
+          <p:cNvPr id="26" name="TextBox 25">
+            <a:extLst>
+              <a:ext uri="{FF2B5EF4-FFF2-40B4-BE49-F238E27FC236}">
+                <a16:creationId xmlns:a16="http://schemas.microsoft.com/office/drawing/2014/main" id="{F317BF92-89F7-A44E-BE20-090997292C8E}"/>
+              </a:ext>
+            </a:extLst>
+          </p:cNvPr>
+          <p:cNvSpPr txBox="1"/>
+          <p:nvPr/>
+        </p:nvSpPr>
+        <p:spPr>
+          <a:xfrm>
+            <a:off x="7924159" y="5562483"/>
+            <a:ext cx="2618217" cy="307777"/>
+          </a:xfrm>
+          <a:prstGeom prst="rect">
+            <a:avLst/>
+          </a:prstGeom>
+        </p:spPr>
+        <p:style>
+          <a:lnRef idx="1">
+            <a:schemeClr val="accent2"/>
+          </a:lnRef>
+          <a:fillRef idx="2">
+            <a:schemeClr val="accent2"/>
+          </a:fillRef>
+          <a:effectRef idx="1">
+            <a:schemeClr val="accent2"/>
+          </a:effectRef>
+          <a:fontRef idx="minor">
+            <a:schemeClr val="dk1"/>
+          </a:fontRef>
+        </p:style>
+        <p:txBody>
+          <a:bodyPr wrap="none" rtlCol="0">
+            <a:spAutoFit/>
+          </a:bodyPr>
+          <a:lstStyle>
+            <a:defPPr>
+              <a:defRPr lang="ru-RU"/>
+            </a:defPPr>
+            <a:lvl1pPr>
+              <a:defRPr>
+                <a:solidFill>
+                  <a:schemeClr val="dk1"/>
+                </a:solidFill>
+              </a:defRPr>
+            </a:lvl1pPr>
+            <a:lvl2pPr>
+              <a:defRPr>
+                <a:solidFill>
+                  <a:schemeClr val="dk1"/>
+                </a:solidFill>
+              </a:defRPr>
+            </a:lvl2pPr>
+            <a:lvl3pPr>
+              <a:defRPr>
+                <a:solidFill>
+                  <a:schemeClr val="dk1"/>
+                </a:solidFill>
+              </a:defRPr>
+            </a:lvl3pPr>
+            <a:lvl4pPr>
+              <a:defRPr>
+                <a:solidFill>
+                  <a:schemeClr val="dk1"/>
+                </a:solidFill>
+              </a:defRPr>
+            </a:lvl4pPr>
+            <a:lvl5pPr>
+              <a:defRPr>
+                <a:solidFill>
+                  <a:schemeClr val="dk1"/>
+                </a:solidFill>
+              </a:defRPr>
+            </a:lvl5pPr>
+            <a:lvl6pPr>
+              <a:defRPr>
+                <a:solidFill>
+                  <a:schemeClr val="dk1"/>
+                </a:solidFill>
+              </a:defRPr>
+            </a:lvl6pPr>
+            <a:lvl7pPr>
+              <a:defRPr>
+                <a:solidFill>
+                  <a:schemeClr val="dk1"/>
+                </a:solidFill>
+              </a:defRPr>
+            </a:lvl7pPr>
+            <a:lvl8pPr>
+              <a:defRPr>
+                <a:solidFill>
+                  <a:schemeClr val="dk1"/>
+                </a:solidFill>
+              </a:defRPr>
+            </a:lvl8pPr>
+            <a:lvl9pPr>
+              <a:defRPr>
+                <a:solidFill>
+                  <a:schemeClr val="dk1"/>
+                </a:solidFill>
+              </a:defRPr>
+            </a:lvl9pPr>
+          </a:lstStyle>
+          <a:p>
+            <a:r>
+              <a:rPr lang="ru-RU" sz="1400" dirty="0"/>
+              <a:t>Нужно создать спрайт «мышка»</a:t>
+            </a:r>
+          </a:p>
+        </p:txBody>
+      </p:sp>
+      <p:cxnSp>
+        <p:nvCxnSpPr>
+          <p:cNvPr id="27" name="Прямая со стрелкой 26">
+            <a:extLst>
+              <a:ext uri="{FF2B5EF4-FFF2-40B4-BE49-F238E27FC236}">
+                <a16:creationId xmlns:a16="http://schemas.microsoft.com/office/drawing/2014/main" id="{9D6F8147-3D4A-834B-8408-FDDEA21A51CA}"/>
+              </a:ext>
+            </a:extLst>
+          </p:cNvPr>
+          <p:cNvCxnSpPr>
+            <a:cxnSpLocks/>
+          </p:cNvCxnSpPr>
+          <p:nvPr/>
+        </p:nvCxnSpPr>
+        <p:spPr>
+          <a:xfrm flipH="1">
+            <a:off x="9832769" y="4821382"/>
+            <a:ext cx="807522" cy="0"/>
+          </a:xfrm>
+          <a:prstGeom prst="straightConnector1">
+            <a:avLst/>
+          </a:prstGeom>
+          <a:ln w="38100">
+            <a:solidFill>
+              <a:schemeClr val="accent2"/>
+            </a:solidFill>
+            <a:tailEnd type="triangle"/>
+          </a:ln>
+        </p:spPr>
+        <p:style>
+          <a:lnRef idx="1">
+            <a:schemeClr val="accent1"/>
+          </a:lnRef>
+          <a:fillRef idx="0">
+            <a:schemeClr val="accent1"/>
+          </a:fillRef>
+          <a:effectRef idx="0">
+            <a:schemeClr val="accent1"/>
+          </a:effectRef>
+          <a:fontRef idx="minor">
+            <a:schemeClr val="tx1"/>
+          </a:fontRef>
+        </p:style>
+      </p:cxnSp>
+      <p:sp>
+        <p:nvSpPr>
+          <p:cNvPr id="30" name="TextBox 29">
+            <a:extLst>
+              <a:ext uri="{FF2B5EF4-FFF2-40B4-BE49-F238E27FC236}">
+                <a16:creationId xmlns:a16="http://schemas.microsoft.com/office/drawing/2014/main" id="{DF0FE55C-C12D-114F-83E2-4B455F19824A}"/>
+              </a:ext>
+            </a:extLst>
+          </p:cNvPr>
+          <p:cNvSpPr txBox="1"/>
+          <p:nvPr/>
+        </p:nvSpPr>
+        <p:spPr>
+          <a:xfrm>
+            <a:off x="10604665" y="4692619"/>
+            <a:ext cx="855023" cy="307777"/>
+          </a:xfrm>
+          <a:prstGeom prst="rect">
+            <a:avLst/>
+          </a:prstGeom>
+        </p:spPr>
+        <p:style>
+          <a:lnRef idx="1">
+            <a:schemeClr val="accent2"/>
+          </a:lnRef>
+          <a:fillRef idx="2">
+            <a:schemeClr val="accent2"/>
+          </a:fillRef>
+          <a:effectRef idx="1">
+            <a:schemeClr val="accent2"/>
+          </a:effectRef>
+          <a:fontRef idx="minor">
+            <a:schemeClr val="dk1"/>
+          </a:fontRef>
+        </p:style>
+        <p:txBody>
           <a:bodyPr wrap="square" rtlCol="0">
             <a:spAutoFit/>
           </a:bodyPr>
@@ -5211,7 +5460,7 @@
           <a:p>
             <a:r>
               <a:rPr lang="ru-RU" sz="1400" dirty="0"/>
-              <a:t>Ищи мышку</a:t>
+              <a:t>Спрайты</a:t>
             </a:r>
           </a:p>
         </p:txBody>
@@ -5219,7 +5468,7 @@
     </p:spTree>
     <p:extLst>
       <p:ext uri="{BB962C8B-B14F-4D97-AF65-F5344CB8AC3E}">
-        <p14:creationId xmlns:p14="http://schemas.microsoft.com/office/powerpoint/2010/main" val="1167058462"/>
+        <p14:creationId xmlns:p14="http://schemas.microsoft.com/office/powerpoint/2010/main" val="4016025948"/>
       </p:ext>
     </p:extLst>
   </p:cSld>
@@ -5251,7 +5500,7 @@
           <p:cNvPr id="3" name="Рисунок 2">
             <a:extLst>
               <a:ext uri="{FF2B5EF4-FFF2-40B4-BE49-F238E27FC236}">
-                <a16:creationId xmlns:a16="http://schemas.microsoft.com/office/drawing/2014/main" id="{FDA6AAFC-EF38-9B44-B3B5-8A5814296885}"/>
+                <a16:creationId xmlns:a16="http://schemas.microsoft.com/office/drawing/2014/main" id="{B88A7738-988A-CF41-B7CF-DC50B7196BB0}"/>
               </a:ext>
             </a:extLst>
           </p:cNvPr>
@@ -5268,8 +5517,8 @@
         </p:blipFill>
         <p:spPr>
           <a:xfrm>
-            <a:off x="1442770" y="633763"/>
-            <a:ext cx="5245100" cy="2882900"/>
+            <a:off x="1631950" y="742950"/>
+            <a:ext cx="8928100" cy="5372100"/>
           </a:xfrm>
           <a:prstGeom prst="rect">
             <a:avLst/>
@@ -5281,20 +5530,19 @@
           <p:cNvPr id="4" name="Прямая со стрелкой 3">
             <a:extLst>
               <a:ext uri="{FF2B5EF4-FFF2-40B4-BE49-F238E27FC236}">
-                <a16:creationId xmlns:a16="http://schemas.microsoft.com/office/drawing/2014/main" id="{36FAB398-E1E2-F14B-9764-9CA222E14796}"/>
+                <a16:creationId xmlns:a16="http://schemas.microsoft.com/office/drawing/2014/main" id="{3A1BB270-3F3C-5949-999C-7F31DD362515}"/>
               </a:ext>
             </a:extLst>
           </p:cNvPr>
           <p:cNvCxnSpPr>
             <a:cxnSpLocks/>
-            <a:stCxn id="5" idx="1"/>
           </p:cNvCxnSpPr>
           <p:nvPr/>
         </p:nvCxnSpPr>
         <p:spPr>
           <a:xfrm flipH="1">
-            <a:off x="2660074" y="1363406"/>
-            <a:ext cx="1258784" cy="0"/>
+            <a:off x="3384468" y="1042772"/>
+            <a:ext cx="890649" cy="465394"/>
           </a:xfrm>
           <a:prstGeom prst="straightConnector1">
             <a:avLst/>
@@ -5326,7 +5574,7 @@
           <p:cNvPr id="5" name="TextBox 4">
             <a:extLst>
               <a:ext uri="{FF2B5EF4-FFF2-40B4-BE49-F238E27FC236}">
-                <a16:creationId xmlns:a16="http://schemas.microsoft.com/office/drawing/2014/main" id="{6B748159-4275-4A4A-A09D-0092662F1CD5}"/>
+                <a16:creationId xmlns:a16="http://schemas.microsoft.com/office/drawing/2014/main" id="{52833F49-9ABA-434E-80D2-BC4C76C1AB3D}"/>
               </a:ext>
             </a:extLst>
           </p:cNvPr>
@@ -5335,8 +5583,8 @@
         </p:nvSpPr>
         <p:spPr>
           <a:xfrm>
-            <a:off x="3918858" y="1209517"/>
-            <a:ext cx="985651" cy="307777"/>
+            <a:off x="4275117" y="888884"/>
+            <a:ext cx="1680525" cy="307777"/>
           </a:xfrm>
           <a:prstGeom prst="rect">
             <a:avLst/>
@@ -5357,6 +5605,166 @@
           </a:fontRef>
         </p:style>
         <p:txBody>
+          <a:bodyPr wrap="none" rtlCol="0">
+            <a:spAutoFit/>
+          </a:bodyPr>
+          <a:lstStyle>
+            <a:defPPr>
+              <a:defRPr lang="ru-RU"/>
+            </a:defPPr>
+            <a:lvl1pPr>
+              <a:defRPr>
+                <a:solidFill>
+                  <a:schemeClr val="dk1"/>
+                </a:solidFill>
+              </a:defRPr>
+            </a:lvl1pPr>
+            <a:lvl2pPr>
+              <a:defRPr>
+                <a:solidFill>
+                  <a:schemeClr val="dk1"/>
+                </a:solidFill>
+              </a:defRPr>
+            </a:lvl2pPr>
+            <a:lvl3pPr>
+              <a:defRPr>
+                <a:solidFill>
+                  <a:schemeClr val="dk1"/>
+                </a:solidFill>
+              </a:defRPr>
+            </a:lvl3pPr>
+            <a:lvl4pPr>
+              <a:defRPr>
+                <a:solidFill>
+                  <a:schemeClr val="dk1"/>
+                </a:solidFill>
+              </a:defRPr>
+            </a:lvl4pPr>
+            <a:lvl5pPr>
+              <a:defRPr>
+                <a:solidFill>
+                  <a:schemeClr val="dk1"/>
+                </a:solidFill>
+              </a:defRPr>
+            </a:lvl5pPr>
+            <a:lvl6pPr>
+              <a:defRPr>
+                <a:solidFill>
+                  <a:schemeClr val="dk1"/>
+                </a:solidFill>
+              </a:defRPr>
+            </a:lvl6pPr>
+            <a:lvl7pPr>
+              <a:defRPr>
+                <a:solidFill>
+                  <a:schemeClr val="dk1"/>
+                </a:solidFill>
+              </a:defRPr>
+            </a:lvl7pPr>
+            <a:lvl8pPr>
+              <a:defRPr>
+                <a:solidFill>
+                  <a:schemeClr val="dk1"/>
+                </a:solidFill>
+              </a:defRPr>
+            </a:lvl8pPr>
+            <a:lvl9pPr>
+              <a:defRPr>
+                <a:solidFill>
+                  <a:schemeClr val="dk1"/>
+                </a:solidFill>
+              </a:defRPr>
+            </a:lvl9pPr>
+          </a:lstStyle>
+          <a:p>
+            <a:r>
+              <a:rPr lang="ru-RU" sz="1400" dirty="0"/>
+              <a:t>Выбирай животных</a:t>
+            </a:r>
+          </a:p>
+        </p:txBody>
+      </p:sp>
+      <p:cxnSp>
+        <p:nvCxnSpPr>
+          <p:cNvPr id="7" name="Прямая со стрелкой 6">
+            <a:extLst>
+              <a:ext uri="{FF2B5EF4-FFF2-40B4-BE49-F238E27FC236}">
+                <a16:creationId xmlns:a16="http://schemas.microsoft.com/office/drawing/2014/main" id="{0D989451-44AD-8E45-8418-7F2A663B5568}"/>
+              </a:ext>
+            </a:extLst>
+          </p:cNvPr>
+          <p:cNvCxnSpPr>
+            <a:cxnSpLocks/>
+            <a:stCxn id="8" idx="3"/>
+          </p:cNvCxnSpPr>
+          <p:nvPr/>
+        </p:nvCxnSpPr>
+        <p:spPr>
+          <a:xfrm>
+            <a:off x="7592043" y="2986268"/>
+            <a:ext cx="1528206" cy="877509"/>
+          </a:xfrm>
+          <a:prstGeom prst="straightConnector1">
+            <a:avLst/>
+          </a:prstGeom>
+          <a:ln w="38100">
+            <a:solidFill>
+              <a:schemeClr val="accent2"/>
+            </a:solidFill>
+            <a:tailEnd type="triangle"/>
+          </a:ln>
+        </p:spPr>
+        <p:style>
+          <a:lnRef idx="1">
+            <a:schemeClr val="accent1"/>
+          </a:lnRef>
+          <a:fillRef idx="0">
+            <a:schemeClr val="accent1"/>
+          </a:fillRef>
+          <a:effectRef idx="0">
+            <a:schemeClr val="accent1"/>
+          </a:effectRef>
+          <a:fontRef idx="minor">
+            <a:schemeClr val="tx1"/>
+          </a:fontRef>
+        </p:style>
+      </p:cxnSp>
+      <p:sp>
+        <p:nvSpPr>
+          <p:cNvPr id="8" name="TextBox 7">
+            <a:extLst>
+              <a:ext uri="{FF2B5EF4-FFF2-40B4-BE49-F238E27FC236}">
+                <a16:creationId xmlns:a16="http://schemas.microsoft.com/office/drawing/2014/main" id="{0915EF66-70A1-1242-AC57-34D8129304F8}"/>
+              </a:ext>
+            </a:extLst>
+          </p:cNvPr>
+          <p:cNvSpPr txBox="1"/>
+          <p:nvPr/>
+        </p:nvSpPr>
+        <p:spPr>
+          <a:xfrm>
+            <a:off x="6127668" y="2832379"/>
+            <a:ext cx="1464375" cy="307777"/>
+          </a:xfrm>
+          <a:prstGeom prst="rect">
+            <a:avLst/>
+          </a:prstGeom>
+        </p:spPr>
+        <p:style>
+          <a:lnRef idx="1">
+            <a:schemeClr val="accent2"/>
+          </a:lnRef>
+          <a:fillRef idx="2">
+            <a:schemeClr val="accent2"/>
+          </a:fillRef>
+          <a:effectRef idx="1">
+            <a:schemeClr val="accent2"/>
+          </a:effectRef>
+          <a:fontRef idx="minor">
+            <a:schemeClr val="dk1"/>
+          </a:fontRef>
+        </p:style>
+        <p:txBody>
           <a:bodyPr wrap="square" rtlCol="0">
             <a:spAutoFit/>
           </a:bodyPr>
@@ -5431,7 +5839,7 @@
           <a:p>
             <a:r>
               <a:rPr lang="ru-RU" sz="1400" dirty="0"/>
-              <a:t>Задай имя</a:t>
+              <a:t>Ищи мышку</a:t>
             </a:r>
           </a:p>
         </p:txBody>
@@ -5439,7 +5847,7 @@
     </p:spTree>
     <p:extLst>
       <p:ext uri="{BB962C8B-B14F-4D97-AF65-F5344CB8AC3E}">
-        <p14:creationId xmlns:p14="http://schemas.microsoft.com/office/powerpoint/2010/main" val="1619156964"/>
+        <p14:creationId xmlns:p14="http://schemas.microsoft.com/office/powerpoint/2010/main" val="1167058462"/>
       </p:ext>
     </p:extLst>
   </p:cSld>
@@ -5466,760 +5874,55 @@
           <a:chExt cx="0" cy="0"/>
         </a:xfrm>
       </p:grpSpPr>
-      <p:sp>
-        <p:nvSpPr>
-          <p:cNvPr id="2" name="Прямоугольник 1">
-            <a:extLst>
-              <a:ext uri="{FF2B5EF4-FFF2-40B4-BE49-F238E27FC236}">
-                <a16:creationId xmlns:a16="http://schemas.microsoft.com/office/drawing/2014/main" id="{068C32ED-75E6-FD4A-9472-3975297096AF}"/>
-              </a:ext>
-            </a:extLst>
-          </p:cNvPr>
-          <p:cNvSpPr/>
-          <p:nvPr/>
-        </p:nvSpPr>
-        <p:spPr>
-          <a:xfrm>
-            <a:off x="819397" y="617516"/>
-            <a:ext cx="593767" cy="534390"/>
+      <p:pic>
+        <p:nvPicPr>
+          <p:cNvPr id="3" name="Рисунок 2">
+            <a:extLst>
+              <a:ext uri="{FF2B5EF4-FFF2-40B4-BE49-F238E27FC236}">
+                <a16:creationId xmlns:a16="http://schemas.microsoft.com/office/drawing/2014/main" id="{FDA6AAFC-EF38-9B44-B3B5-8A5814296885}"/>
+              </a:ext>
+            </a:extLst>
+          </p:cNvPr>
+          <p:cNvPicPr>
+            <a:picLocks noChangeAspect="1"/>
+          </p:cNvPicPr>
+          <p:nvPr/>
+        </p:nvPicPr>
+        <p:blipFill>
+          <a:blip r:embed="rId2"/>
+          <a:stretch>
+            <a:fillRect/>
+          </a:stretch>
+        </p:blipFill>
+        <p:spPr>
+          <a:xfrm>
+            <a:off x="1442770" y="633763"/>
+            <a:ext cx="5245100" cy="2882900"/>
           </a:xfrm>
           <a:prstGeom prst="rect">
             <a:avLst/>
           </a:prstGeom>
         </p:spPr>
-        <p:style>
-          <a:lnRef idx="2">
-            <a:schemeClr val="accent1">
-              <a:shade val="50000"/>
-            </a:schemeClr>
-          </a:lnRef>
-          <a:fillRef idx="1">
-            <a:schemeClr val="accent1"/>
-          </a:fillRef>
-          <a:effectRef idx="0">
-            <a:schemeClr val="accent1"/>
-          </a:effectRef>
-          <a:fontRef idx="minor">
-            <a:schemeClr val="lt1"/>
-          </a:fontRef>
-        </p:style>
-        <p:txBody>
-          <a:bodyPr rtlCol="0" anchor="ctr"/>
-          <a:lstStyle/>
-          <a:p>
-            <a:pPr algn="ctr"/>
-            <a:r>
-              <a:rPr lang="ru-RU" dirty="0"/>
-              <a:t>0</a:t>
-            </a:r>
-          </a:p>
-        </p:txBody>
-      </p:sp>
-      <p:sp>
-        <p:nvSpPr>
-          <p:cNvPr id="3" name="Прямоугольник 2">
-            <a:extLst>
-              <a:ext uri="{FF2B5EF4-FFF2-40B4-BE49-F238E27FC236}">
-                <a16:creationId xmlns:a16="http://schemas.microsoft.com/office/drawing/2014/main" id="{9D12567D-8F47-884B-B745-FE7B4F49293C}"/>
-              </a:ext>
-            </a:extLst>
-          </p:cNvPr>
-          <p:cNvSpPr/>
-          <p:nvPr/>
-        </p:nvSpPr>
-        <p:spPr>
-          <a:xfrm>
-            <a:off x="1541812" y="617516"/>
-            <a:ext cx="593767" cy="534390"/>
-          </a:xfrm>
-          <a:prstGeom prst="rect">
-            <a:avLst/>
-          </a:prstGeom>
-        </p:spPr>
-        <p:style>
-          <a:lnRef idx="2">
-            <a:schemeClr val="accent1">
-              <a:shade val="50000"/>
-            </a:schemeClr>
-          </a:lnRef>
-          <a:fillRef idx="1">
-            <a:schemeClr val="accent1"/>
-          </a:fillRef>
-          <a:effectRef idx="0">
-            <a:schemeClr val="accent1"/>
-          </a:effectRef>
-          <a:fontRef idx="minor">
-            <a:schemeClr val="lt1"/>
-          </a:fontRef>
-        </p:style>
-        <p:txBody>
-          <a:bodyPr rtlCol="0" anchor="ctr"/>
-          <a:lstStyle/>
-          <a:p>
-            <a:pPr algn="ctr"/>
-            <a:r>
-              <a:rPr lang="ru-RU" dirty="0"/>
-              <a:t>1</a:t>
-            </a:r>
-          </a:p>
-        </p:txBody>
-      </p:sp>
-      <p:sp>
-        <p:nvSpPr>
-          <p:cNvPr id="4" name="Прямоугольник 3">
-            <a:extLst>
-              <a:ext uri="{FF2B5EF4-FFF2-40B4-BE49-F238E27FC236}">
-                <a16:creationId xmlns:a16="http://schemas.microsoft.com/office/drawing/2014/main" id="{1E74A7B1-F1DD-CA4A-916D-6AC0748B1200}"/>
-              </a:ext>
-            </a:extLst>
-          </p:cNvPr>
-          <p:cNvSpPr/>
-          <p:nvPr/>
-        </p:nvSpPr>
-        <p:spPr>
-          <a:xfrm>
-            <a:off x="2285997" y="617516"/>
-            <a:ext cx="593767" cy="534390"/>
-          </a:xfrm>
-          <a:prstGeom prst="rect">
-            <a:avLst/>
-          </a:prstGeom>
-        </p:spPr>
-        <p:style>
-          <a:lnRef idx="2">
-            <a:schemeClr val="accent1">
-              <a:shade val="50000"/>
-            </a:schemeClr>
-          </a:lnRef>
-          <a:fillRef idx="1">
-            <a:schemeClr val="accent1"/>
-          </a:fillRef>
-          <a:effectRef idx="0">
-            <a:schemeClr val="accent1"/>
-          </a:effectRef>
-          <a:fontRef idx="minor">
-            <a:schemeClr val="lt1"/>
-          </a:fontRef>
-        </p:style>
-        <p:txBody>
-          <a:bodyPr rtlCol="0" anchor="ctr"/>
-          <a:lstStyle/>
-          <a:p>
-            <a:pPr algn="ctr"/>
-            <a:r>
-              <a:rPr lang="ru-RU" dirty="0"/>
-              <a:t>2</a:t>
-            </a:r>
-          </a:p>
-        </p:txBody>
-      </p:sp>
-      <p:sp>
-        <p:nvSpPr>
-          <p:cNvPr id="5" name="Прямоугольник 4">
-            <a:extLst>
-              <a:ext uri="{FF2B5EF4-FFF2-40B4-BE49-F238E27FC236}">
-                <a16:creationId xmlns:a16="http://schemas.microsoft.com/office/drawing/2014/main" id="{ACFAD750-C52E-EB49-9C58-E4439D9AFA30}"/>
-              </a:ext>
-            </a:extLst>
-          </p:cNvPr>
-          <p:cNvSpPr/>
-          <p:nvPr/>
-        </p:nvSpPr>
-        <p:spPr>
-          <a:xfrm>
-            <a:off x="3008412" y="617516"/>
-            <a:ext cx="593767" cy="534390"/>
-          </a:xfrm>
-          <a:prstGeom prst="rect">
-            <a:avLst/>
-          </a:prstGeom>
-        </p:spPr>
-        <p:style>
-          <a:lnRef idx="2">
-            <a:schemeClr val="accent1">
-              <a:shade val="50000"/>
-            </a:schemeClr>
-          </a:lnRef>
-          <a:fillRef idx="1">
-            <a:schemeClr val="accent1"/>
-          </a:fillRef>
-          <a:effectRef idx="0">
-            <a:schemeClr val="accent1"/>
-          </a:effectRef>
-          <a:fontRef idx="minor">
-            <a:schemeClr val="lt1"/>
-          </a:fontRef>
-        </p:style>
-        <p:txBody>
-          <a:bodyPr rtlCol="0" anchor="ctr"/>
-          <a:lstStyle/>
-          <a:p>
-            <a:pPr algn="ctr"/>
-            <a:r>
-              <a:rPr lang="ru-RU" dirty="0"/>
-              <a:t>3</a:t>
-            </a:r>
-          </a:p>
-        </p:txBody>
-      </p:sp>
-      <p:sp>
-        <p:nvSpPr>
-          <p:cNvPr id="7" name="Прямоугольник 6">
-            <a:extLst>
-              <a:ext uri="{FF2B5EF4-FFF2-40B4-BE49-F238E27FC236}">
-                <a16:creationId xmlns:a16="http://schemas.microsoft.com/office/drawing/2014/main" id="{EAEE4801-F516-7A4A-9B96-592ACB809E88}"/>
-              </a:ext>
-            </a:extLst>
-          </p:cNvPr>
-          <p:cNvSpPr/>
-          <p:nvPr/>
-        </p:nvSpPr>
-        <p:spPr>
-          <a:xfrm>
-            <a:off x="3730827" y="617516"/>
-            <a:ext cx="593767" cy="534390"/>
-          </a:xfrm>
-          <a:prstGeom prst="rect">
-            <a:avLst/>
-          </a:prstGeom>
-        </p:spPr>
-        <p:style>
-          <a:lnRef idx="2">
-            <a:schemeClr val="accent1">
-              <a:shade val="50000"/>
-            </a:schemeClr>
-          </a:lnRef>
-          <a:fillRef idx="1">
-            <a:schemeClr val="accent1"/>
-          </a:fillRef>
-          <a:effectRef idx="0">
-            <a:schemeClr val="accent1"/>
-          </a:effectRef>
-          <a:fontRef idx="minor">
-            <a:schemeClr val="lt1"/>
-          </a:fontRef>
-        </p:style>
-        <p:txBody>
-          <a:bodyPr rtlCol="0" anchor="ctr"/>
-          <a:lstStyle/>
-          <a:p>
-            <a:pPr algn="ctr"/>
-            <a:r>
-              <a:rPr lang="ru-RU" dirty="0"/>
-              <a:t>4</a:t>
-            </a:r>
-          </a:p>
-        </p:txBody>
-      </p:sp>
-      <p:sp>
-        <p:nvSpPr>
-          <p:cNvPr id="13" name="Прямоугольник 12">
-            <a:extLst>
-              <a:ext uri="{FF2B5EF4-FFF2-40B4-BE49-F238E27FC236}">
-                <a16:creationId xmlns:a16="http://schemas.microsoft.com/office/drawing/2014/main" id="{79E4164F-79D9-4549-837C-F0504CEC70AC}"/>
-              </a:ext>
-            </a:extLst>
-          </p:cNvPr>
-          <p:cNvSpPr/>
-          <p:nvPr/>
-        </p:nvSpPr>
-        <p:spPr>
-          <a:xfrm>
-            <a:off x="819397" y="1292429"/>
-            <a:ext cx="593767" cy="534390"/>
-          </a:xfrm>
-          <a:prstGeom prst="rect">
-            <a:avLst/>
-          </a:prstGeom>
-        </p:spPr>
-        <p:style>
-          <a:lnRef idx="2">
-            <a:schemeClr val="accent1">
-              <a:shade val="50000"/>
-            </a:schemeClr>
-          </a:lnRef>
-          <a:fillRef idx="1">
-            <a:schemeClr val="accent1"/>
-          </a:fillRef>
-          <a:effectRef idx="0">
-            <a:schemeClr val="accent1"/>
-          </a:effectRef>
-          <a:fontRef idx="minor">
-            <a:schemeClr val="lt1"/>
-          </a:fontRef>
-        </p:style>
-        <p:txBody>
-          <a:bodyPr rtlCol="0" anchor="ctr"/>
-          <a:lstStyle/>
-          <a:p>
-            <a:pPr algn="ctr"/>
-            <a:r>
-              <a:rPr lang="ru-RU" dirty="0"/>
-              <a:t>5</a:t>
-            </a:r>
-          </a:p>
-        </p:txBody>
-      </p:sp>
-      <p:sp>
-        <p:nvSpPr>
-          <p:cNvPr id="14" name="Прямоугольник 13">
-            <a:extLst>
-              <a:ext uri="{FF2B5EF4-FFF2-40B4-BE49-F238E27FC236}">
-                <a16:creationId xmlns:a16="http://schemas.microsoft.com/office/drawing/2014/main" id="{3AF4C199-F1BA-2948-9D91-F0C2DB721F47}"/>
-              </a:ext>
-            </a:extLst>
-          </p:cNvPr>
-          <p:cNvSpPr/>
-          <p:nvPr/>
-        </p:nvSpPr>
-        <p:spPr>
-          <a:xfrm>
-            <a:off x="1541812" y="1292429"/>
-            <a:ext cx="593767" cy="534390"/>
-          </a:xfrm>
-          <a:prstGeom prst="rect">
-            <a:avLst/>
-          </a:prstGeom>
-        </p:spPr>
-        <p:style>
-          <a:lnRef idx="2">
-            <a:schemeClr val="accent1">
-              <a:shade val="50000"/>
-            </a:schemeClr>
-          </a:lnRef>
-          <a:fillRef idx="1">
-            <a:schemeClr val="accent1"/>
-          </a:fillRef>
-          <a:effectRef idx="0">
-            <a:schemeClr val="accent1"/>
-          </a:effectRef>
-          <a:fontRef idx="minor">
-            <a:schemeClr val="lt1"/>
-          </a:fontRef>
-        </p:style>
-        <p:txBody>
-          <a:bodyPr rtlCol="0" anchor="ctr"/>
-          <a:lstStyle/>
-          <a:p>
-            <a:pPr algn="ctr"/>
-            <a:r>
-              <a:rPr lang="ru-RU" dirty="0"/>
-              <a:t>6</a:t>
-            </a:r>
-          </a:p>
-        </p:txBody>
-      </p:sp>
-      <p:sp>
-        <p:nvSpPr>
-          <p:cNvPr id="15" name="Прямоугольник 14">
-            <a:extLst>
-              <a:ext uri="{FF2B5EF4-FFF2-40B4-BE49-F238E27FC236}">
-                <a16:creationId xmlns:a16="http://schemas.microsoft.com/office/drawing/2014/main" id="{2D5CBDED-2D80-B94F-97DD-DD367AB41B45}"/>
-              </a:ext>
-            </a:extLst>
-          </p:cNvPr>
-          <p:cNvSpPr/>
-          <p:nvPr/>
-        </p:nvSpPr>
-        <p:spPr>
-          <a:xfrm>
-            <a:off x="2285997" y="1292429"/>
-            <a:ext cx="593767" cy="534390"/>
-          </a:xfrm>
-          <a:prstGeom prst="rect">
-            <a:avLst/>
-          </a:prstGeom>
-        </p:spPr>
-        <p:style>
-          <a:lnRef idx="2">
-            <a:schemeClr val="accent1">
-              <a:shade val="50000"/>
-            </a:schemeClr>
-          </a:lnRef>
-          <a:fillRef idx="1">
-            <a:schemeClr val="accent1"/>
-          </a:fillRef>
-          <a:effectRef idx="0">
-            <a:schemeClr val="accent1"/>
-          </a:effectRef>
-          <a:fontRef idx="minor">
-            <a:schemeClr val="lt1"/>
-          </a:fontRef>
-        </p:style>
-        <p:txBody>
-          <a:bodyPr rtlCol="0" anchor="ctr"/>
-          <a:lstStyle/>
-          <a:p>
-            <a:pPr algn="ctr"/>
-            <a:r>
-              <a:rPr lang="ru-RU" dirty="0"/>
-              <a:t>7</a:t>
-            </a:r>
-          </a:p>
-        </p:txBody>
-      </p:sp>
-      <p:sp>
-        <p:nvSpPr>
-          <p:cNvPr id="16" name="Прямоугольник 15">
-            <a:extLst>
-              <a:ext uri="{FF2B5EF4-FFF2-40B4-BE49-F238E27FC236}">
-                <a16:creationId xmlns:a16="http://schemas.microsoft.com/office/drawing/2014/main" id="{3B9B3B61-8F7D-6A4E-B05A-4BFC1CBB2795}"/>
-              </a:ext>
-            </a:extLst>
-          </p:cNvPr>
-          <p:cNvSpPr/>
-          <p:nvPr/>
-        </p:nvSpPr>
-        <p:spPr>
-          <a:xfrm>
-            <a:off x="3008412" y="1292429"/>
-            <a:ext cx="593767" cy="534390"/>
-          </a:xfrm>
-          <a:prstGeom prst="rect">
-            <a:avLst/>
-          </a:prstGeom>
-        </p:spPr>
-        <p:style>
-          <a:lnRef idx="2">
-            <a:schemeClr val="accent1">
-              <a:shade val="50000"/>
-            </a:schemeClr>
-          </a:lnRef>
-          <a:fillRef idx="1">
-            <a:schemeClr val="accent1"/>
-          </a:fillRef>
-          <a:effectRef idx="0">
-            <a:schemeClr val="accent1"/>
-          </a:effectRef>
-          <a:fontRef idx="minor">
-            <a:schemeClr val="lt1"/>
-          </a:fontRef>
-        </p:style>
-        <p:txBody>
-          <a:bodyPr rtlCol="0" anchor="ctr"/>
-          <a:lstStyle/>
-          <a:p>
-            <a:pPr algn="ctr"/>
-            <a:r>
-              <a:rPr lang="ru-RU" dirty="0"/>
-              <a:t>8</a:t>
-            </a:r>
-          </a:p>
-        </p:txBody>
-      </p:sp>
-      <p:sp>
-        <p:nvSpPr>
-          <p:cNvPr id="17" name="Прямоугольник 16">
-            <a:extLst>
-              <a:ext uri="{FF2B5EF4-FFF2-40B4-BE49-F238E27FC236}">
-                <a16:creationId xmlns:a16="http://schemas.microsoft.com/office/drawing/2014/main" id="{EE744CB6-8283-8F4C-BB7C-6F215E4CF1B8}"/>
-              </a:ext>
-            </a:extLst>
-          </p:cNvPr>
-          <p:cNvSpPr/>
-          <p:nvPr/>
-        </p:nvSpPr>
-        <p:spPr>
-          <a:xfrm>
-            <a:off x="3730827" y="1292429"/>
-            <a:ext cx="593767" cy="534390"/>
-          </a:xfrm>
-          <a:prstGeom prst="rect">
-            <a:avLst/>
-          </a:prstGeom>
-        </p:spPr>
-        <p:style>
-          <a:lnRef idx="2">
-            <a:schemeClr val="accent1">
-              <a:shade val="50000"/>
-            </a:schemeClr>
-          </a:lnRef>
-          <a:fillRef idx="1">
-            <a:schemeClr val="accent1"/>
-          </a:fillRef>
-          <a:effectRef idx="0">
-            <a:schemeClr val="accent1"/>
-          </a:effectRef>
-          <a:fontRef idx="minor">
-            <a:schemeClr val="lt1"/>
-          </a:fontRef>
-        </p:style>
-        <p:txBody>
-          <a:bodyPr rtlCol="0" anchor="ctr"/>
-          <a:lstStyle/>
-          <a:p>
-            <a:pPr algn="ctr"/>
-            <a:r>
-              <a:rPr lang="ru-RU" dirty="0"/>
-              <a:t>9</a:t>
-            </a:r>
-          </a:p>
-        </p:txBody>
-      </p:sp>
-      <p:sp>
-        <p:nvSpPr>
-          <p:cNvPr id="18" name="Прямоугольник 17">
-            <a:extLst>
-              <a:ext uri="{FF2B5EF4-FFF2-40B4-BE49-F238E27FC236}">
-                <a16:creationId xmlns:a16="http://schemas.microsoft.com/office/drawing/2014/main" id="{90BBA979-059D-0A44-987B-C19825ED3F8B}"/>
-              </a:ext>
-            </a:extLst>
-          </p:cNvPr>
-          <p:cNvSpPr/>
-          <p:nvPr/>
-        </p:nvSpPr>
-        <p:spPr>
-          <a:xfrm>
-            <a:off x="819397" y="1967342"/>
-            <a:ext cx="593767" cy="534390"/>
-          </a:xfrm>
-          <a:prstGeom prst="rect">
-            <a:avLst/>
-          </a:prstGeom>
-        </p:spPr>
-        <p:style>
-          <a:lnRef idx="2">
-            <a:schemeClr val="accent1">
-              <a:shade val="50000"/>
-            </a:schemeClr>
-          </a:lnRef>
-          <a:fillRef idx="1">
-            <a:schemeClr val="accent1"/>
-          </a:fillRef>
-          <a:effectRef idx="0">
-            <a:schemeClr val="accent1"/>
-          </a:effectRef>
-          <a:fontRef idx="minor">
-            <a:schemeClr val="lt1"/>
-          </a:fontRef>
-        </p:style>
-        <p:txBody>
-          <a:bodyPr rtlCol="0" anchor="ctr"/>
-          <a:lstStyle/>
-          <a:p>
-            <a:pPr algn="ctr"/>
-            <a:r>
-              <a:rPr lang="ru-RU" dirty="0"/>
-              <a:t>10</a:t>
-            </a:r>
-          </a:p>
-        </p:txBody>
-      </p:sp>
-      <p:sp>
-        <p:nvSpPr>
-          <p:cNvPr id="19" name="Прямоугольник 18">
-            <a:extLst>
-              <a:ext uri="{FF2B5EF4-FFF2-40B4-BE49-F238E27FC236}">
-                <a16:creationId xmlns:a16="http://schemas.microsoft.com/office/drawing/2014/main" id="{4B33C58D-A673-F847-BD69-1B89C831813E}"/>
-              </a:ext>
-            </a:extLst>
-          </p:cNvPr>
-          <p:cNvSpPr/>
-          <p:nvPr/>
-        </p:nvSpPr>
-        <p:spPr>
-          <a:xfrm>
-            <a:off x="1541812" y="1967342"/>
-            <a:ext cx="593767" cy="534390"/>
-          </a:xfrm>
-          <a:prstGeom prst="rect">
-            <a:avLst/>
-          </a:prstGeom>
-        </p:spPr>
-        <p:style>
-          <a:lnRef idx="2">
-            <a:schemeClr val="accent1">
-              <a:shade val="50000"/>
-            </a:schemeClr>
-          </a:lnRef>
-          <a:fillRef idx="1">
-            <a:schemeClr val="accent1"/>
-          </a:fillRef>
-          <a:effectRef idx="0">
-            <a:schemeClr val="accent1"/>
-          </a:effectRef>
-          <a:fontRef idx="minor">
-            <a:schemeClr val="lt1"/>
-          </a:fontRef>
-        </p:style>
-        <p:txBody>
-          <a:bodyPr rtlCol="0" anchor="ctr"/>
-          <a:lstStyle/>
-          <a:p>
-            <a:pPr algn="ctr"/>
-            <a:r>
-              <a:rPr lang="ru-RU" dirty="0"/>
-              <a:t>11</a:t>
-            </a:r>
-          </a:p>
-        </p:txBody>
-      </p:sp>
-      <p:sp>
-        <p:nvSpPr>
-          <p:cNvPr id="20" name="Прямоугольник 19">
-            <a:extLst>
-              <a:ext uri="{FF2B5EF4-FFF2-40B4-BE49-F238E27FC236}">
-                <a16:creationId xmlns:a16="http://schemas.microsoft.com/office/drawing/2014/main" id="{BEAD6098-4380-4542-A882-520D8C5FFA61}"/>
-              </a:ext>
-            </a:extLst>
-          </p:cNvPr>
-          <p:cNvSpPr/>
-          <p:nvPr/>
-        </p:nvSpPr>
-        <p:spPr>
-          <a:xfrm>
-            <a:off x="2285997" y="1967342"/>
-            <a:ext cx="593767" cy="534390"/>
-          </a:xfrm>
-          <a:prstGeom prst="rect">
-            <a:avLst/>
-          </a:prstGeom>
-        </p:spPr>
-        <p:style>
-          <a:lnRef idx="2">
-            <a:schemeClr val="accent1">
-              <a:shade val="50000"/>
-            </a:schemeClr>
-          </a:lnRef>
-          <a:fillRef idx="1">
-            <a:schemeClr val="accent1"/>
-          </a:fillRef>
-          <a:effectRef idx="0">
-            <a:schemeClr val="accent1"/>
-          </a:effectRef>
-          <a:fontRef idx="minor">
-            <a:schemeClr val="lt1"/>
-          </a:fontRef>
-        </p:style>
-        <p:txBody>
-          <a:bodyPr rtlCol="0" anchor="ctr"/>
-          <a:lstStyle/>
-          <a:p>
-            <a:pPr algn="ctr"/>
-            <a:r>
-              <a:rPr lang="ru-RU" dirty="0"/>
-              <a:t>12</a:t>
-            </a:r>
-          </a:p>
-        </p:txBody>
-      </p:sp>
-      <p:sp>
-        <p:nvSpPr>
-          <p:cNvPr id="21" name="Прямоугольник 20">
-            <a:extLst>
-              <a:ext uri="{FF2B5EF4-FFF2-40B4-BE49-F238E27FC236}">
-                <a16:creationId xmlns:a16="http://schemas.microsoft.com/office/drawing/2014/main" id="{88096A15-D33E-204D-BD09-649FA76A6BE7}"/>
-              </a:ext>
-            </a:extLst>
-          </p:cNvPr>
-          <p:cNvSpPr/>
-          <p:nvPr/>
-        </p:nvSpPr>
-        <p:spPr>
-          <a:xfrm>
-            <a:off x="3008412" y="1967342"/>
-            <a:ext cx="593767" cy="534390"/>
-          </a:xfrm>
-          <a:prstGeom prst="rect">
-            <a:avLst/>
-          </a:prstGeom>
-        </p:spPr>
-        <p:style>
-          <a:lnRef idx="2">
-            <a:schemeClr val="accent1">
-              <a:shade val="50000"/>
-            </a:schemeClr>
-          </a:lnRef>
-          <a:fillRef idx="1">
-            <a:schemeClr val="accent1"/>
-          </a:fillRef>
-          <a:effectRef idx="0">
-            <a:schemeClr val="accent1"/>
-          </a:effectRef>
-          <a:fontRef idx="minor">
-            <a:schemeClr val="lt1"/>
-          </a:fontRef>
-        </p:style>
-        <p:txBody>
-          <a:bodyPr rtlCol="0" anchor="ctr"/>
-          <a:lstStyle/>
-          <a:p>
-            <a:pPr algn="ctr"/>
-            <a:r>
-              <a:rPr lang="ru-RU" dirty="0"/>
-              <a:t>13</a:t>
-            </a:r>
-          </a:p>
-        </p:txBody>
-      </p:sp>
-      <p:sp>
-        <p:nvSpPr>
-          <p:cNvPr id="22" name="Прямоугольник 21">
-            <a:extLst>
-              <a:ext uri="{FF2B5EF4-FFF2-40B4-BE49-F238E27FC236}">
-                <a16:creationId xmlns:a16="http://schemas.microsoft.com/office/drawing/2014/main" id="{FCD2C643-82AB-9343-BBBD-4E6D692EB03C}"/>
-              </a:ext>
-            </a:extLst>
-          </p:cNvPr>
-          <p:cNvSpPr/>
-          <p:nvPr/>
-        </p:nvSpPr>
-        <p:spPr>
-          <a:xfrm>
-            <a:off x="3730827" y="1967342"/>
-            <a:ext cx="593767" cy="534390"/>
-          </a:xfrm>
-          <a:prstGeom prst="rect">
-            <a:avLst/>
-          </a:prstGeom>
-        </p:spPr>
-        <p:style>
-          <a:lnRef idx="2">
-            <a:schemeClr val="accent1">
-              <a:shade val="50000"/>
-            </a:schemeClr>
-          </a:lnRef>
-          <a:fillRef idx="1">
-            <a:schemeClr val="accent1"/>
-          </a:fillRef>
-          <a:effectRef idx="0">
-            <a:schemeClr val="accent1"/>
-          </a:effectRef>
-          <a:fontRef idx="minor">
-            <a:schemeClr val="lt1"/>
-          </a:fontRef>
-        </p:style>
-        <p:txBody>
-          <a:bodyPr rtlCol="0" anchor="ctr"/>
-          <a:lstStyle/>
-          <a:p>
-            <a:pPr algn="ctr"/>
-            <a:r>
-              <a:rPr lang="ru-RU" dirty="0"/>
-              <a:t>14</a:t>
-            </a:r>
-          </a:p>
-        </p:txBody>
-      </p:sp>
+      </p:pic>
       <p:cxnSp>
         <p:nvCxnSpPr>
-          <p:cNvPr id="23" name="Прямая со стрелкой 22">
-            <a:extLst>
-              <a:ext uri="{FF2B5EF4-FFF2-40B4-BE49-F238E27FC236}">
-                <a16:creationId xmlns:a16="http://schemas.microsoft.com/office/drawing/2014/main" id="{774B87C3-BD01-3842-B1B3-DB1F655467CE}"/>
+          <p:cNvPr id="4" name="Прямая со стрелкой 3">
+            <a:extLst>
+              <a:ext uri="{FF2B5EF4-FFF2-40B4-BE49-F238E27FC236}">
+                <a16:creationId xmlns:a16="http://schemas.microsoft.com/office/drawing/2014/main" id="{36FAB398-E1E2-F14B-9764-9CA222E14796}"/>
               </a:ext>
             </a:extLst>
           </p:cNvPr>
           <p:cNvCxnSpPr>
             <a:cxnSpLocks/>
-            <a:stCxn id="24" idx="1"/>
+            <a:stCxn id="5" idx="1"/>
           </p:cNvCxnSpPr>
           <p:nvPr/>
         </p:nvCxnSpPr>
         <p:spPr>
-          <a:xfrm flipV="1">
-            <a:off x="1236022" y="2291939"/>
-            <a:ext cx="536368" cy="888392"/>
+          <a:xfrm flipH="1">
+            <a:off x="2660074" y="1363406"/>
+            <a:ext cx="1258784" cy="0"/>
           </a:xfrm>
           <a:prstGeom prst="straightConnector1">
             <a:avLst/>
@@ -6248,10 +5951,10 @@
       </p:cxnSp>
       <p:sp>
         <p:nvSpPr>
-          <p:cNvPr id="24" name="TextBox 23">
-            <a:extLst>
-              <a:ext uri="{FF2B5EF4-FFF2-40B4-BE49-F238E27FC236}">
-                <a16:creationId xmlns:a16="http://schemas.microsoft.com/office/drawing/2014/main" id="{3E9696D4-6D6D-4A41-AD1E-0E4617419540}"/>
+          <p:cNvPr id="5" name="TextBox 4">
+            <a:extLst>
+              <a:ext uri="{FF2B5EF4-FFF2-40B4-BE49-F238E27FC236}">
+                <a16:creationId xmlns:a16="http://schemas.microsoft.com/office/drawing/2014/main" id="{6B748159-4275-4A4A-A09D-0092662F1CD5}"/>
               </a:ext>
             </a:extLst>
           </p:cNvPr>
@@ -6260,8 +5963,8 @@
         </p:nvSpPr>
         <p:spPr>
           <a:xfrm>
-            <a:off x="1236022" y="3026442"/>
-            <a:ext cx="1174669" cy="307777"/>
+            <a:off x="3918858" y="1209517"/>
+            <a:ext cx="985651" cy="307777"/>
           </a:xfrm>
           <a:prstGeom prst="rect">
             <a:avLst/>
@@ -6356,629 +6059,7 @@
           <a:p>
             <a:r>
               <a:rPr lang="ru-RU" sz="1400" dirty="0"/>
-              <a:t>5+5+1=5</a:t>
-            </a:r>
-            <a:r>
-              <a:rPr lang="en-US" sz="1400" dirty="0"/>
-              <a:t>*2+1</a:t>
-            </a:r>
-            <a:endParaRPr lang="ru-RU" sz="1400" dirty="0"/>
-          </a:p>
-        </p:txBody>
-      </p:sp>
-      <p:cxnSp>
-        <p:nvCxnSpPr>
-          <p:cNvPr id="27" name="Прямая со стрелкой 26">
-            <a:extLst>
-              <a:ext uri="{FF2B5EF4-FFF2-40B4-BE49-F238E27FC236}">
-                <a16:creationId xmlns:a16="http://schemas.microsoft.com/office/drawing/2014/main" id="{D7B898A6-D935-5E43-9F3D-F130E699B777}"/>
-              </a:ext>
-            </a:extLst>
-          </p:cNvPr>
-          <p:cNvCxnSpPr>
-            <a:cxnSpLocks/>
-            <a:stCxn id="28" idx="1"/>
-          </p:cNvCxnSpPr>
-          <p:nvPr/>
-        </p:nvCxnSpPr>
-        <p:spPr>
-          <a:xfrm flipH="1">
-            <a:off x="3360718" y="1693167"/>
-            <a:ext cx="1711030" cy="0"/>
-          </a:xfrm>
-          <a:prstGeom prst="straightConnector1">
-            <a:avLst/>
-          </a:prstGeom>
-          <a:ln w="38100">
-            <a:solidFill>
-              <a:schemeClr val="accent2"/>
-            </a:solidFill>
-            <a:tailEnd type="triangle"/>
-          </a:ln>
-        </p:spPr>
-        <p:style>
-          <a:lnRef idx="1">
-            <a:schemeClr val="accent1"/>
-          </a:lnRef>
-          <a:fillRef idx="0">
-            <a:schemeClr val="accent1"/>
-          </a:fillRef>
-          <a:effectRef idx="0">
-            <a:schemeClr val="accent1"/>
-          </a:effectRef>
-          <a:fontRef idx="minor">
-            <a:schemeClr val="tx1"/>
-          </a:fontRef>
-        </p:style>
-      </p:cxnSp>
-      <p:sp>
-        <p:nvSpPr>
-          <p:cNvPr id="28" name="TextBox 27">
-            <a:extLst>
-              <a:ext uri="{FF2B5EF4-FFF2-40B4-BE49-F238E27FC236}">
-                <a16:creationId xmlns:a16="http://schemas.microsoft.com/office/drawing/2014/main" id="{98557B67-8BA2-6F44-AB3E-C81654432EE2}"/>
-              </a:ext>
-            </a:extLst>
-          </p:cNvPr>
-          <p:cNvSpPr txBox="1"/>
-          <p:nvPr/>
-        </p:nvSpPr>
-        <p:spPr>
-          <a:xfrm>
-            <a:off x="5071748" y="1539278"/>
-            <a:ext cx="1174669" cy="307777"/>
-          </a:xfrm>
-          <a:prstGeom prst="rect">
-            <a:avLst/>
-          </a:prstGeom>
-        </p:spPr>
-        <p:style>
-          <a:lnRef idx="1">
-            <a:schemeClr val="accent2"/>
-          </a:lnRef>
-          <a:fillRef idx="2">
-            <a:schemeClr val="accent2"/>
-          </a:fillRef>
-          <a:effectRef idx="1">
-            <a:schemeClr val="accent2"/>
-          </a:effectRef>
-          <a:fontRef idx="minor">
-            <a:schemeClr val="dk1"/>
-          </a:fontRef>
-        </p:style>
-        <p:txBody>
-          <a:bodyPr wrap="square" rtlCol="0">
-            <a:spAutoFit/>
-          </a:bodyPr>
-          <a:lstStyle>
-            <a:defPPr>
-              <a:defRPr lang="ru-RU"/>
-            </a:defPPr>
-            <a:lvl1pPr>
-              <a:defRPr>
-                <a:solidFill>
-                  <a:schemeClr val="dk1"/>
-                </a:solidFill>
-              </a:defRPr>
-            </a:lvl1pPr>
-            <a:lvl2pPr>
-              <a:defRPr>
-                <a:solidFill>
-                  <a:schemeClr val="dk1"/>
-                </a:solidFill>
-              </a:defRPr>
-            </a:lvl2pPr>
-            <a:lvl3pPr>
-              <a:defRPr>
-                <a:solidFill>
-                  <a:schemeClr val="dk1"/>
-                </a:solidFill>
-              </a:defRPr>
-            </a:lvl3pPr>
-            <a:lvl4pPr>
-              <a:defRPr>
-                <a:solidFill>
-                  <a:schemeClr val="dk1"/>
-                </a:solidFill>
-              </a:defRPr>
-            </a:lvl4pPr>
-            <a:lvl5pPr>
-              <a:defRPr>
-                <a:solidFill>
-                  <a:schemeClr val="dk1"/>
-                </a:solidFill>
-              </a:defRPr>
-            </a:lvl5pPr>
-            <a:lvl6pPr>
-              <a:defRPr>
-                <a:solidFill>
-                  <a:schemeClr val="dk1"/>
-                </a:solidFill>
-              </a:defRPr>
-            </a:lvl6pPr>
-            <a:lvl7pPr>
-              <a:defRPr>
-                <a:solidFill>
-                  <a:schemeClr val="dk1"/>
-                </a:solidFill>
-              </a:defRPr>
-            </a:lvl7pPr>
-            <a:lvl8pPr>
-              <a:defRPr>
-                <a:solidFill>
-                  <a:schemeClr val="dk1"/>
-                </a:solidFill>
-              </a:defRPr>
-            </a:lvl8pPr>
-            <a:lvl9pPr>
-              <a:defRPr>
-                <a:solidFill>
-                  <a:schemeClr val="dk1"/>
-                </a:solidFill>
-              </a:defRPr>
-            </a:lvl9pPr>
-          </a:lstStyle>
-          <a:p>
-            <a:r>
-              <a:rPr lang="ru-RU" sz="1400" dirty="0"/>
-              <a:t>5+</a:t>
-            </a:r>
-            <a:r>
-              <a:rPr lang="en-US" sz="1400" dirty="0"/>
-              <a:t>3</a:t>
-            </a:r>
-            <a:r>
-              <a:rPr lang="ru-RU" sz="1400" dirty="0"/>
-              <a:t>=5</a:t>
-            </a:r>
-            <a:r>
-              <a:rPr lang="en-US" sz="1400" dirty="0"/>
-              <a:t>*1+3</a:t>
-            </a:r>
-            <a:endParaRPr lang="ru-RU" sz="1400" dirty="0"/>
-          </a:p>
-        </p:txBody>
-      </p:sp>
-      <p:sp>
-        <p:nvSpPr>
-          <p:cNvPr id="31" name="TextBox 30">
-            <a:extLst>
-              <a:ext uri="{FF2B5EF4-FFF2-40B4-BE49-F238E27FC236}">
-                <a16:creationId xmlns:a16="http://schemas.microsoft.com/office/drawing/2014/main" id="{46196D45-0AD5-B346-BB31-A062B220D203}"/>
-              </a:ext>
-            </a:extLst>
-          </p:cNvPr>
-          <p:cNvSpPr txBox="1"/>
-          <p:nvPr/>
-        </p:nvSpPr>
-        <p:spPr>
-          <a:xfrm>
-            <a:off x="4453242" y="1919842"/>
-            <a:ext cx="2898575" cy="307777"/>
-          </a:xfrm>
-          <a:prstGeom prst="rect">
-            <a:avLst/>
-          </a:prstGeom>
-        </p:spPr>
-        <p:style>
-          <a:lnRef idx="1">
-            <a:schemeClr val="accent2"/>
-          </a:lnRef>
-          <a:fillRef idx="2">
-            <a:schemeClr val="accent2"/>
-          </a:fillRef>
-          <a:effectRef idx="1">
-            <a:schemeClr val="accent2"/>
-          </a:effectRef>
-          <a:fontRef idx="minor">
-            <a:schemeClr val="dk1"/>
-          </a:fontRef>
-        </p:style>
-        <p:txBody>
-          <a:bodyPr wrap="square" rtlCol="0">
-            <a:spAutoFit/>
-          </a:bodyPr>
-          <a:lstStyle>
-            <a:defPPr>
-              <a:defRPr lang="ru-RU"/>
-            </a:defPPr>
-            <a:lvl1pPr>
-              <a:defRPr>
-                <a:solidFill>
-                  <a:schemeClr val="dk1"/>
-                </a:solidFill>
-              </a:defRPr>
-            </a:lvl1pPr>
-            <a:lvl2pPr>
-              <a:defRPr>
-                <a:solidFill>
-                  <a:schemeClr val="dk1"/>
-                </a:solidFill>
-              </a:defRPr>
-            </a:lvl2pPr>
-            <a:lvl3pPr>
-              <a:defRPr>
-                <a:solidFill>
-                  <a:schemeClr val="dk1"/>
-                </a:solidFill>
-              </a:defRPr>
-            </a:lvl3pPr>
-            <a:lvl4pPr>
-              <a:defRPr>
-                <a:solidFill>
-                  <a:schemeClr val="dk1"/>
-                </a:solidFill>
-              </a:defRPr>
-            </a:lvl4pPr>
-            <a:lvl5pPr>
-              <a:defRPr>
-                <a:solidFill>
-                  <a:schemeClr val="dk1"/>
-                </a:solidFill>
-              </a:defRPr>
-            </a:lvl5pPr>
-            <a:lvl6pPr>
-              <a:defRPr>
-                <a:solidFill>
-                  <a:schemeClr val="dk1"/>
-                </a:solidFill>
-              </a:defRPr>
-            </a:lvl6pPr>
-            <a:lvl7pPr>
-              <a:defRPr>
-                <a:solidFill>
-                  <a:schemeClr val="dk1"/>
-                </a:solidFill>
-              </a:defRPr>
-            </a:lvl7pPr>
-            <a:lvl8pPr>
-              <a:defRPr>
-                <a:solidFill>
-                  <a:schemeClr val="dk1"/>
-                </a:solidFill>
-              </a:defRPr>
-            </a:lvl8pPr>
-            <a:lvl9pPr>
-              <a:defRPr>
-                <a:solidFill>
-                  <a:schemeClr val="dk1"/>
-                </a:solidFill>
-              </a:defRPr>
-            </a:lvl9pPr>
-          </a:lstStyle>
-          <a:p>
-            <a:r>
-              <a:rPr lang="en-US" sz="1400" dirty="0"/>
-              <a:t>X </a:t>
-            </a:r>
-            <a:r>
-              <a:rPr lang="ru-RU" sz="1400" dirty="0"/>
-              <a:t>меняется на 3 квадрата, </a:t>
-            </a:r>
-            <a:r>
-              <a:rPr lang="en-US" sz="1400" dirty="0"/>
-              <a:t>Y – </a:t>
-            </a:r>
-            <a:r>
-              <a:rPr lang="ru-RU" sz="1400" dirty="0"/>
-              <a:t>на 1</a:t>
-            </a:r>
-          </a:p>
-        </p:txBody>
-      </p:sp>
-      <p:sp>
-        <p:nvSpPr>
-          <p:cNvPr id="32" name="TextBox 31">
-            <a:extLst>
-              <a:ext uri="{FF2B5EF4-FFF2-40B4-BE49-F238E27FC236}">
-                <a16:creationId xmlns:a16="http://schemas.microsoft.com/office/drawing/2014/main" id="{25B90604-5D6E-8A4C-8020-C8043E237F9C}"/>
-              </a:ext>
-            </a:extLst>
-          </p:cNvPr>
-          <p:cNvSpPr txBox="1"/>
-          <p:nvPr/>
-        </p:nvSpPr>
-        <p:spPr>
-          <a:xfrm>
-            <a:off x="462143" y="3413815"/>
-            <a:ext cx="2898575" cy="307777"/>
-          </a:xfrm>
-          <a:prstGeom prst="rect">
-            <a:avLst/>
-          </a:prstGeom>
-        </p:spPr>
-        <p:style>
-          <a:lnRef idx="1">
-            <a:schemeClr val="accent2"/>
-          </a:lnRef>
-          <a:fillRef idx="2">
-            <a:schemeClr val="accent2"/>
-          </a:fillRef>
-          <a:effectRef idx="1">
-            <a:schemeClr val="accent2"/>
-          </a:effectRef>
-          <a:fontRef idx="minor">
-            <a:schemeClr val="dk1"/>
-          </a:fontRef>
-        </p:style>
-        <p:txBody>
-          <a:bodyPr wrap="square" rtlCol="0">
-            <a:spAutoFit/>
-          </a:bodyPr>
-          <a:lstStyle>
-            <a:defPPr>
-              <a:defRPr lang="ru-RU"/>
-            </a:defPPr>
-            <a:lvl1pPr>
-              <a:defRPr>
-                <a:solidFill>
-                  <a:schemeClr val="dk1"/>
-                </a:solidFill>
-              </a:defRPr>
-            </a:lvl1pPr>
-            <a:lvl2pPr>
-              <a:defRPr>
-                <a:solidFill>
-                  <a:schemeClr val="dk1"/>
-                </a:solidFill>
-              </a:defRPr>
-            </a:lvl2pPr>
-            <a:lvl3pPr>
-              <a:defRPr>
-                <a:solidFill>
-                  <a:schemeClr val="dk1"/>
-                </a:solidFill>
-              </a:defRPr>
-            </a:lvl3pPr>
-            <a:lvl4pPr>
-              <a:defRPr>
-                <a:solidFill>
-                  <a:schemeClr val="dk1"/>
-                </a:solidFill>
-              </a:defRPr>
-            </a:lvl4pPr>
-            <a:lvl5pPr>
-              <a:defRPr>
-                <a:solidFill>
-                  <a:schemeClr val="dk1"/>
-                </a:solidFill>
-              </a:defRPr>
-            </a:lvl5pPr>
-            <a:lvl6pPr>
-              <a:defRPr>
-                <a:solidFill>
-                  <a:schemeClr val="dk1"/>
-                </a:solidFill>
-              </a:defRPr>
-            </a:lvl6pPr>
-            <a:lvl7pPr>
-              <a:defRPr>
-                <a:solidFill>
-                  <a:schemeClr val="dk1"/>
-                </a:solidFill>
-              </a:defRPr>
-            </a:lvl7pPr>
-            <a:lvl8pPr>
-              <a:defRPr>
-                <a:solidFill>
-                  <a:schemeClr val="dk1"/>
-                </a:solidFill>
-              </a:defRPr>
-            </a:lvl8pPr>
-            <a:lvl9pPr>
-              <a:defRPr>
-                <a:solidFill>
-                  <a:schemeClr val="dk1"/>
-                </a:solidFill>
-              </a:defRPr>
-            </a:lvl9pPr>
-          </a:lstStyle>
-          <a:p>
-            <a:r>
-              <a:rPr lang="en-US" sz="1400" dirty="0"/>
-              <a:t>X </a:t>
-            </a:r>
-            <a:r>
-              <a:rPr lang="ru-RU" sz="1400" dirty="0"/>
-              <a:t>меняется на 1 квадрат, </a:t>
-            </a:r>
-            <a:r>
-              <a:rPr lang="en-US" sz="1400" dirty="0"/>
-              <a:t>Y – </a:t>
-            </a:r>
-            <a:r>
-              <a:rPr lang="ru-RU" sz="1400" dirty="0"/>
-              <a:t>на 2</a:t>
-            </a:r>
-          </a:p>
-        </p:txBody>
-      </p:sp>
-      <p:pic>
-        <p:nvPicPr>
-          <p:cNvPr id="34" name="Рисунок 33">
-            <a:extLst>
-              <a:ext uri="{FF2B5EF4-FFF2-40B4-BE49-F238E27FC236}">
-                <a16:creationId xmlns:a16="http://schemas.microsoft.com/office/drawing/2014/main" id="{DFF67531-6124-3340-B942-EE6E6BAE9D88}"/>
-              </a:ext>
-            </a:extLst>
-          </p:cNvPr>
-          <p:cNvPicPr>
-            <a:picLocks noChangeAspect="1"/>
-          </p:cNvPicPr>
-          <p:nvPr/>
-        </p:nvPicPr>
-        <p:blipFill>
-          <a:blip r:embed="rId2"/>
-          <a:stretch>
-            <a:fillRect/>
-          </a:stretch>
-        </p:blipFill>
-        <p:spPr>
-          <a:xfrm>
-            <a:off x="6205343" y="3334219"/>
-            <a:ext cx="3898900" cy="2794000"/>
-          </a:xfrm>
-          <a:prstGeom prst="rect">
-            <a:avLst/>
-          </a:prstGeom>
-        </p:spPr>
-      </p:pic>
-      <p:cxnSp>
-        <p:nvCxnSpPr>
-          <p:cNvPr id="35" name="Прямая со стрелкой 34">
-            <a:extLst>
-              <a:ext uri="{FF2B5EF4-FFF2-40B4-BE49-F238E27FC236}">
-                <a16:creationId xmlns:a16="http://schemas.microsoft.com/office/drawing/2014/main" id="{01C96252-A736-4E4D-B825-975CC28EB6E1}"/>
-              </a:ext>
-            </a:extLst>
-          </p:cNvPr>
-          <p:cNvCxnSpPr>
-            <a:cxnSpLocks/>
-            <a:stCxn id="36" idx="1"/>
-          </p:cNvCxnSpPr>
-          <p:nvPr/>
-        </p:nvCxnSpPr>
-        <p:spPr>
-          <a:xfrm flipH="1">
-            <a:off x="7433953" y="5051905"/>
-            <a:ext cx="794652" cy="0"/>
-          </a:xfrm>
-          <a:prstGeom prst="straightConnector1">
-            <a:avLst/>
-          </a:prstGeom>
-          <a:ln w="38100">
-            <a:solidFill>
-              <a:schemeClr val="accent2"/>
-            </a:solidFill>
-            <a:tailEnd type="triangle"/>
-          </a:ln>
-        </p:spPr>
-        <p:style>
-          <a:lnRef idx="1">
-            <a:schemeClr val="accent1"/>
-          </a:lnRef>
-          <a:fillRef idx="0">
-            <a:schemeClr val="accent1"/>
-          </a:fillRef>
-          <a:effectRef idx="0">
-            <a:schemeClr val="accent1"/>
-          </a:effectRef>
-          <a:fontRef idx="minor">
-            <a:schemeClr val="tx1"/>
-          </a:fontRef>
-        </p:style>
-      </p:cxnSp>
-      <p:sp>
-        <p:nvSpPr>
-          <p:cNvPr id="36" name="TextBox 35">
-            <a:extLst>
-              <a:ext uri="{FF2B5EF4-FFF2-40B4-BE49-F238E27FC236}">
-                <a16:creationId xmlns:a16="http://schemas.microsoft.com/office/drawing/2014/main" id="{12126B98-5BF9-9941-8486-4E229FCF2C8C}"/>
-              </a:ext>
-            </a:extLst>
-          </p:cNvPr>
-          <p:cNvSpPr txBox="1"/>
-          <p:nvPr/>
-        </p:nvSpPr>
-        <p:spPr>
-          <a:xfrm>
-            <a:off x="8228605" y="4898016"/>
-            <a:ext cx="1174669" cy="307777"/>
-          </a:xfrm>
-          <a:prstGeom prst="rect">
-            <a:avLst/>
-          </a:prstGeom>
-        </p:spPr>
-        <p:style>
-          <a:lnRef idx="1">
-            <a:schemeClr val="accent2"/>
-          </a:lnRef>
-          <a:fillRef idx="2">
-            <a:schemeClr val="accent2"/>
-          </a:fillRef>
-          <a:effectRef idx="1">
-            <a:schemeClr val="accent2"/>
-          </a:effectRef>
-          <a:fontRef idx="minor">
-            <a:schemeClr val="dk1"/>
-          </a:fontRef>
-        </p:style>
-        <p:txBody>
-          <a:bodyPr wrap="square" rtlCol="0">
-            <a:spAutoFit/>
-          </a:bodyPr>
-          <a:lstStyle>
-            <a:defPPr>
-              <a:defRPr lang="ru-RU"/>
-            </a:defPPr>
-            <a:lvl1pPr>
-              <a:defRPr>
-                <a:solidFill>
-                  <a:schemeClr val="dk1"/>
-                </a:solidFill>
-              </a:defRPr>
-            </a:lvl1pPr>
-            <a:lvl2pPr>
-              <a:defRPr>
-                <a:solidFill>
-                  <a:schemeClr val="dk1"/>
-                </a:solidFill>
-              </a:defRPr>
-            </a:lvl2pPr>
-            <a:lvl3pPr>
-              <a:defRPr>
-                <a:solidFill>
-                  <a:schemeClr val="dk1"/>
-                </a:solidFill>
-              </a:defRPr>
-            </a:lvl3pPr>
-            <a:lvl4pPr>
-              <a:defRPr>
-                <a:solidFill>
-                  <a:schemeClr val="dk1"/>
-                </a:solidFill>
-              </a:defRPr>
-            </a:lvl4pPr>
-            <a:lvl5pPr>
-              <a:defRPr>
-                <a:solidFill>
-                  <a:schemeClr val="dk1"/>
-                </a:solidFill>
-              </a:defRPr>
-            </a:lvl5pPr>
-            <a:lvl6pPr>
-              <a:defRPr>
-                <a:solidFill>
-                  <a:schemeClr val="dk1"/>
-                </a:solidFill>
-              </a:defRPr>
-            </a:lvl6pPr>
-            <a:lvl7pPr>
-              <a:defRPr>
-                <a:solidFill>
-                  <a:schemeClr val="dk1"/>
-                </a:solidFill>
-              </a:defRPr>
-            </a:lvl7pPr>
-            <a:lvl8pPr>
-              <a:defRPr>
-                <a:solidFill>
-                  <a:schemeClr val="dk1"/>
-                </a:solidFill>
-              </a:defRPr>
-            </a:lvl8pPr>
-            <a:lvl9pPr>
-              <a:defRPr>
-                <a:solidFill>
-                  <a:schemeClr val="dk1"/>
-                </a:solidFill>
-              </a:defRPr>
-            </a:lvl9pPr>
-          </a:lstStyle>
-          <a:p>
-            <a:r>
-              <a:rPr lang="ru-RU" sz="1400" dirty="0"/>
-              <a:t>Размер</a:t>
+              <a:t>Задай имя</a:t>
             </a:r>
           </a:p>
         </p:txBody>
@@ -6986,7 +6067,7 @@
     </p:spTree>
     <p:extLst>
       <p:ext uri="{BB962C8B-B14F-4D97-AF65-F5344CB8AC3E}">
-        <p14:creationId xmlns:p14="http://schemas.microsoft.com/office/powerpoint/2010/main" val="683964679"/>
+        <p14:creationId xmlns:p14="http://schemas.microsoft.com/office/powerpoint/2010/main" val="1619156964"/>
       </p:ext>
     </p:extLst>
   </p:cSld>
@@ -7013,85 +6094,760 @@
           <a:chExt cx="0" cy="0"/>
         </a:xfrm>
       </p:grpSpPr>
-      <p:pic>
-        <p:nvPicPr>
-          <p:cNvPr id="3" name="Рисунок 2">
-            <a:extLst>
-              <a:ext uri="{FF2B5EF4-FFF2-40B4-BE49-F238E27FC236}">
-                <a16:creationId xmlns:a16="http://schemas.microsoft.com/office/drawing/2014/main" id="{A5F169FA-BA08-0F4A-A2BA-84B6B0C5A80A}"/>
-              </a:ext>
-            </a:extLst>
-          </p:cNvPr>
-          <p:cNvPicPr>
-            <a:picLocks noChangeAspect="1"/>
-          </p:cNvPicPr>
-          <p:nvPr/>
-        </p:nvPicPr>
-        <p:blipFill>
-          <a:blip r:embed="rId2"/>
-          <a:stretch>
-            <a:fillRect/>
-          </a:stretch>
-        </p:blipFill>
-        <p:spPr>
-          <a:xfrm>
-            <a:off x="5583547" y="636394"/>
-            <a:ext cx="6273800" cy="4864100"/>
+      <p:sp>
+        <p:nvSpPr>
+          <p:cNvPr id="2" name="Прямоугольник 1">
+            <a:extLst>
+              <a:ext uri="{FF2B5EF4-FFF2-40B4-BE49-F238E27FC236}">
+                <a16:creationId xmlns:a16="http://schemas.microsoft.com/office/drawing/2014/main" id="{068C32ED-75E6-FD4A-9472-3975297096AF}"/>
+              </a:ext>
+            </a:extLst>
+          </p:cNvPr>
+          <p:cNvSpPr/>
+          <p:nvPr/>
+        </p:nvSpPr>
+        <p:spPr>
+          <a:xfrm>
+            <a:off x="819397" y="617516"/>
+            <a:ext cx="593767" cy="534390"/>
           </a:xfrm>
           <a:prstGeom prst="rect">
             <a:avLst/>
           </a:prstGeom>
         </p:spPr>
-      </p:pic>
-      <p:pic>
-        <p:nvPicPr>
-          <p:cNvPr id="5" name="Рисунок 4">
-            <a:extLst>
-              <a:ext uri="{FF2B5EF4-FFF2-40B4-BE49-F238E27FC236}">
-                <a16:creationId xmlns:a16="http://schemas.microsoft.com/office/drawing/2014/main" id="{131EFF5F-BB88-F543-93BB-A3228E1E7BC5}"/>
-              </a:ext>
-            </a:extLst>
-          </p:cNvPr>
-          <p:cNvPicPr>
-            <a:picLocks noChangeAspect="1"/>
-          </p:cNvPicPr>
-          <p:nvPr/>
-        </p:nvPicPr>
-        <p:blipFill>
-          <a:blip r:embed="rId3"/>
-          <a:stretch>
-            <a:fillRect/>
-          </a:stretch>
-        </p:blipFill>
-        <p:spPr>
-          <a:xfrm>
-            <a:off x="676060" y="1182659"/>
-            <a:ext cx="4584700" cy="3581400"/>
+        <p:style>
+          <a:lnRef idx="2">
+            <a:schemeClr val="accent1">
+              <a:shade val="50000"/>
+            </a:schemeClr>
+          </a:lnRef>
+          <a:fillRef idx="1">
+            <a:schemeClr val="accent1"/>
+          </a:fillRef>
+          <a:effectRef idx="0">
+            <a:schemeClr val="accent1"/>
+          </a:effectRef>
+          <a:fontRef idx="minor">
+            <a:schemeClr val="lt1"/>
+          </a:fontRef>
+        </p:style>
+        <p:txBody>
+          <a:bodyPr rtlCol="0" anchor="ctr"/>
+          <a:lstStyle/>
+          <a:p>
+            <a:pPr algn="ctr"/>
+            <a:r>
+              <a:rPr lang="ru-RU" dirty="0"/>
+              <a:t>0</a:t>
+            </a:r>
+          </a:p>
+        </p:txBody>
+      </p:sp>
+      <p:sp>
+        <p:nvSpPr>
+          <p:cNvPr id="3" name="Прямоугольник 2">
+            <a:extLst>
+              <a:ext uri="{FF2B5EF4-FFF2-40B4-BE49-F238E27FC236}">
+                <a16:creationId xmlns:a16="http://schemas.microsoft.com/office/drawing/2014/main" id="{9D12567D-8F47-884B-B745-FE7B4F49293C}"/>
+              </a:ext>
+            </a:extLst>
+          </p:cNvPr>
+          <p:cNvSpPr/>
+          <p:nvPr/>
+        </p:nvSpPr>
+        <p:spPr>
+          <a:xfrm>
+            <a:off x="1541812" y="617516"/>
+            <a:ext cx="593767" cy="534390"/>
           </a:xfrm>
           <a:prstGeom prst="rect">
             <a:avLst/>
           </a:prstGeom>
         </p:spPr>
-      </p:pic>
+        <p:style>
+          <a:lnRef idx="2">
+            <a:schemeClr val="accent1">
+              <a:shade val="50000"/>
+            </a:schemeClr>
+          </a:lnRef>
+          <a:fillRef idx="1">
+            <a:schemeClr val="accent1"/>
+          </a:fillRef>
+          <a:effectRef idx="0">
+            <a:schemeClr val="accent1"/>
+          </a:effectRef>
+          <a:fontRef idx="minor">
+            <a:schemeClr val="lt1"/>
+          </a:fontRef>
+        </p:style>
+        <p:txBody>
+          <a:bodyPr rtlCol="0" anchor="ctr"/>
+          <a:lstStyle/>
+          <a:p>
+            <a:pPr algn="ctr"/>
+            <a:r>
+              <a:rPr lang="ru-RU" dirty="0"/>
+              <a:t>1</a:t>
+            </a:r>
+          </a:p>
+        </p:txBody>
+      </p:sp>
+      <p:sp>
+        <p:nvSpPr>
+          <p:cNvPr id="4" name="Прямоугольник 3">
+            <a:extLst>
+              <a:ext uri="{FF2B5EF4-FFF2-40B4-BE49-F238E27FC236}">
+                <a16:creationId xmlns:a16="http://schemas.microsoft.com/office/drawing/2014/main" id="{1E74A7B1-F1DD-CA4A-916D-6AC0748B1200}"/>
+              </a:ext>
+            </a:extLst>
+          </p:cNvPr>
+          <p:cNvSpPr/>
+          <p:nvPr/>
+        </p:nvSpPr>
+        <p:spPr>
+          <a:xfrm>
+            <a:off x="2285997" y="617516"/>
+            <a:ext cx="593767" cy="534390"/>
+          </a:xfrm>
+          <a:prstGeom prst="rect">
+            <a:avLst/>
+          </a:prstGeom>
+        </p:spPr>
+        <p:style>
+          <a:lnRef idx="2">
+            <a:schemeClr val="accent1">
+              <a:shade val="50000"/>
+            </a:schemeClr>
+          </a:lnRef>
+          <a:fillRef idx="1">
+            <a:schemeClr val="accent1"/>
+          </a:fillRef>
+          <a:effectRef idx="0">
+            <a:schemeClr val="accent1"/>
+          </a:effectRef>
+          <a:fontRef idx="minor">
+            <a:schemeClr val="lt1"/>
+          </a:fontRef>
+        </p:style>
+        <p:txBody>
+          <a:bodyPr rtlCol="0" anchor="ctr"/>
+          <a:lstStyle/>
+          <a:p>
+            <a:pPr algn="ctr"/>
+            <a:r>
+              <a:rPr lang="ru-RU" dirty="0"/>
+              <a:t>2</a:t>
+            </a:r>
+          </a:p>
+        </p:txBody>
+      </p:sp>
+      <p:sp>
+        <p:nvSpPr>
+          <p:cNvPr id="5" name="Прямоугольник 4">
+            <a:extLst>
+              <a:ext uri="{FF2B5EF4-FFF2-40B4-BE49-F238E27FC236}">
+                <a16:creationId xmlns:a16="http://schemas.microsoft.com/office/drawing/2014/main" id="{ACFAD750-C52E-EB49-9C58-E4439D9AFA30}"/>
+              </a:ext>
+            </a:extLst>
+          </p:cNvPr>
+          <p:cNvSpPr/>
+          <p:nvPr/>
+        </p:nvSpPr>
+        <p:spPr>
+          <a:xfrm>
+            <a:off x="3008412" y="617516"/>
+            <a:ext cx="593767" cy="534390"/>
+          </a:xfrm>
+          <a:prstGeom prst="rect">
+            <a:avLst/>
+          </a:prstGeom>
+        </p:spPr>
+        <p:style>
+          <a:lnRef idx="2">
+            <a:schemeClr val="accent1">
+              <a:shade val="50000"/>
+            </a:schemeClr>
+          </a:lnRef>
+          <a:fillRef idx="1">
+            <a:schemeClr val="accent1"/>
+          </a:fillRef>
+          <a:effectRef idx="0">
+            <a:schemeClr val="accent1"/>
+          </a:effectRef>
+          <a:fontRef idx="minor">
+            <a:schemeClr val="lt1"/>
+          </a:fontRef>
+        </p:style>
+        <p:txBody>
+          <a:bodyPr rtlCol="0" anchor="ctr"/>
+          <a:lstStyle/>
+          <a:p>
+            <a:pPr algn="ctr"/>
+            <a:r>
+              <a:rPr lang="ru-RU" dirty="0"/>
+              <a:t>3</a:t>
+            </a:r>
+          </a:p>
+        </p:txBody>
+      </p:sp>
+      <p:sp>
+        <p:nvSpPr>
+          <p:cNvPr id="7" name="Прямоугольник 6">
+            <a:extLst>
+              <a:ext uri="{FF2B5EF4-FFF2-40B4-BE49-F238E27FC236}">
+                <a16:creationId xmlns:a16="http://schemas.microsoft.com/office/drawing/2014/main" id="{EAEE4801-F516-7A4A-9B96-592ACB809E88}"/>
+              </a:ext>
+            </a:extLst>
+          </p:cNvPr>
+          <p:cNvSpPr/>
+          <p:nvPr/>
+        </p:nvSpPr>
+        <p:spPr>
+          <a:xfrm>
+            <a:off x="3730827" y="617516"/>
+            <a:ext cx="593767" cy="534390"/>
+          </a:xfrm>
+          <a:prstGeom prst="rect">
+            <a:avLst/>
+          </a:prstGeom>
+        </p:spPr>
+        <p:style>
+          <a:lnRef idx="2">
+            <a:schemeClr val="accent1">
+              <a:shade val="50000"/>
+            </a:schemeClr>
+          </a:lnRef>
+          <a:fillRef idx="1">
+            <a:schemeClr val="accent1"/>
+          </a:fillRef>
+          <a:effectRef idx="0">
+            <a:schemeClr val="accent1"/>
+          </a:effectRef>
+          <a:fontRef idx="minor">
+            <a:schemeClr val="lt1"/>
+          </a:fontRef>
+        </p:style>
+        <p:txBody>
+          <a:bodyPr rtlCol="0" anchor="ctr"/>
+          <a:lstStyle/>
+          <a:p>
+            <a:pPr algn="ctr"/>
+            <a:r>
+              <a:rPr lang="ru-RU" dirty="0"/>
+              <a:t>4</a:t>
+            </a:r>
+          </a:p>
+        </p:txBody>
+      </p:sp>
+      <p:sp>
+        <p:nvSpPr>
+          <p:cNvPr id="13" name="Прямоугольник 12">
+            <a:extLst>
+              <a:ext uri="{FF2B5EF4-FFF2-40B4-BE49-F238E27FC236}">
+                <a16:creationId xmlns:a16="http://schemas.microsoft.com/office/drawing/2014/main" id="{79E4164F-79D9-4549-837C-F0504CEC70AC}"/>
+              </a:ext>
+            </a:extLst>
+          </p:cNvPr>
+          <p:cNvSpPr/>
+          <p:nvPr/>
+        </p:nvSpPr>
+        <p:spPr>
+          <a:xfrm>
+            <a:off x="819397" y="1292429"/>
+            <a:ext cx="593767" cy="534390"/>
+          </a:xfrm>
+          <a:prstGeom prst="rect">
+            <a:avLst/>
+          </a:prstGeom>
+        </p:spPr>
+        <p:style>
+          <a:lnRef idx="2">
+            <a:schemeClr val="accent1">
+              <a:shade val="50000"/>
+            </a:schemeClr>
+          </a:lnRef>
+          <a:fillRef idx="1">
+            <a:schemeClr val="accent1"/>
+          </a:fillRef>
+          <a:effectRef idx="0">
+            <a:schemeClr val="accent1"/>
+          </a:effectRef>
+          <a:fontRef idx="minor">
+            <a:schemeClr val="lt1"/>
+          </a:fontRef>
+        </p:style>
+        <p:txBody>
+          <a:bodyPr rtlCol="0" anchor="ctr"/>
+          <a:lstStyle/>
+          <a:p>
+            <a:pPr algn="ctr"/>
+            <a:r>
+              <a:rPr lang="ru-RU" dirty="0"/>
+              <a:t>5</a:t>
+            </a:r>
+          </a:p>
+        </p:txBody>
+      </p:sp>
+      <p:sp>
+        <p:nvSpPr>
+          <p:cNvPr id="14" name="Прямоугольник 13">
+            <a:extLst>
+              <a:ext uri="{FF2B5EF4-FFF2-40B4-BE49-F238E27FC236}">
+                <a16:creationId xmlns:a16="http://schemas.microsoft.com/office/drawing/2014/main" id="{3AF4C199-F1BA-2948-9D91-F0C2DB721F47}"/>
+              </a:ext>
+            </a:extLst>
+          </p:cNvPr>
+          <p:cNvSpPr/>
+          <p:nvPr/>
+        </p:nvSpPr>
+        <p:spPr>
+          <a:xfrm>
+            <a:off x="1541812" y="1292429"/>
+            <a:ext cx="593767" cy="534390"/>
+          </a:xfrm>
+          <a:prstGeom prst="rect">
+            <a:avLst/>
+          </a:prstGeom>
+        </p:spPr>
+        <p:style>
+          <a:lnRef idx="2">
+            <a:schemeClr val="accent1">
+              <a:shade val="50000"/>
+            </a:schemeClr>
+          </a:lnRef>
+          <a:fillRef idx="1">
+            <a:schemeClr val="accent1"/>
+          </a:fillRef>
+          <a:effectRef idx="0">
+            <a:schemeClr val="accent1"/>
+          </a:effectRef>
+          <a:fontRef idx="minor">
+            <a:schemeClr val="lt1"/>
+          </a:fontRef>
+        </p:style>
+        <p:txBody>
+          <a:bodyPr rtlCol="0" anchor="ctr"/>
+          <a:lstStyle/>
+          <a:p>
+            <a:pPr algn="ctr"/>
+            <a:r>
+              <a:rPr lang="ru-RU" dirty="0"/>
+              <a:t>6</a:t>
+            </a:r>
+          </a:p>
+        </p:txBody>
+      </p:sp>
+      <p:sp>
+        <p:nvSpPr>
+          <p:cNvPr id="15" name="Прямоугольник 14">
+            <a:extLst>
+              <a:ext uri="{FF2B5EF4-FFF2-40B4-BE49-F238E27FC236}">
+                <a16:creationId xmlns:a16="http://schemas.microsoft.com/office/drawing/2014/main" id="{2D5CBDED-2D80-B94F-97DD-DD367AB41B45}"/>
+              </a:ext>
+            </a:extLst>
+          </p:cNvPr>
+          <p:cNvSpPr/>
+          <p:nvPr/>
+        </p:nvSpPr>
+        <p:spPr>
+          <a:xfrm>
+            <a:off x="2285997" y="1292429"/>
+            <a:ext cx="593767" cy="534390"/>
+          </a:xfrm>
+          <a:prstGeom prst="rect">
+            <a:avLst/>
+          </a:prstGeom>
+        </p:spPr>
+        <p:style>
+          <a:lnRef idx="2">
+            <a:schemeClr val="accent1">
+              <a:shade val="50000"/>
+            </a:schemeClr>
+          </a:lnRef>
+          <a:fillRef idx="1">
+            <a:schemeClr val="accent1"/>
+          </a:fillRef>
+          <a:effectRef idx="0">
+            <a:schemeClr val="accent1"/>
+          </a:effectRef>
+          <a:fontRef idx="minor">
+            <a:schemeClr val="lt1"/>
+          </a:fontRef>
+        </p:style>
+        <p:txBody>
+          <a:bodyPr rtlCol="0" anchor="ctr"/>
+          <a:lstStyle/>
+          <a:p>
+            <a:pPr algn="ctr"/>
+            <a:r>
+              <a:rPr lang="ru-RU" dirty="0"/>
+              <a:t>7</a:t>
+            </a:r>
+          </a:p>
+        </p:txBody>
+      </p:sp>
+      <p:sp>
+        <p:nvSpPr>
+          <p:cNvPr id="16" name="Прямоугольник 15">
+            <a:extLst>
+              <a:ext uri="{FF2B5EF4-FFF2-40B4-BE49-F238E27FC236}">
+                <a16:creationId xmlns:a16="http://schemas.microsoft.com/office/drawing/2014/main" id="{3B9B3B61-8F7D-6A4E-B05A-4BFC1CBB2795}"/>
+              </a:ext>
+            </a:extLst>
+          </p:cNvPr>
+          <p:cNvSpPr/>
+          <p:nvPr/>
+        </p:nvSpPr>
+        <p:spPr>
+          <a:xfrm>
+            <a:off x="3008412" y="1292429"/>
+            <a:ext cx="593767" cy="534390"/>
+          </a:xfrm>
+          <a:prstGeom prst="rect">
+            <a:avLst/>
+          </a:prstGeom>
+        </p:spPr>
+        <p:style>
+          <a:lnRef idx="2">
+            <a:schemeClr val="accent1">
+              <a:shade val="50000"/>
+            </a:schemeClr>
+          </a:lnRef>
+          <a:fillRef idx="1">
+            <a:schemeClr val="accent1"/>
+          </a:fillRef>
+          <a:effectRef idx="0">
+            <a:schemeClr val="accent1"/>
+          </a:effectRef>
+          <a:fontRef idx="minor">
+            <a:schemeClr val="lt1"/>
+          </a:fontRef>
+        </p:style>
+        <p:txBody>
+          <a:bodyPr rtlCol="0" anchor="ctr"/>
+          <a:lstStyle/>
+          <a:p>
+            <a:pPr algn="ctr"/>
+            <a:r>
+              <a:rPr lang="ru-RU" dirty="0"/>
+              <a:t>8</a:t>
+            </a:r>
+          </a:p>
+        </p:txBody>
+      </p:sp>
+      <p:sp>
+        <p:nvSpPr>
+          <p:cNvPr id="17" name="Прямоугольник 16">
+            <a:extLst>
+              <a:ext uri="{FF2B5EF4-FFF2-40B4-BE49-F238E27FC236}">
+                <a16:creationId xmlns:a16="http://schemas.microsoft.com/office/drawing/2014/main" id="{EE744CB6-8283-8F4C-BB7C-6F215E4CF1B8}"/>
+              </a:ext>
+            </a:extLst>
+          </p:cNvPr>
+          <p:cNvSpPr/>
+          <p:nvPr/>
+        </p:nvSpPr>
+        <p:spPr>
+          <a:xfrm>
+            <a:off x="3730827" y="1292429"/>
+            <a:ext cx="593767" cy="534390"/>
+          </a:xfrm>
+          <a:prstGeom prst="rect">
+            <a:avLst/>
+          </a:prstGeom>
+        </p:spPr>
+        <p:style>
+          <a:lnRef idx="2">
+            <a:schemeClr val="accent1">
+              <a:shade val="50000"/>
+            </a:schemeClr>
+          </a:lnRef>
+          <a:fillRef idx="1">
+            <a:schemeClr val="accent1"/>
+          </a:fillRef>
+          <a:effectRef idx="0">
+            <a:schemeClr val="accent1"/>
+          </a:effectRef>
+          <a:fontRef idx="minor">
+            <a:schemeClr val="lt1"/>
+          </a:fontRef>
+        </p:style>
+        <p:txBody>
+          <a:bodyPr rtlCol="0" anchor="ctr"/>
+          <a:lstStyle/>
+          <a:p>
+            <a:pPr algn="ctr"/>
+            <a:r>
+              <a:rPr lang="ru-RU" dirty="0"/>
+              <a:t>9</a:t>
+            </a:r>
+          </a:p>
+        </p:txBody>
+      </p:sp>
+      <p:sp>
+        <p:nvSpPr>
+          <p:cNvPr id="18" name="Прямоугольник 17">
+            <a:extLst>
+              <a:ext uri="{FF2B5EF4-FFF2-40B4-BE49-F238E27FC236}">
+                <a16:creationId xmlns:a16="http://schemas.microsoft.com/office/drawing/2014/main" id="{90BBA979-059D-0A44-987B-C19825ED3F8B}"/>
+              </a:ext>
+            </a:extLst>
+          </p:cNvPr>
+          <p:cNvSpPr/>
+          <p:nvPr/>
+        </p:nvSpPr>
+        <p:spPr>
+          <a:xfrm>
+            <a:off x="819397" y="1967342"/>
+            <a:ext cx="593767" cy="534390"/>
+          </a:xfrm>
+          <a:prstGeom prst="rect">
+            <a:avLst/>
+          </a:prstGeom>
+        </p:spPr>
+        <p:style>
+          <a:lnRef idx="2">
+            <a:schemeClr val="accent1">
+              <a:shade val="50000"/>
+            </a:schemeClr>
+          </a:lnRef>
+          <a:fillRef idx="1">
+            <a:schemeClr val="accent1"/>
+          </a:fillRef>
+          <a:effectRef idx="0">
+            <a:schemeClr val="accent1"/>
+          </a:effectRef>
+          <a:fontRef idx="minor">
+            <a:schemeClr val="lt1"/>
+          </a:fontRef>
+        </p:style>
+        <p:txBody>
+          <a:bodyPr rtlCol="0" anchor="ctr"/>
+          <a:lstStyle/>
+          <a:p>
+            <a:pPr algn="ctr"/>
+            <a:r>
+              <a:rPr lang="ru-RU" dirty="0"/>
+              <a:t>10</a:t>
+            </a:r>
+          </a:p>
+        </p:txBody>
+      </p:sp>
+      <p:sp>
+        <p:nvSpPr>
+          <p:cNvPr id="19" name="Прямоугольник 18">
+            <a:extLst>
+              <a:ext uri="{FF2B5EF4-FFF2-40B4-BE49-F238E27FC236}">
+                <a16:creationId xmlns:a16="http://schemas.microsoft.com/office/drawing/2014/main" id="{4B33C58D-A673-F847-BD69-1B89C831813E}"/>
+              </a:ext>
+            </a:extLst>
+          </p:cNvPr>
+          <p:cNvSpPr/>
+          <p:nvPr/>
+        </p:nvSpPr>
+        <p:spPr>
+          <a:xfrm>
+            <a:off x="1541812" y="1967342"/>
+            <a:ext cx="593767" cy="534390"/>
+          </a:xfrm>
+          <a:prstGeom prst="rect">
+            <a:avLst/>
+          </a:prstGeom>
+        </p:spPr>
+        <p:style>
+          <a:lnRef idx="2">
+            <a:schemeClr val="accent1">
+              <a:shade val="50000"/>
+            </a:schemeClr>
+          </a:lnRef>
+          <a:fillRef idx="1">
+            <a:schemeClr val="accent1"/>
+          </a:fillRef>
+          <a:effectRef idx="0">
+            <a:schemeClr val="accent1"/>
+          </a:effectRef>
+          <a:fontRef idx="minor">
+            <a:schemeClr val="lt1"/>
+          </a:fontRef>
+        </p:style>
+        <p:txBody>
+          <a:bodyPr rtlCol="0" anchor="ctr"/>
+          <a:lstStyle/>
+          <a:p>
+            <a:pPr algn="ctr"/>
+            <a:r>
+              <a:rPr lang="ru-RU" dirty="0"/>
+              <a:t>11</a:t>
+            </a:r>
+          </a:p>
+        </p:txBody>
+      </p:sp>
+      <p:sp>
+        <p:nvSpPr>
+          <p:cNvPr id="20" name="Прямоугольник 19">
+            <a:extLst>
+              <a:ext uri="{FF2B5EF4-FFF2-40B4-BE49-F238E27FC236}">
+                <a16:creationId xmlns:a16="http://schemas.microsoft.com/office/drawing/2014/main" id="{BEAD6098-4380-4542-A882-520D8C5FFA61}"/>
+              </a:ext>
+            </a:extLst>
+          </p:cNvPr>
+          <p:cNvSpPr/>
+          <p:nvPr/>
+        </p:nvSpPr>
+        <p:spPr>
+          <a:xfrm>
+            <a:off x="2285997" y="1967342"/>
+            <a:ext cx="593767" cy="534390"/>
+          </a:xfrm>
+          <a:prstGeom prst="rect">
+            <a:avLst/>
+          </a:prstGeom>
+        </p:spPr>
+        <p:style>
+          <a:lnRef idx="2">
+            <a:schemeClr val="accent1">
+              <a:shade val="50000"/>
+            </a:schemeClr>
+          </a:lnRef>
+          <a:fillRef idx="1">
+            <a:schemeClr val="accent1"/>
+          </a:fillRef>
+          <a:effectRef idx="0">
+            <a:schemeClr val="accent1"/>
+          </a:effectRef>
+          <a:fontRef idx="minor">
+            <a:schemeClr val="lt1"/>
+          </a:fontRef>
+        </p:style>
+        <p:txBody>
+          <a:bodyPr rtlCol="0" anchor="ctr"/>
+          <a:lstStyle/>
+          <a:p>
+            <a:pPr algn="ctr"/>
+            <a:r>
+              <a:rPr lang="ru-RU" dirty="0"/>
+              <a:t>12</a:t>
+            </a:r>
+          </a:p>
+        </p:txBody>
+      </p:sp>
+      <p:sp>
+        <p:nvSpPr>
+          <p:cNvPr id="21" name="Прямоугольник 20">
+            <a:extLst>
+              <a:ext uri="{FF2B5EF4-FFF2-40B4-BE49-F238E27FC236}">
+                <a16:creationId xmlns:a16="http://schemas.microsoft.com/office/drawing/2014/main" id="{88096A15-D33E-204D-BD09-649FA76A6BE7}"/>
+              </a:ext>
+            </a:extLst>
+          </p:cNvPr>
+          <p:cNvSpPr/>
+          <p:nvPr/>
+        </p:nvSpPr>
+        <p:spPr>
+          <a:xfrm>
+            <a:off x="3008412" y="1967342"/>
+            <a:ext cx="593767" cy="534390"/>
+          </a:xfrm>
+          <a:prstGeom prst="rect">
+            <a:avLst/>
+          </a:prstGeom>
+        </p:spPr>
+        <p:style>
+          <a:lnRef idx="2">
+            <a:schemeClr val="accent1">
+              <a:shade val="50000"/>
+            </a:schemeClr>
+          </a:lnRef>
+          <a:fillRef idx="1">
+            <a:schemeClr val="accent1"/>
+          </a:fillRef>
+          <a:effectRef idx="0">
+            <a:schemeClr val="accent1"/>
+          </a:effectRef>
+          <a:fontRef idx="minor">
+            <a:schemeClr val="lt1"/>
+          </a:fontRef>
+        </p:style>
+        <p:txBody>
+          <a:bodyPr rtlCol="0" anchor="ctr"/>
+          <a:lstStyle/>
+          <a:p>
+            <a:pPr algn="ctr"/>
+            <a:r>
+              <a:rPr lang="ru-RU" dirty="0"/>
+              <a:t>13</a:t>
+            </a:r>
+          </a:p>
+        </p:txBody>
+      </p:sp>
+      <p:sp>
+        <p:nvSpPr>
+          <p:cNvPr id="22" name="Прямоугольник 21">
+            <a:extLst>
+              <a:ext uri="{FF2B5EF4-FFF2-40B4-BE49-F238E27FC236}">
+                <a16:creationId xmlns:a16="http://schemas.microsoft.com/office/drawing/2014/main" id="{FCD2C643-82AB-9343-BBBD-4E6D692EB03C}"/>
+              </a:ext>
+            </a:extLst>
+          </p:cNvPr>
+          <p:cNvSpPr/>
+          <p:nvPr/>
+        </p:nvSpPr>
+        <p:spPr>
+          <a:xfrm>
+            <a:off x="3730827" y="1967342"/>
+            <a:ext cx="593767" cy="534390"/>
+          </a:xfrm>
+          <a:prstGeom prst="rect">
+            <a:avLst/>
+          </a:prstGeom>
+        </p:spPr>
+        <p:style>
+          <a:lnRef idx="2">
+            <a:schemeClr val="accent1">
+              <a:shade val="50000"/>
+            </a:schemeClr>
+          </a:lnRef>
+          <a:fillRef idx="1">
+            <a:schemeClr val="accent1"/>
+          </a:fillRef>
+          <a:effectRef idx="0">
+            <a:schemeClr val="accent1"/>
+          </a:effectRef>
+          <a:fontRef idx="minor">
+            <a:schemeClr val="lt1"/>
+          </a:fontRef>
+        </p:style>
+        <p:txBody>
+          <a:bodyPr rtlCol="0" anchor="ctr"/>
+          <a:lstStyle/>
+          <a:p>
+            <a:pPr algn="ctr"/>
+            <a:r>
+              <a:rPr lang="ru-RU" dirty="0"/>
+              <a:t>14</a:t>
+            </a:r>
+          </a:p>
+        </p:txBody>
+      </p:sp>
       <p:cxnSp>
         <p:nvCxnSpPr>
-          <p:cNvPr id="6" name="Прямая со стрелкой 5">
-            <a:extLst>
-              <a:ext uri="{FF2B5EF4-FFF2-40B4-BE49-F238E27FC236}">
-                <a16:creationId xmlns:a16="http://schemas.microsoft.com/office/drawing/2014/main" id="{396648C5-73F7-3842-BC55-D63C07F40D91}"/>
+          <p:cNvPr id="23" name="Прямая со стрелкой 22">
+            <a:extLst>
+              <a:ext uri="{FF2B5EF4-FFF2-40B4-BE49-F238E27FC236}">
+                <a16:creationId xmlns:a16="http://schemas.microsoft.com/office/drawing/2014/main" id="{774B87C3-BD01-3842-B1B3-DB1F655467CE}"/>
               </a:ext>
             </a:extLst>
           </p:cNvPr>
           <p:cNvCxnSpPr>
             <a:cxnSpLocks/>
-            <a:stCxn id="7" idx="1"/>
+            <a:stCxn id="24" idx="1"/>
           </p:cNvCxnSpPr>
           <p:nvPr/>
         </p:nvCxnSpPr>
         <p:spPr>
-          <a:xfrm flipH="1">
-            <a:off x="2865498" y="4268134"/>
-            <a:ext cx="794652" cy="0"/>
+          <a:xfrm flipV="1">
+            <a:off x="1236022" y="2291939"/>
+            <a:ext cx="536368" cy="888392"/>
           </a:xfrm>
           <a:prstGeom prst="straightConnector1">
             <a:avLst/>
@@ -7120,10 +6876,10 @@
       </p:cxnSp>
       <p:sp>
         <p:nvSpPr>
-          <p:cNvPr id="7" name="TextBox 6">
-            <a:extLst>
-              <a:ext uri="{FF2B5EF4-FFF2-40B4-BE49-F238E27FC236}">
-                <a16:creationId xmlns:a16="http://schemas.microsoft.com/office/drawing/2014/main" id="{C725505E-1EC5-1742-8B8C-4C0B92C8E38E}"/>
+          <p:cNvPr id="24" name="TextBox 23">
+            <a:extLst>
+              <a:ext uri="{FF2B5EF4-FFF2-40B4-BE49-F238E27FC236}">
+                <a16:creationId xmlns:a16="http://schemas.microsoft.com/office/drawing/2014/main" id="{3E9696D4-6D6D-4A41-AD1E-0E4617419540}"/>
               </a:ext>
             </a:extLst>
           </p:cNvPr>
@@ -7132,7 +6888,7 @@
         </p:nvSpPr>
         <p:spPr>
           <a:xfrm>
-            <a:off x="3660150" y="4114245"/>
+            <a:off x="1236022" y="3026442"/>
             <a:ext cx="1174669" cy="307777"/>
           </a:xfrm>
           <a:prstGeom prst="rect">
@@ -7228,30 +6984,35 @@
           <a:p>
             <a:r>
               <a:rPr lang="ru-RU" sz="1400" dirty="0"/>
-              <a:t>Пипетка</a:t>
-            </a:r>
+              <a:t>5+5+1=5</a:t>
+            </a:r>
+            <a:r>
+              <a:rPr lang="en-US" sz="1400" dirty="0"/>
+              <a:t>*2+1</a:t>
+            </a:r>
+            <a:endParaRPr lang="ru-RU" sz="1400" dirty="0"/>
           </a:p>
         </p:txBody>
       </p:sp>
       <p:cxnSp>
         <p:nvCxnSpPr>
-          <p:cNvPr id="8" name="Прямая со стрелкой 7">
-            <a:extLst>
-              <a:ext uri="{FF2B5EF4-FFF2-40B4-BE49-F238E27FC236}">
-                <a16:creationId xmlns:a16="http://schemas.microsoft.com/office/drawing/2014/main" id="{5D622DC3-AA87-C745-B83B-6452823E5985}"/>
+          <p:cNvPr id="27" name="Прямая со стрелкой 26">
+            <a:extLst>
+              <a:ext uri="{FF2B5EF4-FFF2-40B4-BE49-F238E27FC236}">
+                <a16:creationId xmlns:a16="http://schemas.microsoft.com/office/drawing/2014/main" id="{D7B898A6-D935-5E43-9F3D-F130E699B777}"/>
               </a:ext>
             </a:extLst>
           </p:cNvPr>
           <p:cNvCxnSpPr>
             <a:cxnSpLocks/>
-            <a:stCxn id="9" idx="2"/>
+            <a:stCxn id="28" idx="1"/>
           </p:cNvCxnSpPr>
           <p:nvPr/>
         </p:nvCxnSpPr>
         <p:spPr>
-          <a:xfrm>
-            <a:off x="8603673" y="3386842"/>
-            <a:ext cx="53438" cy="1719547"/>
+          <a:xfrm flipH="1">
+            <a:off x="3360718" y="1693167"/>
+            <a:ext cx="1711030" cy="0"/>
           </a:xfrm>
           <a:prstGeom prst="straightConnector1">
             <a:avLst/>
@@ -7280,10 +7041,10 @@
       </p:cxnSp>
       <p:sp>
         <p:nvSpPr>
-          <p:cNvPr id="9" name="TextBox 8">
-            <a:extLst>
-              <a:ext uri="{FF2B5EF4-FFF2-40B4-BE49-F238E27FC236}">
-                <a16:creationId xmlns:a16="http://schemas.microsoft.com/office/drawing/2014/main" id="{6BD46494-622A-9A43-AEF4-2955FE9EA819}"/>
+          <p:cNvPr id="28" name="TextBox 27">
+            <a:extLst>
+              <a:ext uri="{FF2B5EF4-FFF2-40B4-BE49-F238E27FC236}">
+                <a16:creationId xmlns:a16="http://schemas.microsoft.com/office/drawing/2014/main" id="{98557B67-8BA2-6F44-AB3E-C81654432EE2}"/>
               </a:ext>
             </a:extLst>
           </p:cNvPr>
@@ -7292,8 +7053,8 @@
         </p:nvSpPr>
         <p:spPr>
           <a:xfrm>
-            <a:off x="6911440" y="3079065"/>
-            <a:ext cx="3384466" cy="307777"/>
+            <a:off x="5071748" y="1539278"/>
+            <a:ext cx="1174669" cy="307777"/>
           </a:xfrm>
           <a:prstGeom prst="rect">
             <a:avLst/>
@@ -7388,7 +7149,464 @@
           <a:p>
             <a:r>
               <a:rPr lang="ru-RU" sz="1400" dirty="0"/>
-              <a:t>Выбор объекта для получения цвета</a:t>
+              <a:t>5+</a:t>
+            </a:r>
+            <a:r>
+              <a:rPr lang="en-US" sz="1400" dirty="0"/>
+              <a:t>3</a:t>
+            </a:r>
+            <a:r>
+              <a:rPr lang="ru-RU" sz="1400" dirty="0"/>
+              <a:t>=5</a:t>
+            </a:r>
+            <a:r>
+              <a:rPr lang="en-US" sz="1400" dirty="0"/>
+              <a:t>*1+3</a:t>
+            </a:r>
+            <a:endParaRPr lang="ru-RU" sz="1400" dirty="0"/>
+          </a:p>
+        </p:txBody>
+      </p:sp>
+      <p:sp>
+        <p:nvSpPr>
+          <p:cNvPr id="31" name="TextBox 30">
+            <a:extLst>
+              <a:ext uri="{FF2B5EF4-FFF2-40B4-BE49-F238E27FC236}">
+                <a16:creationId xmlns:a16="http://schemas.microsoft.com/office/drawing/2014/main" id="{46196D45-0AD5-B346-BB31-A062B220D203}"/>
+              </a:ext>
+            </a:extLst>
+          </p:cNvPr>
+          <p:cNvSpPr txBox="1"/>
+          <p:nvPr/>
+        </p:nvSpPr>
+        <p:spPr>
+          <a:xfrm>
+            <a:off x="4453242" y="1919842"/>
+            <a:ext cx="2898575" cy="307777"/>
+          </a:xfrm>
+          <a:prstGeom prst="rect">
+            <a:avLst/>
+          </a:prstGeom>
+        </p:spPr>
+        <p:style>
+          <a:lnRef idx="1">
+            <a:schemeClr val="accent2"/>
+          </a:lnRef>
+          <a:fillRef idx="2">
+            <a:schemeClr val="accent2"/>
+          </a:fillRef>
+          <a:effectRef idx="1">
+            <a:schemeClr val="accent2"/>
+          </a:effectRef>
+          <a:fontRef idx="minor">
+            <a:schemeClr val="dk1"/>
+          </a:fontRef>
+        </p:style>
+        <p:txBody>
+          <a:bodyPr wrap="square" rtlCol="0">
+            <a:spAutoFit/>
+          </a:bodyPr>
+          <a:lstStyle>
+            <a:defPPr>
+              <a:defRPr lang="ru-RU"/>
+            </a:defPPr>
+            <a:lvl1pPr>
+              <a:defRPr>
+                <a:solidFill>
+                  <a:schemeClr val="dk1"/>
+                </a:solidFill>
+              </a:defRPr>
+            </a:lvl1pPr>
+            <a:lvl2pPr>
+              <a:defRPr>
+                <a:solidFill>
+                  <a:schemeClr val="dk1"/>
+                </a:solidFill>
+              </a:defRPr>
+            </a:lvl2pPr>
+            <a:lvl3pPr>
+              <a:defRPr>
+                <a:solidFill>
+                  <a:schemeClr val="dk1"/>
+                </a:solidFill>
+              </a:defRPr>
+            </a:lvl3pPr>
+            <a:lvl4pPr>
+              <a:defRPr>
+                <a:solidFill>
+                  <a:schemeClr val="dk1"/>
+                </a:solidFill>
+              </a:defRPr>
+            </a:lvl4pPr>
+            <a:lvl5pPr>
+              <a:defRPr>
+                <a:solidFill>
+                  <a:schemeClr val="dk1"/>
+                </a:solidFill>
+              </a:defRPr>
+            </a:lvl5pPr>
+            <a:lvl6pPr>
+              <a:defRPr>
+                <a:solidFill>
+                  <a:schemeClr val="dk1"/>
+                </a:solidFill>
+              </a:defRPr>
+            </a:lvl6pPr>
+            <a:lvl7pPr>
+              <a:defRPr>
+                <a:solidFill>
+                  <a:schemeClr val="dk1"/>
+                </a:solidFill>
+              </a:defRPr>
+            </a:lvl7pPr>
+            <a:lvl8pPr>
+              <a:defRPr>
+                <a:solidFill>
+                  <a:schemeClr val="dk1"/>
+                </a:solidFill>
+              </a:defRPr>
+            </a:lvl8pPr>
+            <a:lvl9pPr>
+              <a:defRPr>
+                <a:solidFill>
+                  <a:schemeClr val="dk1"/>
+                </a:solidFill>
+              </a:defRPr>
+            </a:lvl9pPr>
+          </a:lstStyle>
+          <a:p>
+            <a:r>
+              <a:rPr lang="en-US" sz="1400" dirty="0"/>
+              <a:t>X </a:t>
+            </a:r>
+            <a:r>
+              <a:rPr lang="ru-RU" sz="1400" dirty="0"/>
+              <a:t>меняется на 3 квадрата, </a:t>
+            </a:r>
+            <a:r>
+              <a:rPr lang="en-US" sz="1400" dirty="0"/>
+              <a:t>Y – </a:t>
+            </a:r>
+            <a:r>
+              <a:rPr lang="ru-RU" sz="1400" dirty="0"/>
+              <a:t>на 1</a:t>
+            </a:r>
+          </a:p>
+        </p:txBody>
+      </p:sp>
+      <p:sp>
+        <p:nvSpPr>
+          <p:cNvPr id="32" name="TextBox 31">
+            <a:extLst>
+              <a:ext uri="{FF2B5EF4-FFF2-40B4-BE49-F238E27FC236}">
+                <a16:creationId xmlns:a16="http://schemas.microsoft.com/office/drawing/2014/main" id="{25B90604-5D6E-8A4C-8020-C8043E237F9C}"/>
+              </a:ext>
+            </a:extLst>
+          </p:cNvPr>
+          <p:cNvSpPr txBox="1"/>
+          <p:nvPr/>
+        </p:nvSpPr>
+        <p:spPr>
+          <a:xfrm>
+            <a:off x="462143" y="3413815"/>
+            <a:ext cx="2898575" cy="307777"/>
+          </a:xfrm>
+          <a:prstGeom prst="rect">
+            <a:avLst/>
+          </a:prstGeom>
+        </p:spPr>
+        <p:style>
+          <a:lnRef idx="1">
+            <a:schemeClr val="accent2"/>
+          </a:lnRef>
+          <a:fillRef idx="2">
+            <a:schemeClr val="accent2"/>
+          </a:fillRef>
+          <a:effectRef idx="1">
+            <a:schemeClr val="accent2"/>
+          </a:effectRef>
+          <a:fontRef idx="minor">
+            <a:schemeClr val="dk1"/>
+          </a:fontRef>
+        </p:style>
+        <p:txBody>
+          <a:bodyPr wrap="square" rtlCol="0">
+            <a:spAutoFit/>
+          </a:bodyPr>
+          <a:lstStyle>
+            <a:defPPr>
+              <a:defRPr lang="ru-RU"/>
+            </a:defPPr>
+            <a:lvl1pPr>
+              <a:defRPr>
+                <a:solidFill>
+                  <a:schemeClr val="dk1"/>
+                </a:solidFill>
+              </a:defRPr>
+            </a:lvl1pPr>
+            <a:lvl2pPr>
+              <a:defRPr>
+                <a:solidFill>
+                  <a:schemeClr val="dk1"/>
+                </a:solidFill>
+              </a:defRPr>
+            </a:lvl2pPr>
+            <a:lvl3pPr>
+              <a:defRPr>
+                <a:solidFill>
+                  <a:schemeClr val="dk1"/>
+                </a:solidFill>
+              </a:defRPr>
+            </a:lvl3pPr>
+            <a:lvl4pPr>
+              <a:defRPr>
+                <a:solidFill>
+                  <a:schemeClr val="dk1"/>
+                </a:solidFill>
+              </a:defRPr>
+            </a:lvl4pPr>
+            <a:lvl5pPr>
+              <a:defRPr>
+                <a:solidFill>
+                  <a:schemeClr val="dk1"/>
+                </a:solidFill>
+              </a:defRPr>
+            </a:lvl5pPr>
+            <a:lvl6pPr>
+              <a:defRPr>
+                <a:solidFill>
+                  <a:schemeClr val="dk1"/>
+                </a:solidFill>
+              </a:defRPr>
+            </a:lvl6pPr>
+            <a:lvl7pPr>
+              <a:defRPr>
+                <a:solidFill>
+                  <a:schemeClr val="dk1"/>
+                </a:solidFill>
+              </a:defRPr>
+            </a:lvl7pPr>
+            <a:lvl8pPr>
+              <a:defRPr>
+                <a:solidFill>
+                  <a:schemeClr val="dk1"/>
+                </a:solidFill>
+              </a:defRPr>
+            </a:lvl8pPr>
+            <a:lvl9pPr>
+              <a:defRPr>
+                <a:solidFill>
+                  <a:schemeClr val="dk1"/>
+                </a:solidFill>
+              </a:defRPr>
+            </a:lvl9pPr>
+          </a:lstStyle>
+          <a:p>
+            <a:r>
+              <a:rPr lang="en-US" sz="1400" dirty="0"/>
+              <a:t>X </a:t>
+            </a:r>
+            <a:r>
+              <a:rPr lang="ru-RU" sz="1400" dirty="0"/>
+              <a:t>меняется на 1 квадрат, </a:t>
+            </a:r>
+            <a:r>
+              <a:rPr lang="en-US" sz="1400" dirty="0"/>
+              <a:t>Y – </a:t>
+            </a:r>
+            <a:r>
+              <a:rPr lang="ru-RU" sz="1400" dirty="0"/>
+              <a:t>на 2</a:t>
+            </a:r>
+          </a:p>
+        </p:txBody>
+      </p:sp>
+      <p:pic>
+        <p:nvPicPr>
+          <p:cNvPr id="34" name="Рисунок 33">
+            <a:extLst>
+              <a:ext uri="{FF2B5EF4-FFF2-40B4-BE49-F238E27FC236}">
+                <a16:creationId xmlns:a16="http://schemas.microsoft.com/office/drawing/2014/main" id="{DFF67531-6124-3340-B942-EE6E6BAE9D88}"/>
+              </a:ext>
+            </a:extLst>
+          </p:cNvPr>
+          <p:cNvPicPr>
+            <a:picLocks noChangeAspect="1"/>
+          </p:cNvPicPr>
+          <p:nvPr/>
+        </p:nvPicPr>
+        <p:blipFill>
+          <a:blip r:embed="rId2"/>
+          <a:stretch>
+            <a:fillRect/>
+          </a:stretch>
+        </p:blipFill>
+        <p:spPr>
+          <a:xfrm>
+            <a:off x="6205343" y="3334219"/>
+            <a:ext cx="3898900" cy="2794000"/>
+          </a:xfrm>
+          <a:prstGeom prst="rect">
+            <a:avLst/>
+          </a:prstGeom>
+        </p:spPr>
+      </p:pic>
+      <p:cxnSp>
+        <p:nvCxnSpPr>
+          <p:cNvPr id="35" name="Прямая со стрелкой 34">
+            <a:extLst>
+              <a:ext uri="{FF2B5EF4-FFF2-40B4-BE49-F238E27FC236}">
+                <a16:creationId xmlns:a16="http://schemas.microsoft.com/office/drawing/2014/main" id="{01C96252-A736-4E4D-B825-975CC28EB6E1}"/>
+              </a:ext>
+            </a:extLst>
+          </p:cNvPr>
+          <p:cNvCxnSpPr>
+            <a:cxnSpLocks/>
+            <a:stCxn id="36" idx="1"/>
+          </p:cNvCxnSpPr>
+          <p:nvPr/>
+        </p:nvCxnSpPr>
+        <p:spPr>
+          <a:xfrm flipH="1">
+            <a:off x="7433953" y="5051905"/>
+            <a:ext cx="794652" cy="0"/>
+          </a:xfrm>
+          <a:prstGeom prst="straightConnector1">
+            <a:avLst/>
+          </a:prstGeom>
+          <a:ln w="38100">
+            <a:solidFill>
+              <a:schemeClr val="accent2"/>
+            </a:solidFill>
+            <a:tailEnd type="triangle"/>
+          </a:ln>
+        </p:spPr>
+        <p:style>
+          <a:lnRef idx="1">
+            <a:schemeClr val="accent1"/>
+          </a:lnRef>
+          <a:fillRef idx="0">
+            <a:schemeClr val="accent1"/>
+          </a:fillRef>
+          <a:effectRef idx="0">
+            <a:schemeClr val="accent1"/>
+          </a:effectRef>
+          <a:fontRef idx="minor">
+            <a:schemeClr val="tx1"/>
+          </a:fontRef>
+        </p:style>
+      </p:cxnSp>
+      <p:sp>
+        <p:nvSpPr>
+          <p:cNvPr id="36" name="TextBox 35">
+            <a:extLst>
+              <a:ext uri="{FF2B5EF4-FFF2-40B4-BE49-F238E27FC236}">
+                <a16:creationId xmlns:a16="http://schemas.microsoft.com/office/drawing/2014/main" id="{12126B98-5BF9-9941-8486-4E229FCF2C8C}"/>
+              </a:ext>
+            </a:extLst>
+          </p:cNvPr>
+          <p:cNvSpPr txBox="1"/>
+          <p:nvPr/>
+        </p:nvSpPr>
+        <p:spPr>
+          <a:xfrm>
+            <a:off x="8228605" y="4898016"/>
+            <a:ext cx="1174669" cy="307777"/>
+          </a:xfrm>
+          <a:prstGeom prst="rect">
+            <a:avLst/>
+          </a:prstGeom>
+        </p:spPr>
+        <p:style>
+          <a:lnRef idx="1">
+            <a:schemeClr val="accent2"/>
+          </a:lnRef>
+          <a:fillRef idx="2">
+            <a:schemeClr val="accent2"/>
+          </a:fillRef>
+          <a:effectRef idx="1">
+            <a:schemeClr val="accent2"/>
+          </a:effectRef>
+          <a:fontRef idx="minor">
+            <a:schemeClr val="dk1"/>
+          </a:fontRef>
+        </p:style>
+        <p:txBody>
+          <a:bodyPr wrap="square" rtlCol="0">
+            <a:spAutoFit/>
+          </a:bodyPr>
+          <a:lstStyle>
+            <a:defPPr>
+              <a:defRPr lang="ru-RU"/>
+            </a:defPPr>
+            <a:lvl1pPr>
+              <a:defRPr>
+                <a:solidFill>
+                  <a:schemeClr val="dk1"/>
+                </a:solidFill>
+              </a:defRPr>
+            </a:lvl1pPr>
+            <a:lvl2pPr>
+              <a:defRPr>
+                <a:solidFill>
+                  <a:schemeClr val="dk1"/>
+                </a:solidFill>
+              </a:defRPr>
+            </a:lvl2pPr>
+            <a:lvl3pPr>
+              <a:defRPr>
+                <a:solidFill>
+                  <a:schemeClr val="dk1"/>
+                </a:solidFill>
+              </a:defRPr>
+            </a:lvl3pPr>
+            <a:lvl4pPr>
+              <a:defRPr>
+                <a:solidFill>
+                  <a:schemeClr val="dk1"/>
+                </a:solidFill>
+              </a:defRPr>
+            </a:lvl4pPr>
+            <a:lvl5pPr>
+              <a:defRPr>
+                <a:solidFill>
+                  <a:schemeClr val="dk1"/>
+                </a:solidFill>
+              </a:defRPr>
+            </a:lvl5pPr>
+            <a:lvl6pPr>
+              <a:defRPr>
+                <a:solidFill>
+                  <a:schemeClr val="dk1"/>
+                </a:solidFill>
+              </a:defRPr>
+            </a:lvl6pPr>
+            <a:lvl7pPr>
+              <a:defRPr>
+                <a:solidFill>
+                  <a:schemeClr val="dk1"/>
+                </a:solidFill>
+              </a:defRPr>
+            </a:lvl7pPr>
+            <a:lvl8pPr>
+              <a:defRPr>
+                <a:solidFill>
+                  <a:schemeClr val="dk1"/>
+                </a:solidFill>
+              </a:defRPr>
+            </a:lvl8pPr>
+            <a:lvl9pPr>
+              <a:defRPr>
+                <a:solidFill>
+                  <a:schemeClr val="dk1"/>
+                </a:solidFill>
+              </a:defRPr>
+            </a:lvl9pPr>
+          </a:lstStyle>
+          <a:p>
+            <a:r>
+              <a:rPr lang="ru-RU" sz="1400" dirty="0"/>
+              <a:t>Размер</a:t>
             </a:r>
           </a:p>
         </p:txBody>
@@ -7396,7 +7614,7 @@
     </p:spTree>
     <p:extLst>
       <p:ext uri="{BB962C8B-B14F-4D97-AF65-F5344CB8AC3E}">
-        <p14:creationId xmlns:p14="http://schemas.microsoft.com/office/powerpoint/2010/main" val="2459988125"/>
+        <p14:creationId xmlns:p14="http://schemas.microsoft.com/office/powerpoint/2010/main" val="683964679"/>
       </p:ext>
     </p:extLst>
   </p:cSld>
@@ -7423,61 +7641,12 @@
           <a:chExt cx="0" cy="0"/>
         </a:xfrm>
       </p:grpSpPr>
-      <p:sp>
-        <p:nvSpPr>
-          <p:cNvPr id="4" name="Прямоугольник 3">
-            <a:extLst>
-              <a:ext uri="{FF2B5EF4-FFF2-40B4-BE49-F238E27FC236}">
-                <a16:creationId xmlns:a16="http://schemas.microsoft.com/office/drawing/2014/main" id="{03F8458D-19F5-B448-AD06-80EB49B77370}"/>
-              </a:ext>
-            </a:extLst>
-          </p:cNvPr>
-          <p:cNvSpPr/>
-          <p:nvPr/>
-        </p:nvSpPr>
-        <p:spPr>
-          <a:xfrm>
-            <a:off x="0" y="0"/>
-            <a:ext cx="12192000" cy="6858000"/>
-          </a:xfrm>
-          <a:prstGeom prst="rect">
-            <a:avLst/>
-          </a:prstGeom>
-          <a:solidFill>
-            <a:srgbClr val="4D98FF"/>
-          </a:solidFill>
-        </p:spPr>
-        <p:style>
-          <a:lnRef idx="2">
-            <a:schemeClr val="accent1">
-              <a:shade val="50000"/>
-            </a:schemeClr>
-          </a:lnRef>
-          <a:fillRef idx="1">
-            <a:schemeClr val="accent1"/>
-          </a:fillRef>
-          <a:effectRef idx="0">
-            <a:schemeClr val="accent1"/>
-          </a:effectRef>
-          <a:fontRef idx="minor">
-            <a:schemeClr val="lt1"/>
-          </a:fontRef>
-        </p:style>
-        <p:txBody>
-          <a:bodyPr rtlCol="0" anchor="ctr"/>
-          <a:lstStyle/>
-          <a:p>
-            <a:pPr algn="ctr"/>
-            <a:endParaRPr lang="ru-RU" dirty="0"/>
-          </a:p>
-        </p:txBody>
-      </p:sp>
       <p:pic>
         <p:nvPicPr>
-          <p:cNvPr id="6" name="Рисунок 5">
-            <a:extLst>
-              <a:ext uri="{FF2B5EF4-FFF2-40B4-BE49-F238E27FC236}">
-                <a16:creationId xmlns:a16="http://schemas.microsoft.com/office/drawing/2014/main" id="{AF0C5521-50F4-E943-BCB3-FA69FFEFD1EE}"/>
+          <p:cNvPr id="3" name="Рисунок 2">
+            <a:extLst>
+              <a:ext uri="{FF2B5EF4-FFF2-40B4-BE49-F238E27FC236}">
+                <a16:creationId xmlns:a16="http://schemas.microsoft.com/office/drawing/2014/main" id="{A5F169FA-BA08-0F4A-A2BA-84B6B0C5A80A}"/>
               </a:ext>
             </a:extLst>
           </p:cNvPr>
@@ -7494,20 +7663,95 @@
         </p:blipFill>
         <p:spPr>
           <a:xfrm>
-            <a:off x="4861582" y="0"/>
-            <a:ext cx="7330418" cy="5379522"/>
+            <a:off x="5583547" y="636394"/>
+            <a:ext cx="6273800" cy="4864100"/>
           </a:xfrm>
           <a:prstGeom prst="rect">
             <a:avLst/>
           </a:prstGeom>
         </p:spPr>
       </p:pic>
+      <p:pic>
+        <p:nvPicPr>
+          <p:cNvPr id="5" name="Рисунок 4">
+            <a:extLst>
+              <a:ext uri="{FF2B5EF4-FFF2-40B4-BE49-F238E27FC236}">
+                <a16:creationId xmlns:a16="http://schemas.microsoft.com/office/drawing/2014/main" id="{131EFF5F-BB88-F543-93BB-A3228E1E7BC5}"/>
+              </a:ext>
+            </a:extLst>
+          </p:cNvPr>
+          <p:cNvPicPr>
+            <a:picLocks noChangeAspect="1"/>
+          </p:cNvPicPr>
+          <p:nvPr/>
+        </p:nvPicPr>
+        <p:blipFill>
+          <a:blip r:embed="rId3"/>
+          <a:stretch>
+            <a:fillRect/>
+          </a:stretch>
+        </p:blipFill>
+        <p:spPr>
+          <a:xfrm>
+            <a:off x="676060" y="1182659"/>
+            <a:ext cx="4584700" cy="3581400"/>
+          </a:xfrm>
+          <a:prstGeom prst="rect">
+            <a:avLst/>
+          </a:prstGeom>
+        </p:spPr>
+      </p:pic>
+      <p:cxnSp>
+        <p:nvCxnSpPr>
+          <p:cNvPr id="6" name="Прямая со стрелкой 5">
+            <a:extLst>
+              <a:ext uri="{FF2B5EF4-FFF2-40B4-BE49-F238E27FC236}">
+                <a16:creationId xmlns:a16="http://schemas.microsoft.com/office/drawing/2014/main" id="{396648C5-73F7-3842-BC55-D63C07F40D91}"/>
+              </a:ext>
+            </a:extLst>
+          </p:cNvPr>
+          <p:cNvCxnSpPr>
+            <a:cxnSpLocks/>
+            <a:stCxn id="7" idx="1"/>
+          </p:cNvCxnSpPr>
+          <p:nvPr/>
+        </p:nvCxnSpPr>
+        <p:spPr>
+          <a:xfrm flipH="1">
+            <a:off x="2865498" y="4268134"/>
+            <a:ext cx="794652" cy="0"/>
+          </a:xfrm>
+          <a:prstGeom prst="straightConnector1">
+            <a:avLst/>
+          </a:prstGeom>
+          <a:ln w="38100">
+            <a:solidFill>
+              <a:schemeClr val="accent2"/>
+            </a:solidFill>
+            <a:tailEnd type="triangle"/>
+          </a:ln>
+        </p:spPr>
+        <p:style>
+          <a:lnRef idx="1">
+            <a:schemeClr val="accent1"/>
+          </a:lnRef>
+          <a:fillRef idx="0">
+            <a:schemeClr val="accent1"/>
+          </a:fillRef>
+          <a:effectRef idx="0">
+            <a:schemeClr val="accent1"/>
+          </a:effectRef>
+          <a:fontRef idx="minor">
+            <a:schemeClr val="tx1"/>
+          </a:fontRef>
+        </p:style>
+      </p:cxnSp>
       <p:sp>
         <p:nvSpPr>
           <p:cNvPr id="7" name="TextBox 6">
             <a:extLst>
               <a:ext uri="{FF2B5EF4-FFF2-40B4-BE49-F238E27FC236}">
-                <a16:creationId xmlns:a16="http://schemas.microsoft.com/office/drawing/2014/main" id="{2241BC47-B23A-4849-BEB8-DFBAA4B784A1}"/>
+                <a16:creationId xmlns:a16="http://schemas.microsoft.com/office/drawing/2014/main" id="{C725505E-1EC5-1742-8B8C-4C0B92C8E38E}"/>
               </a:ext>
             </a:extLst>
           </p:cNvPr>
@@ -7516,53 +7760,158 @@
         </p:nvSpPr>
         <p:spPr>
           <a:xfrm>
-            <a:off x="95003" y="5734040"/>
-            <a:ext cx="12096997" cy="923330"/>
+            <a:off x="3660150" y="4114245"/>
+            <a:ext cx="1174669" cy="307777"/>
           </a:xfrm>
           <a:prstGeom prst="rect">
             <a:avLst/>
           </a:prstGeom>
-          <a:noFill/>
-        </p:spPr>
+        </p:spPr>
+        <p:style>
+          <a:lnRef idx="1">
+            <a:schemeClr val="accent2"/>
+          </a:lnRef>
+          <a:fillRef idx="2">
+            <a:schemeClr val="accent2"/>
+          </a:fillRef>
+          <a:effectRef idx="1">
+            <a:schemeClr val="accent2"/>
+          </a:effectRef>
+          <a:fontRef idx="minor">
+            <a:schemeClr val="dk1"/>
+          </a:fontRef>
+        </p:style>
         <p:txBody>
           <a:bodyPr wrap="square" rtlCol="0">
             <a:spAutoFit/>
           </a:bodyPr>
-          <a:lstStyle/>
-          <a:p>
-            <a:r>
-              <a:rPr lang="ru-RU" sz="5400" dirty="0">
-                <a:solidFill>
-                  <a:schemeClr val="bg1"/>
-                </a:solidFill>
-              </a:rPr>
-              <a:t>Платформа </a:t>
-            </a:r>
-            <a:r>
-              <a:rPr lang="en-US" sz="5400" dirty="0">
-                <a:solidFill>
-                  <a:schemeClr val="bg1"/>
-                </a:solidFill>
-              </a:rPr>
-              <a:t>Scratch</a:t>
-            </a:r>
-            <a:r>
-              <a:rPr lang="ru-RU" sz="5400" dirty="0">
-                <a:solidFill>
-                  <a:schemeClr val="bg1"/>
-                </a:solidFill>
-              </a:rPr>
-              <a:t>. Урок 1. Введение</a:t>
-            </a:r>
-          </a:p>
-        </p:txBody>
-      </p:sp>
-      <p:sp>
-        <p:nvSpPr>
-          <p:cNvPr id="8" name="TextBox 7">
-            <a:extLst>
-              <a:ext uri="{FF2B5EF4-FFF2-40B4-BE49-F238E27FC236}">
-                <a16:creationId xmlns:a16="http://schemas.microsoft.com/office/drawing/2014/main" id="{E8BDC9D8-1362-6B41-8814-7064C5D41563}"/>
+          <a:lstStyle>
+            <a:defPPr>
+              <a:defRPr lang="ru-RU"/>
+            </a:defPPr>
+            <a:lvl1pPr>
+              <a:defRPr>
+                <a:solidFill>
+                  <a:schemeClr val="dk1"/>
+                </a:solidFill>
+              </a:defRPr>
+            </a:lvl1pPr>
+            <a:lvl2pPr>
+              <a:defRPr>
+                <a:solidFill>
+                  <a:schemeClr val="dk1"/>
+                </a:solidFill>
+              </a:defRPr>
+            </a:lvl2pPr>
+            <a:lvl3pPr>
+              <a:defRPr>
+                <a:solidFill>
+                  <a:schemeClr val="dk1"/>
+                </a:solidFill>
+              </a:defRPr>
+            </a:lvl3pPr>
+            <a:lvl4pPr>
+              <a:defRPr>
+                <a:solidFill>
+                  <a:schemeClr val="dk1"/>
+                </a:solidFill>
+              </a:defRPr>
+            </a:lvl4pPr>
+            <a:lvl5pPr>
+              <a:defRPr>
+                <a:solidFill>
+                  <a:schemeClr val="dk1"/>
+                </a:solidFill>
+              </a:defRPr>
+            </a:lvl5pPr>
+            <a:lvl6pPr>
+              <a:defRPr>
+                <a:solidFill>
+                  <a:schemeClr val="dk1"/>
+                </a:solidFill>
+              </a:defRPr>
+            </a:lvl6pPr>
+            <a:lvl7pPr>
+              <a:defRPr>
+                <a:solidFill>
+                  <a:schemeClr val="dk1"/>
+                </a:solidFill>
+              </a:defRPr>
+            </a:lvl7pPr>
+            <a:lvl8pPr>
+              <a:defRPr>
+                <a:solidFill>
+                  <a:schemeClr val="dk1"/>
+                </a:solidFill>
+              </a:defRPr>
+            </a:lvl8pPr>
+            <a:lvl9pPr>
+              <a:defRPr>
+                <a:solidFill>
+                  <a:schemeClr val="dk1"/>
+                </a:solidFill>
+              </a:defRPr>
+            </a:lvl9pPr>
+          </a:lstStyle>
+          <a:p>
+            <a:r>
+              <a:rPr lang="ru-RU" sz="1400" dirty="0"/>
+              <a:t>Пипетка</a:t>
+            </a:r>
+          </a:p>
+        </p:txBody>
+      </p:sp>
+      <p:cxnSp>
+        <p:nvCxnSpPr>
+          <p:cNvPr id="8" name="Прямая со стрелкой 7">
+            <a:extLst>
+              <a:ext uri="{FF2B5EF4-FFF2-40B4-BE49-F238E27FC236}">
+                <a16:creationId xmlns:a16="http://schemas.microsoft.com/office/drawing/2014/main" id="{5D622DC3-AA87-C745-B83B-6452823E5985}"/>
+              </a:ext>
+            </a:extLst>
+          </p:cNvPr>
+          <p:cNvCxnSpPr>
+            <a:cxnSpLocks/>
+            <a:stCxn id="9" idx="2"/>
+          </p:cNvCxnSpPr>
+          <p:nvPr/>
+        </p:nvCxnSpPr>
+        <p:spPr>
+          <a:xfrm>
+            <a:off x="8603673" y="3386842"/>
+            <a:ext cx="53438" cy="1719547"/>
+          </a:xfrm>
+          <a:prstGeom prst="straightConnector1">
+            <a:avLst/>
+          </a:prstGeom>
+          <a:ln w="38100">
+            <a:solidFill>
+              <a:schemeClr val="accent2"/>
+            </a:solidFill>
+            <a:tailEnd type="triangle"/>
+          </a:ln>
+        </p:spPr>
+        <p:style>
+          <a:lnRef idx="1">
+            <a:schemeClr val="accent1"/>
+          </a:lnRef>
+          <a:fillRef idx="0">
+            <a:schemeClr val="accent1"/>
+          </a:fillRef>
+          <a:effectRef idx="0">
+            <a:schemeClr val="accent1"/>
+          </a:effectRef>
+          <a:fontRef idx="minor">
+            <a:schemeClr val="tx1"/>
+          </a:fontRef>
+        </p:style>
+      </p:cxnSp>
+      <p:sp>
+        <p:nvSpPr>
+          <p:cNvPr id="9" name="TextBox 8">
+            <a:extLst>
+              <a:ext uri="{FF2B5EF4-FFF2-40B4-BE49-F238E27FC236}">
+                <a16:creationId xmlns:a16="http://schemas.microsoft.com/office/drawing/2014/main" id="{6BD46494-622A-9A43-AEF4-2955FE9EA819}"/>
               </a:ext>
             </a:extLst>
           </p:cNvPr>
@@ -7571,98 +7920,111 @@
         </p:nvSpPr>
         <p:spPr>
           <a:xfrm>
-            <a:off x="342339" y="1904931"/>
-            <a:ext cx="4364864" cy="1569660"/>
+            <a:off x="6911440" y="3079065"/>
+            <a:ext cx="3384466" cy="307777"/>
           </a:xfrm>
           <a:prstGeom prst="rect">
             <a:avLst/>
           </a:prstGeom>
-          <a:noFill/>
-        </p:spPr>
+        </p:spPr>
+        <p:style>
+          <a:lnRef idx="1">
+            <a:schemeClr val="accent2"/>
+          </a:lnRef>
+          <a:fillRef idx="2">
+            <a:schemeClr val="accent2"/>
+          </a:fillRef>
+          <a:effectRef idx="1">
+            <a:schemeClr val="accent2"/>
+          </a:effectRef>
+          <a:fontRef idx="minor">
+            <a:schemeClr val="dk1"/>
+          </a:fontRef>
+        </p:style>
         <p:txBody>
           <a:bodyPr wrap="square" rtlCol="0">
             <a:spAutoFit/>
           </a:bodyPr>
-          <a:lstStyle/>
-          <a:p>
-            <a:r>
-              <a:rPr lang="ru-RU" sz="2400" dirty="0">
-                <a:solidFill>
-                  <a:schemeClr val="bg1"/>
-                </a:solidFill>
-              </a:rPr>
-              <a:t>Крошка сын к отцу пришел и сказала кроха: </a:t>
-            </a:r>
-            <a:endParaRPr lang="en-US" sz="2400" dirty="0">
-              <a:solidFill>
-                <a:schemeClr val="bg1"/>
-              </a:solidFill>
-            </a:endParaRPr>
-          </a:p>
-          <a:p>
-            <a:r>
-              <a:rPr lang="ru-RU" sz="2400" dirty="0">
-                <a:solidFill>
-                  <a:schemeClr val="bg1"/>
-                </a:solidFill>
-              </a:rPr>
-              <a:t>«Папа, а научи программировать»</a:t>
-            </a:r>
-          </a:p>
-        </p:txBody>
-      </p:sp>
-      <p:sp>
-        <p:nvSpPr>
-          <p:cNvPr id="9" name="TextBox 8">
-            <a:extLst>
-              <a:ext uri="{FF2B5EF4-FFF2-40B4-BE49-F238E27FC236}">
-                <a16:creationId xmlns:a16="http://schemas.microsoft.com/office/drawing/2014/main" id="{EB220979-0D95-0D42-B870-2ED64C59840D}"/>
-              </a:ext>
-            </a:extLst>
-          </p:cNvPr>
-          <p:cNvSpPr txBox="1"/>
-          <p:nvPr/>
-        </p:nvSpPr>
-        <p:spPr>
-          <a:xfrm>
-            <a:off x="540327" y="565087"/>
-            <a:ext cx="3348841" cy="830997"/>
-          </a:xfrm>
-          <a:prstGeom prst="rect">
-            <a:avLst/>
-          </a:prstGeom>
-          <a:noFill/>
-        </p:spPr>
-        <p:txBody>
-          <a:bodyPr wrap="square" rtlCol="0">
-            <a:spAutoFit/>
-          </a:bodyPr>
-          <a:lstStyle/>
-          <a:p>
-            <a:r>
-              <a:rPr lang="en-US" sz="4800" b="1" dirty="0">
-                <a:solidFill>
-                  <a:schemeClr val="bg1">
-                    <a:lumMod val="95000"/>
-                  </a:schemeClr>
-                </a:solidFill>
-              </a:rPr>
-              <a:t>Papa Coder</a:t>
-            </a:r>
-            <a:endParaRPr lang="ru-RU" sz="4800" b="1" dirty="0">
-              <a:solidFill>
-                <a:schemeClr val="bg1">
-                  <a:lumMod val="95000"/>
-                </a:schemeClr>
-              </a:solidFill>
-            </a:endParaRPr>
+          <a:lstStyle>
+            <a:defPPr>
+              <a:defRPr lang="ru-RU"/>
+            </a:defPPr>
+            <a:lvl1pPr>
+              <a:defRPr>
+                <a:solidFill>
+                  <a:schemeClr val="dk1"/>
+                </a:solidFill>
+              </a:defRPr>
+            </a:lvl1pPr>
+            <a:lvl2pPr>
+              <a:defRPr>
+                <a:solidFill>
+                  <a:schemeClr val="dk1"/>
+                </a:solidFill>
+              </a:defRPr>
+            </a:lvl2pPr>
+            <a:lvl3pPr>
+              <a:defRPr>
+                <a:solidFill>
+                  <a:schemeClr val="dk1"/>
+                </a:solidFill>
+              </a:defRPr>
+            </a:lvl3pPr>
+            <a:lvl4pPr>
+              <a:defRPr>
+                <a:solidFill>
+                  <a:schemeClr val="dk1"/>
+                </a:solidFill>
+              </a:defRPr>
+            </a:lvl4pPr>
+            <a:lvl5pPr>
+              <a:defRPr>
+                <a:solidFill>
+                  <a:schemeClr val="dk1"/>
+                </a:solidFill>
+              </a:defRPr>
+            </a:lvl5pPr>
+            <a:lvl6pPr>
+              <a:defRPr>
+                <a:solidFill>
+                  <a:schemeClr val="dk1"/>
+                </a:solidFill>
+              </a:defRPr>
+            </a:lvl6pPr>
+            <a:lvl7pPr>
+              <a:defRPr>
+                <a:solidFill>
+                  <a:schemeClr val="dk1"/>
+                </a:solidFill>
+              </a:defRPr>
+            </a:lvl7pPr>
+            <a:lvl8pPr>
+              <a:defRPr>
+                <a:solidFill>
+                  <a:schemeClr val="dk1"/>
+                </a:solidFill>
+              </a:defRPr>
+            </a:lvl8pPr>
+            <a:lvl9pPr>
+              <a:defRPr>
+                <a:solidFill>
+                  <a:schemeClr val="dk1"/>
+                </a:solidFill>
+              </a:defRPr>
+            </a:lvl9pPr>
+          </a:lstStyle>
+          <a:p>
+            <a:r>
+              <a:rPr lang="ru-RU" sz="1400" dirty="0"/>
+              <a:t>Выбор объекта для получения цвета</a:t>
+            </a:r>
           </a:p>
         </p:txBody>
       </p:sp>
     </p:spTree>
     <p:extLst>
       <p:ext uri="{BB962C8B-B14F-4D97-AF65-F5344CB8AC3E}">
-        <p14:creationId xmlns:p14="http://schemas.microsoft.com/office/powerpoint/2010/main" val="1016611300"/>
+        <p14:creationId xmlns:p14="http://schemas.microsoft.com/office/powerpoint/2010/main" val="2459988125"/>
       </p:ext>
     </p:extLst>
   </p:cSld>
@@ -7738,6 +8100,36 @@
           </a:p>
         </p:txBody>
       </p:sp>
+      <p:pic>
+        <p:nvPicPr>
+          <p:cNvPr id="6" name="Рисунок 5">
+            <a:extLst>
+              <a:ext uri="{FF2B5EF4-FFF2-40B4-BE49-F238E27FC236}">
+                <a16:creationId xmlns:a16="http://schemas.microsoft.com/office/drawing/2014/main" id="{AF0C5521-50F4-E943-BCB3-FA69FFEFD1EE}"/>
+              </a:ext>
+            </a:extLst>
+          </p:cNvPr>
+          <p:cNvPicPr>
+            <a:picLocks noChangeAspect="1"/>
+          </p:cNvPicPr>
+          <p:nvPr/>
+        </p:nvPicPr>
+        <p:blipFill>
+          <a:blip r:embed="rId2"/>
+          <a:stretch>
+            <a:fillRect/>
+          </a:stretch>
+        </p:blipFill>
+        <p:spPr>
+          <a:xfrm>
+            <a:off x="4861582" y="0"/>
+            <a:ext cx="7330418" cy="5379522"/>
+          </a:xfrm>
+          <a:prstGeom prst="rect">
+            <a:avLst/>
+          </a:prstGeom>
+        </p:spPr>
+      </p:pic>
       <p:sp>
         <p:nvSpPr>
           <p:cNvPr id="7" name="TextBox 6">
@@ -7752,8 +8144,8 @@
         </p:nvSpPr>
         <p:spPr>
           <a:xfrm>
-            <a:off x="135203" y="5009646"/>
-            <a:ext cx="12096997" cy="1754326"/>
+            <a:off x="95003" y="5734040"/>
+            <a:ext cx="12096997" cy="923330"/>
           </a:xfrm>
           <a:prstGeom prst="rect">
             <a:avLst/>
@@ -7788,33 +8180,7 @@
                   <a:schemeClr val="bg1"/>
                 </a:solidFill>
               </a:rPr>
-              <a:t>. Урок </a:t>
-            </a:r>
-            <a:r>
-              <a:rPr lang="en-US" sz="5400" dirty="0">
-                <a:solidFill>
-                  <a:schemeClr val="bg1"/>
-                </a:solidFill>
-              </a:rPr>
-              <a:t>2</a:t>
-            </a:r>
-            <a:r>
-              <a:rPr lang="ru-RU" sz="5400" dirty="0">
-                <a:solidFill>
-                  <a:schemeClr val="bg1"/>
-                </a:solidFill>
-              </a:rPr>
-              <a:t>. </a:t>
-            </a:r>
-          </a:p>
-          <a:p>
-            <a:r>
-              <a:rPr lang="ru-RU" sz="5400" dirty="0">
-                <a:solidFill>
-                  <a:schemeClr val="bg1"/>
-                </a:solidFill>
-              </a:rPr>
-              <a:t>Движение и внешний вид объекта</a:t>
+              <a:t>. Урок 1. Введение</a:t>
             </a:r>
           </a:p>
         </p:txBody>
@@ -7921,40 +8287,10 @@
           </a:p>
         </p:txBody>
       </p:sp>
-      <p:pic>
-        <p:nvPicPr>
-          <p:cNvPr id="3" name="Рисунок 2">
-            <a:extLst>
-              <a:ext uri="{FF2B5EF4-FFF2-40B4-BE49-F238E27FC236}">
-                <a16:creationId xmlns:a16="http://schemas.microsoft.com/office/drawing/2014/main" id="{CF18102F-8BED-2B4E-B28C-49DB87856208}"/>
-              </a:ext>
-            </a:extLst>
-          </p:cNvPr>
-          <p:cNvPicPr>
-            <a:picLocks noChangeAspect="1"/>
-          </p:cNvPicPr>
-          <p:nvPr/>
-        </p:nvPicPr>
-        <p:blipFill>
-          <a:blip r:embed="rId2"/>
-          <a:stretch>
-            <a:fillRect/>
-          </a:stretch>
-        </p:blipFill>
-        <p:spPr>
-          <a:xfrm>
-            <a:off x="4524498" y="0"/>
-            <a:ext cx="7667501" cy="4589701"/>
-          </a:xfrm>
-          <a:prstGeom prst="rect">
-            <a:avLst/>
-          </a:prstGeom>
-        </p:spPr>
-      </p:pic>
     </p:spTree>
     <p:extLst>
       <p:ext uri="{BB962C8B-B14F-4D97-AF65-F5344CB8AC3E}">
-        <p14:creationId xmlns:p14="http://schemas.microsoft.com/office/powerpoint/2010/main" val="1122410730"/>
+        <p14:creationId xmlns:p14="http://schemas.microsoft.com/office/powerpoint/2010/main" val="1016611300"/>
       </p:ext>
     </p:extLst>
   </p:cSld>
@@ -8088,6 +8424,298 @@
                   <a:schemeClr val="bg1"/>
                 </a:solidFill>
               </a:rPr>
+              <a:t>2</a:t>
+            </a:r>
+            <a:r>
+              <a:rPr lang="ru-RU" sz="5400" dirty="0">
+                <a:solidFill>
+                  <a:schemeClr val="bg1"/>
+                </a:solidFill>
+              </a:rPr>
+              <a:t>. </a:t>
+            </a:r>
+          </a:p>
+          <a:p>
+            <a:r>
+              <a:rPr lang="ru-RU" sz="5400" dirty="0">
+                <a:solidFill>
+                  <a:schemeClr val="bg1"/>
+                </a:solidFill>
+              </a:rPr>
+              <a:t>Движение и внешний вид объекта</a:t>
+            </a:r>
+          </a:p>
+        </p:txBody>
+      </p:sp>
+      <p:sp>
+        <p:nvSpPr>
+          <p:cNvPr id="8" name="TextBox 7">
+            <a:extLst>
+              <a:ext uri="{FF2B5EF4-FFF2-40B4-BE49-F238E27FC236}">
+                <a16:creationId xmlns:a16="http://schemas.microsoft.com/office/drawing/2014/main" id="{E8BDC9D8-1362-6B41-8814-7064C5D41563}"/>
+              </a:ext>
+            </a:extLst>
+          </p:cNvPr>
+          <p:cNvSpPr txBox="1"/>
+          <p:nvPr/>
+        </p:nvSpPr>
+        <p:spPr>
+          <a:xfrm>
+            <a:off x="342339" y="1904931"/>
+            <a:ext cx="4364864" cy="1569660"/>
+          </a:xfrm>
+          <a:prstGeom prst="rect">
+            <a:avLst/>
+          </a:prstGeom>
+          <a:noFill/>
+        </p:spPr>
+        <p:txBody>
+          <a:bodyPr wrap="square" rtlCol="0">
+            <a:spAutoFit/>
+          </a:bodyPr>
+          <a:lstStyle/>
+          <a:p>
+            <a:r>
+              <a:rPr lang="ru-RU" sz="2400" dirty="0">
+                <a:solidFill>
+                  <a:schemeClr val="bg1"/>
+                </a:solidFill>
+              </a:rPr>
+              <a:t>Крошка сын к отцу пришел и сказала кроха: </a:t>
+            </a:r>
+            <a:endParaRPr lang="en-US" sz="2400" dirty="0">
+              <a:solidFill>
+                <a:schemeClr val="bg1"/>
+              </a:solidFill>
+            </a:endParaRPr>
+          </a:p>
+          <a:p>
+            <a:r>
+              <a:rPr lang="ru-RU" sz="2400" dirty="0">
+                <a:solidFill>
+                  <a:schemeClr val="bg1"/>
+                </a:solidFill>
+              </a:rPr>
+              <a:t>«Папа, а научи программировать»</a:t>
+            </a:r>
+          </a:p>
+        </p:txBody>
+      </p:sp>
+      <p:sp>
+        <p:nvSpPr>
+          <p:cNvPr id="9" name="TextBox 8">
+            <a:extLst>
+              <a:ext uri="{FF2B5EF4-FFF2-40B4-BE49-F238E27FC236}">
+                <a16:creationId xmlns:a16="http://schemas.microsoft.com/office/drawing/2014/main" id="{EB220979-0D95-0D42-B870-2ED64C59840D}"/>
+              </a:ext>
+            </a:extLst>
+          </p:cNvPr>
+          <p:cNvSpPr txBox="1"/>
+          <p:nvPr/>
+        </p:nvSpPr>
+        <p:spPr>
+          <a:xfrm>
+            <a:off x="540327" y="565087"/>
+            <a:ext cx="3348841" cy="830997"/>
+          </a:xfrm>
+          <a:prstGeom prst="rect">
+            <a:avLst/>
+          </a:prstGeom>
+          <a:noFill/>
+        </p:spPr>
+        <p:txBody>
+          <a:bodyPr wrap="square" rtlCol="0">
+            <a:spAutoFit/>
+          </a:bodyPr>
+          <a:lstStyle/>
+          <a:p>
+            <a:r>
+              <a:rPr lang="en-US" sz="4800" b="1" dirty="0">
+                <a:solidFill>
+                  <a:schemeClr val="bg1">
+                    <a:lumMod val="95000"/>
+                  </a:schemeClr>
+                </a:solidFill>
+              </a:rPr>
+              <a:t>Papa Coder</a:t>
+            </a:r>
+            <a:endParaRPr lang="ru-RU" sz="4800" b="1" dirty="0">
+              <a:solidFill>
+                <a:schemeClr val="bg1">
+                  <a:lumMod val="95000"/>
+                </a:schemeClr>
+              </a:solidFill>
+            </a:endParaRPr>
+          </a:p>
+        </p:txBody>
+      </p:sp>
+      <p:pic>
+        <p:nvPicPr>
+          <p:cNvPr id="3" name="Рисунок 2">
+            <a:extLst>
+              <a:ext uri="{FF2B5EF4-FFF2-40B4-BE49-F238E27FC236}">
+                <a16:creationId xmlns:a16="http://schemas.microsoft.com/office/drawing/2014/main" id="{CF18102F-8BED-2B4E-B28C-49DB87856208}"/>
+              </a:ext>
+            </a:extLst>
+          </p:cNvPr>
+          <p:cNvPicPr>
+            <a:picLocks noChangeAspect="1"/>
+          </p:cNvPicPr>
+          <p:nvPr/>
+        </p:nvPicPr>
+        <p:blipFill>
+          <a:blip r:embed="rId2"/>
+          <a:stretch>
+            <a:fillRect/>
+          </a:stretch>
+        </p:blipFill>
+        <p:spPr>
+          <a:xfrm>
+            <a:off x="4524498" y="0"/>
+            <a:ext cx="7667501" cy="4589701"/>
+          </a:xfrm>
+          <a:prstGeom prst="rect">
+            <a:avLst/>
+          </a:prstGeom>
+        </p:spPr>
+      </p:pic>
+    </p:spTree>
+    <p:extLst>
+      <p:ext uri="{BB962C8B-B14F-4D97-AF65-F5344CB8AC3E}">
+        <p14:creationId xmlns:p14="http://schemas.microsoft.com/office/powerpoint/2010/main" val="1122410730"/>
+      </p:ext>
+    </p:extLst>
+  </p:cSld>
+  <p:clrMapOvr>
+    <a:masterClrMapping/>
+  </p:clrMapOvr>
+</p:sld>
+</file>
+
+<file path=ppt/slides/slide18.xml><?xml version="1.0" encoding="utf-8"?>
+<p:sld xmlns:a="http://schemas.openxmlformats.org/drawingml/2006/main" xmlns:r="http://schemas.openxmlformats.org/officeDocument/2006/relationships" xmlns:p="http://schemas.openxmlformats.org/presentationml/2006/main">
+  <p:cSld>
+    <p:spTree>
+      <p:nvGrpSpPr>
+        <p:cNvPr id="1" name=""/>
+        <p:cNvGrpSpPr/>
+        <p:nvPr/>
+      </p:nvGrpSpPr>
+      <p:grpSpPr>
+        <a:xfrm>
+          <a:off x="0" y="0"/>
+          <a:ext cx="0" cy="0"/>
+          <a:chOff x="0" y="0"/>
+          <a:chExt cx="0" cy="0"/>
+        </a:xfrm>
+      </p:grpSpPr>
+      <p:sp>
+        <p:nvSpPr>
+          <p:cNvPr id="4" name="Прямоугольник 3">
+            <a:extLst>
+              <a:ext uri="{FF2B5EF4-FFF2-40B4-BE49-F238E27FC236}">
+                <a16:creationId xmlns:a16="http://schemas.microsoft.com/office/drawing/2014/main" id="{03F8458D-19F5-B448-AD06-80EB49B77370}"/>
+              </a:ext>
+            </a:extLst>
+          </p:cNvPr>
+          <p:cNvSpPr/>
+          <p:nvPr/>
+        </p:nvSpPr>
+        <p:spPr>
+          <a:xfrm>
+            <a:off x="0" y="0"/>
+            <a:ext cx="12192000" cy="6858000"/>
+          </a:xfrm>
+          <a:prstGeom prst="rect">
+            <a:avLst/>
+          </a:prstGeom>
+          <a:solidFill>
+            <a:srgbClr val="4D98FF"/>
+          </a:solidFill>
+        </p:spPr>
+        <p:style>
+          <a:lnRef idx="2">
+            <a:schemeClr val="accent1">
+              <a:shade val="50000"/>
+            </a:schemeClr>
+          </a:lnRef>
+          <a:fillRef idx="1">
+            <a:schemeClr val="accent1"/>
+          </a:fillRef>
+          <a:effectRef idx="0">
+            <a:schemeClr val="accent1"/>
+          </a:effectRef>
+          <a:fontRef idx="minor">
+            <a:schemeClr val="lt1"/>
+          </a:fontRef>
+        </p:style>
+        <p:txBody>
+          <a:bodyPr rtlCol="0" anchor="ctr"/>
+          <a:lstStyle/>
+          <a:p>
+            <a:pPr algn="ctr"/>
+            <a:endParaRPr lang="ru-RU" dirty="0"/>
+          </a:p>
+        </p:txBody>
+      </p:sp>
+      <p:sp>
+        <p:nvSpPr>
+          <p:cNvPr id="7" name="TextBox 6">
+            <a:extLst>
+              <a:ext uri="{FF2B5EF4-FFF2-40B4-BE49-F238E27FC236}">
+                <a16:creationId xmlns:a16="http://schemas.microsoft.com/office/drawing/2014/main" id="{2241BC47-B23A-4849-BEB8-DFBAA4B784A1}"/>
+              </a:ext>
+            </a:extLst>
+          </p:cNvPr>
+          <p:cNvSpPr txBox="1"/>
+          <p:nvPr/>
+        </p:nvSpPr>
+        <p:spPr>
+          <a:xfrm>
+            <a:off x="135203" y="5009646"/>
+            <a:ext cx="12096997" cy="1754326"/>
+          </a:xfrm>
+          <a:prstGeom prst="rect">
+            <a:avLst/>
+          </a:prstGeom>
+          <a:noFill/>
+        </p:spPr>
+        <p:txBody>
+          <a:bodyPr wrap="square" rtlCol="0">
+            <a:spAutoFit/>
+          </a:bodyPr>
+          <a:lstStyle/>
+          <a:p>
+            <a:r>
+              <a:rPr lang="ru-RU" sz="5400" dirty="0">
+                <a:solidFill>
+                  <a:schemeClr val="bg1"/>
+                </a:solidFill>
+              </a:rPr>
+              <a:t>Платформа </a:t>
+            </a:r>
+            <a:r>
+              <a:rPr lang="en-US" sz="5400" dirty="0">
+                <a:solidFill>
+                  <a:schemeClr val="bg1"/>
+                </a:solidFill>
+              </a:rPr>
+              <a:t>Scratch</a:t>
+            </a:r>
+            <a:r>
+              <a:rPr lang="ru-RU" sz="5400" dirty="0">
+                <a:solidFill>
+                  <a:schemeClr val="bg1"/>
+                </a:solidFill>
+              </a:rPr>
+              <a:t>. Урок </a:t>
+            </a:r>
+            <a:r>
+              <a:rPr lang="en-US" sz="5400" dirty="0">
+                <a:solidFill>
+                  <a:schemeClr val="bg1"/>
+                </a:solidFill>
+              </a:rPr>
               <a:t>3</a:t>
             </a:r>
             <a:r>
@@ -8256,7 +8884,7 @@
 </p:sld>
 </file>
 
-<file path=ppt/slides/slide18.xml><?xml version="1.0" encoding="utf-8"?>
+<file path=ppt/slides/slide19.xml><?xml version="1.0" encoding="utf-8"?>
 <p:sld xmlns:a="http://schemas.openxmlformats.org/drawingml/2006/main" xmlns:r="http://schemas.openxmlformats.org/officeDocument/2006/relationships" xmlns:p="http://schemas.openxmlformats.org/presentationml/2006/main">
   <p:cSld>
     <p:spTree>
@@ -8784,6 +9412,590 @@
 </p:sld>
 </file>
 
+<file path=ppt/slides/slide20.xml><?xml version="1.0" encoding="utf-8"?>
+<p:sld xmlns:a="http://schemas.openxmlformats.org/drawingml/2006/main" xmlns:r="http://schemas.openxmlformats.org/officeDocument/2006/relationships" xmlns:p="http://schemas.openxmlformats.org/presentationml/2006/main">
+  <p:cSld>
+    <p:spTree>
+      <p:nvGrpSpPr>
+        <p:cNvPr id="1" name=""/>
+        <p:cNvGrpSpPr/>
+        <p:nvPr/>
+      </p:nvGrpSpPr>
+      <p:grpSpPr>
+        <a:xfrm>
+          <a:off x="0" y="0"/>
+          <a:ext cx="0" cy="0"/>
+          <a:chOff x="0" y="0"/>
+          <a:chExt cx="0" cy="0"/>
+        </a:xfrm>
+      </p:grpSpPr>
+      <p:sp>
+        <p:nvSpPr>
+          <p:cNvPr id="4" name="Прямоугольник 3">
+            <a:extLst>
+              <a:ext uri="{FF2B5EF4-FFF2-40B4-BE49-F238E27FC236}">
+                <a16:creationId xmlns:a16="http://schemas.microsoft.com/office/drawing/2014/main" id="{03F8458D-19F5-B448-AD06-80EB49B77370}"/>
+              </a:ext>
+            </a:extLst>
+          </p:cNvPr>
+          <p:cNvSpPr/>
+          <p:nvPr/>
+        </p:nvSpPr>
+        <p:spPr>
+          <a:xfrm>
+            <a:off x="0" y="0"/>
+            <a:ext cx="12192000" cy="6858000"/>
+          </a:xfrm>
+          <a:prstGeom prst="rect">
+            <a:avLst/>
+          </a:prstGeom>
+          <a:solidFill>
+            <a:srgbClr val="4D98FF"/>
+          </a:solidFill>
+        </p:spPr>
+        <p:style>
+          <a:lnRef idx="2">
+            <a:schemeClr val="accent1">
+              <a:shade val="50000"/>
+            </a:schemeClr>
+          </a:lnRef>
+          <a:fillRef idx="1">
+            <a:schemeClr val="accent1"/>
+          </a:fillRef>
+          <a:effectRef idx="0">
+            <a:schemeClr val="accent1"/>
+          </a:effectRef>
+          <a:fontRef idx="minor">
+            <a:schemeClr val="lt1"/>
+          </a:fontRef>
+        </p:style>
+        <p:txBody>
+          <a:bodyPr rtlCol="0" anchor="ctr"/>
+          <a:lstStyle/>
+          <a:p>
+            <a:pPr algn="ctr"/>
+            <a:endParaRPr lang="ru-RU" dirty="0"/>
+          </a:p>
+        </p:txBody>
+      </p:sp>
+      <p:sp>
+        <p:nvSpPr>
+          <p:cNvPr id="7" name="TextBox 6">
+            <a:extLst>
+              <a:ext uri="{FF2B5EF4-FFF2-40B4-BE49-F238E27FC236}">
+                <a16:creationId xmlns:a16="http://schemas.microsoft.com/office/drawing/2014/main" id="{2241BC47-B23A-4849-BEB8-DFBAA4B784A1}"/>
+              </a:ext>
+            </a:extLst>
+          </p:cNvPr>
+          <p:cNvSpPr txBox="1"/>
+          <p:nvPr/>
+        </p:nvSpPr>
+        <p:spPr>
+          <a:xfrm>
+            <a:off x="135203" y="5009646"/>
+            <a:ext cx="12096997" cy="1754326"/>
+          </a:xfrm>
+          <a:prstGeom prst="rect">
+            <a:avLst/>
+          </a:prstGeom>
+          <a:noFill/>
+        </p:spPr>
+        <p:txBody>
+          <a:bodyPr wrap="square" rtlCol="0">
+            <a:spAutoFit/>
+          </a:bodyPr>
+          <a:lstStyle/>
+          <a:p>
+            <a:r>
+              <a:rPr lang="ru-RU" sz="5400" dirty="0">
+                <a:solidFill>
+                  <a:schemeClr val="bg1"/>
+                </a:solidFill>
+              </a:rPr>
+              <a:t>Платформа </a:t>
+            </a:r>
+            <a:r>
+              <a:rPr lang="en-US" sz="5400" dirty="0">
+                <a:solidFill>
+                  <a:schemeClr val="bg1"/>
+                </a:solidFill>
+              </a:rPr>
+              <a:t>Scratch</a:t>
+            </a:r>
+            <a:r>
+              <a:rPr lang="ru-RU" sz="5400" dirty="0">
+                <a:solidFill>
+                  <a:schemeClr val="bg1"/>
+                </a:solidFill>
+              </a:rPr>
+              <a:t>. Урок </a:t>
+            </a:r>
+            <a:r>
+              <a:rPr lang="en-US" sz="5400" dirty="0">
+                <a:solidFill>
+                  <a:schemeClr val="bg1"/>
+                </a:solidFill>
+              </a:rPr>
+              <a:t>5</a:t>
+            </a:r>
+            <a:r>
+              <a:rPr lang="ru-RU" sz="5400" dirty="0">
+                <a:solidFill>
+                  <a:schemeClr val="bg1"/>
+                </a:solidFill>
+              </a:rPr>
+              <a:t>. </a:t>
+            </a:r>
+          </a:p>
+          <a:p>
+            <a:r>
+              <a:rPr lang="ru-RU" sz="5400" dirty="0">
+                <a:solidFill>
+                  <a:schemeClr val="bg1"/>
+                </a:solidFill>
+              </a:rPr>
+              <a:t>Твоя первая игра.</a:t>
+            </a:r>
+          </a:p>
+        </p:txBody>
+      </p:sp>
+      <p:sp>
+        <p:nvSpPr>
+          <p:cNvPr id="8" name="TextBox 7">
+            <a:extLst>
+              <a:ext uri="{FF2B5EF4-FFF2-40B4-BE49-F238E27FC236}">
+                <a16:creationId xmlns:a16="http://schemas.microsoft.com/office/drawing/2014/main" id="{E8BDC9D8-1362-6B41-8814-7064C5D41563}"/>
+              </a:ext>
+            </a:extLst>
+          </p:cNvPr>
+          <p:cNvSpPr txBox="1"/>
+          <p:nvPr/>
+        </p:nvSpPr>
+        <p:spPr>
+          <a:xfrm>
+            <a:off x="342339" y="1904931"/>
+            <a:ext cx="4364864" cy="1569660"/>
+          </a:xfrm>
+          <a:prstGeom prst="rect">
+            <a:avLst/>
+          </a:prstGeom>
+          <a:noFill/>
+        </p:spPr>
+        <p:txBody>
+          <a:bodyPr wrap="square" rtlCol="0">
+            <a:spAutoFit/>
+          </a:bodyPr>
+          <a:lstStyle/>
+          <a:p>
+            <a:r>
+              <a:rPr lang="ru-RU" sz="2400" dirty="0">
+                <a:solidFill>
+                  <a:schemeClr val="bg1"/>
+                </a:solidFill>
+              </a:rPr>
+              <a:t>Крошка сын к отцу пришел и сказала кроха: </a:t>
+            </a:r>
+            <a:endParaRPr lang="en-US" sz="2400" dirty="0">
+              <a:solidFill>
+                <a:schemeClr val="bg1"/>
+              </a:solidFill>
+            </a:endParaRPr>
+          </a:p>
+          <a:p>
+            <a:r>
+              <a:rPr lang="ru-RU" sz="2400" dirty="0">
+                <a:solidFill>
+                  <a:schemeClr val="bg1"/>
+                </a:solidFill>
+              </a:rPr>
+              <a:t>«Папа, а научи программировать»</a:t>
+            </a:r>
+          </a:p>
+        </p:txBody>
+      </p:sp>
+      <p:sp>
+        <p:nvSpPr>
+          <p:cNvPr id="9" name="TextBox 8">
+            <a:extLst>
+              <a:ext uri="{FF2B5EF4-FFF2-40B4-BE49-F238E27FC236}">
+                <a16:creationId xmlns:a16="http://schemas.microsoft.com/office/drawing/2014/main" id="{EB220979-0D95-0D42-B870-2ED64C59840D}"/>
+              </a:ext>
+            </a:extLst>
+          </p:cNvPr>
+          <p:cNvSpPr txBox="1"/>
+          <p:nvPr/>
+        </p:nvSpPr>
+        <p:spPr>
+          <a:xfrm>
+            <a:off x="540327" y="565087"/>
+            <a:ext cx="3348841" cy="830997"/>
+          </a:xfrm>
+          <a:prstGeom prst="rect">
+            <a:avLst/>
+          </a:prstGeom>
+          <a:noFill/>
+        </p:spPr>
+        <p:txBody>
+          <a:bodyPr wrap="square" rtlCol="0">
+            <a:spAutoFit/>
+          </a:bodyPr>
+          <a:lstStyle/>
+          <a:p>
+            <a:r>
+              <a:rPr lang="en-US" sz="4800" b="1" dirty="0">
+                <a:solidFill>
+                  <a:schemeClr val="bg1">
+                    <a:lumMod val="95000"/>
+                  </a:schemeClr>
+                </a:solidFill>
+              </a:rPr>
+              <a:t>Papa Coder</a:t>
+            </a:r>
+            <a:endParaRPr lang="ru-RU" sz="4800" b="1" dirty="0">
+              <a:solidFill>
+                <a:schemeClr val="bg1">
+                  <a:lumMod val="95000"/>
+                </a:schemeClr>
+              </a:solidFill>
+            </a:endParaRPr>
+          </a:p>
+        </p:txBody>
+      </p:sp>
+      <p:pic>
+        <p:nvPicPr>
+          <p:cNvPr id="10" name="Рисунок 9">
+            <a:extLst>
+              <a:ext uri="{FF2B5EF4-FFF2-40B4-BE49-F238E27FC236}">
+                <a16:creationId xmlns:a16="http://schemas.microsoft.com/office/drawing/2014/main" id="{AA2BA6A0-E412-9445-BD87-C0BEFE429395}"/>
+              </a:ext>
+            </a:extLst>
+          </p:cNvPr>
+          <p:cNvPicPr>
+            <a:picLocks noChangeAspect="1"/>
+          </p:cNvPicPr>
+          <p:nvPr/>
+        </p:nvPicPr>
+        <p:blipFill>
+          <a:blip r:embed="rId2"/>
+          <a:stretch>
+            <a:fillRect/>
+          </a:stretch>
+        </p:blipFill>
+        <p:spPr>
+          <a:xfrm>
+            <a:off x="4429494" y="0"/>
+            <a:ext cx="7762505" cy="4626453"/>
+          </a:xfrm>
+          <a:prstGeom prst="rect">
+            <a:avLst/>
+          </a:prstGeom>
+        </p:spPr>
+      </p:pic>
+    </p:spTree>
+    <p:extLst>
+      <p:ext uri="{BB962C8B-B14F-4D97-AF65-F5344CB8AC3E}">
+        <p14:creationId xmlns:p14="http://schemas.microsoft.com/office/powerpoint/2010/main" val="1286362034"/>
+      </p:ext>
+    </p:extLst>
+  </p:cSld>
+  <p:clrMapOvr>
+    <a:masterClrMapping/>
+  </p:clrMapOvr>
+</p:sld>
+</file>
+
+<file path=ppt/slides/slide21.xml><?xml version="1.0" encoding="utf-8"?>
+<p:sld xmlns:a="http://schemas.openxmlformats.org/drawingml/2006/main" xmlns:r="http://schemas.openxmlformats.org/officeDocument/2006/relationships" xmlns:p="http://schemas.openxmlformats.org/presentationml/2006/main">
+  <p:cSld>
+    <p:spTree>
+      <p:nvGrpSpPr>
+        <p:cNvPr id="1" name=""/>
+        <p:cNvGrpSpPr/>
+        <p:nvPr/>
+      </p:nvGrpSpPr>
+      <p:grpSpPr>
+        <a:xfrm>
+          <a:off x="0" y="0"/>
+          <a:ext cx="0" cy="0"/>
+          <a:chOff x="0" y="0"/>
+          <a:chExt cx="0" cy="0"/>
+        </a:xfrm>
+      </p:grpSpPr>
+      <p:sp>
+        <p:nvSpPr>
+          <p:cNvPr id="4" name="Прямоугольник 3">
+            <a:extLst>
+              <a:ext uri="{FF2B5EF4-FFF2-40B4-BE49-F238E27FC236}">
+                <a16:creationId xmlns:a16="http://schemas.microsoft.com/office/drawing/2014/main" id="{03F8458D-19F5-B448-AD06-80EB49B77370}"/>
+              </a:ext>
+            </a:extLst>
+          </p:cNvPr>
+          <p:cNvSpPr/>
+          <p:nvPr/>
+        </p:nvSpPr>
+        <p:spPr>
+          <a:xfrm>
+            <a:off x="0" y="0"/>
+            <a:ext cx="12192000" cy="6858000"/>
+          </a:xfrm>
+          <a:prstGeom prst="rect">
+            <a:avLst/>
+          </a:prstGeom>
+          <a:solidFill>
+            <a:srgbClr val="4D98FF"/>
+          </a:solidFill>
+        </p:spPr>
+        <p:style>
+          <a:lnRef idx="2">
+            <a:schemeClr val="accent1">
+              <a:shade val="50000"/>
+            </a:schemeClr>
+          </a:lnRef>
+          <a:fillRef idx="1">
+            <a:schemeClr val="accent1"/>
+          </a:fillRef>
+          <a:effectRef idx="0">
+            <a:schemeClr val="accent1"/>
+          </a:effectRef>
+          <a:fontRef idx="minor">
+            <a:schemeClr val="lt1"/>
+          </a:fontRef>
+        </p:style>
+        <p:txBody>
+          <a:bodyPr rtlCol="0" anchor="ctr"/>
+          <a:lstStyle/>
+          <a:p>
+            <a:pPr algn="ctr"/>
+            <a:endParaRPr lang="ru-RU" dirty="0"/>
+          </a:p>
+        </p:txBody>
+      </p:sp>
+      <p:sp>
+        <p:nvSpPr>
+          <p:cNvPr id="7" name="TextBox 6">
+            <a:extLst>
+              <a:ext uri="{FF2B5EF4-FFF2-40B4-BE49-F238E27FC236}">
+                <a16:creationId xmlns:a16="http://schemas.microsoft.com/office/drawing/2014/main" id="{2241BC47-B23A-4849-BEB8-DFBAA4B784A1}"/>
+              </a:ext>
+            </a:extLst>
+          </p:cNvPr>
+          <p:cNvSpPr txBox="1"/>
+          <p:nvPr/>
+        </p:nvSpPr>
+        <p:spPr>
+          <a:xfrm>
+            <a:off x="135203" y="5009646"/>
+            <a:ext cx="12096997" cy="1754326"/>
+          </a:xfrm>
+          <a:prstGeom prst="rect">
+            <a:avLst/>
+          </a:prstGeom>
+          <a:noFill/>
+        </p:spPr>
+        <p:txBody>
+          <a:bodyPr wrap="square" rtlCol="0">
+            <a:spAutoFit/>
+          </a:bodyPr>
+          <a:lstStyle/>
+          <a:p>
+            <a:r>
+              <a:rPr lang="ru-RU" sz="5400" dirty="0">
+                <a:solidFill>
+                  <a:schemeClr val="bg1"/>
+                </a:solidFill>
+              </a:rPr>
+              <a:t>Платформа </a:t>
+            </a:r>
+            <a:r>
+              <a:rPr lang="en-US" sz="5400" dirty="0">
+                <a:solidFill>
+                  <a:schemeClr val="bg1"/>
+                </a:solidFill>
+              </a:rPr>
+              <a:t>Scratch</a:t>
+            </a:r>
+            <a:r>
+              <a:rPr lang="ru-RU" sz="5400" dirty="0">
+                <a:solidFill>
+                  <a:schemeClr val="bg1"/>
+                </a:solidFill>
+              </a:rPr>
+              <a:t>. Урок </a:t>
+            </a:r>
+            <a:r>
+              <a:rPr lang="en-US" sz="5400" dirty="0">
+                <a:solidFill>
+                  <a:schemeClr val="bg1"/>
+                </a:solidFill>
+              </a:rPr>
+              <a:t>6</a:t>
+            </a:r>
+            <a:r>
+              <a:rPr lang="ru-RU" sz="5400" dirty="0">
+                <a:solidFill>
+                  <a:schemeClr val="bg1"/>
+                </a:solidFill>
+              </a:rPr>
+              <a:t>. </a:t>
+            </a:r>
+          </a:p>
+          <a:p>
+            <a:r>
+              <a:rPr lang="ru-RU" sz="5400" dirty="0">
+                <a:solidFill>
+                  <a:schemeClr val="bg1"/>
+                </a:solidFill>
+              </a:rPr>
+              <a:t>Кошки-мышки.</a:t>
+            </a:r>
+          </a:p>
+        </p:txBody>
+      </p:sp>
+      <p:sp>
+        <p:nvSpPr>
+          <p:cNvPr id="8" name="TextBox 7">
+            <a:extLst>
+              <a:ext uri="{FF2B5EF4-FFF2-40B4-BE49-F238E27FC236}">
+                <a16:creationId xmlns:a16="http://schemas.microsoft.com/office/drawing/2014/main" id="{E8BDC9D8-1362-6B41-8814-7064C5D41563}"/>
+              </a:ext>
+            </a:extLst>
+          </p:cNvPr>
+          <p:cNvSpPr txBox="1"/>
+          <p:nvPr/>
+        </p:nvSpPr>
+        <p:spPr>
+          <a:xfrm>
+            <a:off x="342339" y="1904931"/>
+            <a:ext cx="4364864" cy="1569660"/>
+          </a:xfrm>
+          <a:prstGeom prst="rect">
+            <a:avLst/>
+          </a:prstGeom>
+          <a:noFill/>
+        </p:spPr>
+        <p:txBody>
+          <a:bodyPr wrap="square" rtlCol="0">
+            <a:spAutoFit/>
+          </a:bodyPr>
+          <a:lstStyle/>
+          <a:p>
+            <a:r>
+              <a:rPr lang="ru-RU" sz="2400" dirty="0">
+                <a:solidFill>
+                  <a:schemeClr val="bg1"/>
+                </a:solidFill>
+              </a:rPr>
+              <a:t>Крошка сын к отцу пришел и сказала кроха: </a:t>
+            </a:r>
+            <a:endParaRPr lang="en-US" sz="2400" dirty="0">
+              <a:solidFill>
+                <a:schemeClr val="bg1"/>
+              </a:solidFill>
+            </a:endParaRPr>
+          </a:p>
+          <a:p>
+            <a:r>
+              <a:rPr lang="ru-RU" sz="2400" dirty="0">
+                <a:solidFill>
+                  <a:schemeClr val="bg1"/>
+                </a:solidFill>
+              </a:rPr>
+              <a:t>«Папа, а научи программировать»</a:t>
+            </a:r>
+          </a:p>
+        </p:txBody>
+      </p:sp>
+      <p:sp>
+        <p:nvSpPr>
+          <p:cNvPr id="9" name="TextBox 8">
+            <a:extLst>
+              <a:ext uri="{FF2B5EF4-FFF2-40B4-BE49-F238E27FC236}">
+                <a16:creationId xmlns:a16="http://schemas.microsoft.com/office/drawing/2014/main" id="{EB220979-0D95-0D42-B870-2ED64C59840D}"/>
+              </a:ext>
+            </a:extLst>
+          </p:cNvPr>
+          <p:cNvSpPr txBox="1"/>
+          <p:nvPr/>
+        </p:nvSpPr>
+        <p:spPr>
+          <a:xfrm>
+            <a:off x="540327" y="565087"/>
+            <a:ext cx="3348841" cy="830997"/>
+          </a:xfrm>
+          <a:prstGeom prst="rect">
+            <a:avLst/>
+          </a:prstGeom>
+          <a:noFill/>
+        </p:spPr>
+        <p:txBody>
+          <a:bodyPr wrap="square" rtlCol="0">
+            <a:spAutoFit/>
+          </a:bodyPr>
+          <a:lstStyle/>
+          <a:p>
+            <a:r>
+              <a:rPr lang="en-US" sz="4800" b="1" dirty="0">
+                <a:solidFill>
+                  <a:schemeClr val="bg1">
+                    <a:lumMod val="95000"/>
+                  </a:schemeClr>
+                </a:solidFill>
+              </a:rPr>
+              <a:t>Papa Coder</a:t>
+            </a:r>
+            <a:endParaRPr lang="ru-RU" sz="4800" b="1" dirty="0">
+              <a:solidFill>
+                <a:schemeClr val="bg1">
+                  <a:lumMod val="95000"/>
+                </a:schemeClr>
+              </a:solidFill>
+            </a:endParaRPr>
+          </a:p>
+        </p:txBody>
+      </p:sp>
+      <p:pic>
+        <p:nvPicPr>
+          <p:cNvPr id="3" name="Рисунок 2">
+            <a:extLst>
+              <a:ext uri="{FF2B5EF4-FFF2-40B4-BE49-F238E27FC236}">
+                <a16:creationId xmlns:a16="http://schemas.microsoft.com/office/drawing/2014/main" id="{947E57CC-55A3-DA45-8B3C-87422B8120C9}"/>
+              </a:ext>
+            </a:extLst>
+          </p:cNvPr>
+          <p:cNvPicPr>
+            <a:picLocks noChangeAspect="1"/>
+          </p:cNvPicPr>
+          <p:nvPr/>
+        </p:nvPicPr>
+        <p:blipFill>
+          <a:blip r:embed="rId2"/>
+          <a:stretch>
+            <a:fillRect/>
+          </a:stretch>
+        </p:blipFill>
+        <p:spPr>
+          <a:xfrm>
+            <a:off x="4527395" y="0"/>
+            <a:ext cx="7664605" cy="4568105"/>
+          </a:xfrm>
+          <a:prstGeom prst="rect">
+            <a:avLst/>
+          </a:prstGeom>
+        </p:spPr>
+      </p:pic>
+    </p:spTree>
+    <p:extLst>
+      <p:ext uri="{BB962C8B-B14F-4D97-AF65-F5344CB8AC3E}">
+        <p14:creationId xmlns:p14="http://schemas.microsoft.com/office/powerpoint/2010/main" val="2289689609"/>
+      </p:ext>
+    </p:extLst>
+  </p:cSld>
+  <p:clrMapOvr>
+    <a:masterClrMapping/>
+  </p:clrMapOvr>
+</p:sld>
+</file>
+
 <file path=ppt/slides/slide3.xml><?xml version="1.0" encoding="utf-8"?>
 <p:sld xmlns:a="http://schemas.openxmlformats.org/drawingml/2006/main" xmlns:r="http://schemas.openxmlformats.org/officeDocument/2006/relationships" xmlns:p="http://schemas.openxmlformats.org/presentationml/2006/main">
   <p:cSld>
@@ -11663,7 +12875,7 @@
           <p:cNvPr id="2" name="Скругленный прямоугольник 1">
             <a:extLst>
               <a:ext uri="{FF2B5EF4-FFF2-40B4-BE49-F238E27FC236}">
-                <a16:creationId xmlns:a16="http://schemas.microsoft.com/office/drawing/2014/main" id="{F712F35C-86C3-FA45-A451-2E5B32619487}"/>
+                <a16:creationId xmlns:a16="http://schemas.microsoft.com/office/drawing/2014/main" id="{8F3D8D0F-2137-8E4F-A5AE-057E803C644A}"/>
               </a:ext>
             </a:extLst>
           </p:cNvPr>
@@ -11672,7 +12884,7 @@
         </p:nvSpPr>
         <p:spPr>
           <a:xfrm>
-            <a:off x="2185059" y="1149930"/>
+            <a:off x="4593722" y="1729793"/>
             <a:ext cx="1947553" cy="486887"/>
           </a:xfrm>
           <a:prstGeom prst="roundRect">
@@ -11702,7 +12914,7 @@
             <a:pPr algn="ctr"/>
             <a:r>
               <a:rPr lang="ru-RU" sz="1400" dirty="0"/>
-              <a:t>Повернуться к мышке</a:t>
+              <a:t>Ждем касания кота</a:t>
             </a:r>
           </a:p>
         </p:txBody>
@@ -11712,7 +12924,7 @@
           <p:cNvPr id="3" name="Скругленный прямоугольник 2">
             <a:extLst>
               <a:ext uri="{FF2B5EF4-FFF2-40B4-BE49-F238E27FC236}">
-                <a16:creationId xmlns:a16="http://schemas.microsoft.com/office/drawing/2014/main" id="{30959FBE-C2EF-9249-B270-3E5D57219DFE}"/>
+                <a16:creationId xmlns:a16="http://schemas.microsoft.com/office/drawing/2014/main" id="{7A917CE1-6ABF-5448-8D65-24ACC416CFAD}"/>
               </a:ext>
             </a:extLst>
           </p:cNvPr>
@@ -11721,7 +12933,7 @@
         </p:nvSpPr>
         <p:spPr>
           <a:xfrm>
-            <a:off x="2185058" y="1961412"/>
+            <a:off x="4593721" y="2541275"/>
             <a:ext cx="1947553" cy="486887"/>
           </a:xfrm>
           <a:prstGeom prst="roundRect">
@@ -11751,17 +12963,17 @@
             <a:pPr algn="ctr"/>
             <a:r>
               <a:rPr lang="ru-RU" sz="1400" dirty="0"/>
-              <a:t>Сделать шаг</a:t>
-            </a:r>
-          </a:p>
-        </p:txBody>
-      </p:sp>
-      <p:sp>
-        <p:nvSpPr>
-          <p:cNvPr id="4" name="Ромб 3">
-            <a:extLst>
-              <a:ext uri="{FF2B5EF4-FFF2-40B4-BE49-F238E27FC236}">
-                <a16:creationId xmlns:a16="http://schemas.microsoft.com/office/drawing/2014/main" id="{BA5848DB-05E9-A94A-B20E-4F4FA6B33D34}"/>
+              <a:t>Повернуться в направлении Кота</a:t>
+            </a:r>
+          </a:p>
+        </p:txBody>
+      </p:sp>
+      <p:sp>
+        <p:nvSpPr>
+          <p:cNvPr id="6" name="Скругленный прямоугольник 5">
+            <a:extLst>
+              <a:ext uri="{FF2B5EF4-FFF2-40B4-BE49-F238E27FC236}">
+                <a16:creationId xmlns:a16="http://schemas.microsoft.com/office/drawing/2014/main" id="{50129312-686E-C841-8E94-611B99F6B629}"/>
               </a:ext>
             </a:extLst>
           </p:cNvPr>
@@ -11770,10 +12982,10 @@
         </p:nvSpPr>
         <p:spPr>
           <a:xfrm>
-            <a:off x="2256308" y="2788732"/>
-            <a:ext cx="1805049" cy="914400"/>
-          </a:xfrm>
-          <a:prstGeom prst="diamond">
+            <a:off x="4593722" y="918311"/>
+            <a:ext cx="1947553" cy="486887"/>
+          </a:xfrm>
+          <a:prstGeom prst="roundRect">
             <a:avLst/>
           </a:prstGeom>
         </p:spPr>
@@ -11800,17 +13012,17 @@
             <a:pPr algn="ctr"/>
             <a:r>
               <a:rPr lang="ru-RU" sz="1400" dirty="0"/>
-              <a:t>Поймал?</a:t>
-            </a:r>
-          </a:p>
-        </p:txBody>
-      </p:sp>
-      <p:sp>
-        <p:nvSpPr>
-          <p:cNvPr id="5" name="Скругленный прямоугольник 4">
-            <a:extLst>
-              <a:ext uri="{FF2B5EF4-FFF2-40B4-BE49-F238E27FC236}">
-                <a16:creationId xmlns:a16="http://schemas.microsoft.com/office/drawing/2014/main" id="{3156333C-5494-F64E-9D46-454D74BAB52C}"/>
+              <a:t>Клон</a:t>
+            </a:r>
+          </a:p>
+        </p:txBody>
+      </p:sp>
+      <p:sp>
+        <p:nvSpPr>
+          <p:cNvPr id="7" name="Скругленный прямоугольник 6">
+            <a:extLst>
+              <a:ext uri="{FF2B5EF4-FFF2-40B4-BE49-F238E27FC236}">
+                <a16:creationId xmlns:a16="http://schemas.microsoft.com/office/drawing/2014/main" id="{6B30D865-FEDF-1148-8014-E2DB109408F0}"/>
               </a:ext>
             </a:extLst>
           </p:cNvPr>
@@ -11819,7 +13031,7 @@
         </p:nvSpPr>
         <p:spPr>
           <a:xfrm>
-            <a:off x="4676899" y="3002488"/>
+            <a:off x="4593723" y="4429482"/>
             <a:ext cx="1947553" cy="486887"/>
           </a:xfrm>
           <a:prstGeom prst="roundRect">
@@ -11849,131 +13061,67 @@
             <a:pPr algn="ctr"/>
             <a:r>
               <a:rPr lang="ru-RU" sz="1400" dirty="0"/>
-              <a:t>Стоп=1</a:t>
-            </a:r>
-          </a:p>
-        </p:txBody>
-      </p:sp>
-      <p:sp>
-        <p:nvSpPr>
-          <p:cNvPr id="6" name="Скругленный прямоугольник 5">
-            <a:extLst>
-              <a:ext uri="{FF2B5EF4-FFF2-40B4-BE49-F238E27FC236}">
-                <a16:creationId xmlns:a16="http://schemas.microsoft.com/office/drawing/2014/main" id="{12F0B2BE-87AF-4049-A7B9-A43730567F5D}"/>
-              </a:ext>
-            </a:extLst>
-          </p:cNvPr>
-          <p:cNvSpPr/>
-          <p:nvPr/>
-        </p:nvSpPr>
-        <p:spPr>
-          <a:xfrm>
-            <a:off x="2185059" y="338448"/>
-            <a:ext cx="1947553" cy="486887"/>
-          </a:xfrm>
-          <a:prstGeom prst="roundRect">
-            <a:avLst/>
-          </a:prstGeom>
+              <a:t>Повторять всегда</a:t>
+            </a:r>
+          </a:p>
+        </p:txBody>
+      </p:sp>
+      <p:cxnSp>
+        <p:nvCxnSpPr>
+          <p:cNvPr id="8" name="Прямая со стрелкой 7">
+            <a:extLst>
+              <a:ext uri="{FF2B5EF4-FFF2-40B4-BE49-F238E27FC236}">
+                <a16:creationId xmlns:a16="http://schemas.microsoft.com/office/drawing/2014/main" id="{B8FE9A0F-C332-484A-BCF9-820FD41BB34A}"/>
+              </a:ext>
+            </a:extLst>
+          </p:cNvPr>
+          <p:cNvCxnSpPr>
+            <a:endCxn id="2" idx="0"/>
+          </p:cNvCxnSpPr>
+          <p:nvPr/>
+        </p:nvCxnSpPr>
+        <p:spPr>
+          <a:xfrm>
+            <a:off x="5567497" y="1405198"/>
+            <a:ext cx="2" cy="324595"/>
+          </a:xfrm>
+          <a:prstGeom prst="straightConnector1">
+            <a:avLst/>
+          </a:prstGeom>
+          <a:ln w="38100">
+            <a:tailEnd type="triangle"/>
+          </a:ln>
         </p:spPr>
         <p:style>
-          <a:lnRef idx="2">
-            <a:schemeClr val="accent1">
-              <a:shade val="50000"/>
-            </a:schemeClr>
+          <a:lnRef idx="1">
+            <a:schemeClr val="accent1"/>
           </a:lnRef>
-          <a:fillRef idx="1">
+          <a:fillRef idx="0">
             <a:schemeClr val="accent1"/>
           </a:fillRef>
           <a:effectRef idx="0">
             <a:schemeClr val="accent1"/>
           </a:effectRef>
           <a:fontRef idx="minor">
-            <a:schemeClr val="lt1"/>
+            <a:schemeClr val="tx1"/>
           </a:fontRef>
         </p:style>
-        <p:txBody>
-          <a:bodyPr rtlCol="0" anchor="ctr"/>
-          <a:lstStyle/>
-          <a:p>
-            <a:pPr algn="ctr"/>
-            <a:r>
-              <a:rPr lang="ru-RU" sz="1400" dirty="0"/>
-              <a:t>Стоп=0</a:t>
-            </a:r>
-          </a:p>
-        </p:txBody>
-      </p:sp>
-      <p:sp>
-        <p:nvSpPr>
-          <p:cNvPr id="7" name="Скругленный прямоугольник 6">
-            <a:extLst>
-              <a:ext uri="{FF2B5EF4-FFF2-40B4-BE49-F238E27FC236}">
-                <a16:creationId xmlns:a16="http://schemas.microsoft.com/office/drawing/2014/main" id="{D0CB5ADA-85B5-D04D-B1A8-F82C8B44420D}"/>
-              </a:ext>
-            </a:extLst>
-          </p:cNvPr>
-          <p:cNvSpPr/>
-          <p:nvPr/>
-        </p:nvSpPr>
-        <p:spPr>
-          <a:xfrm>
-            <a:off x="2185058" y="4093063"/>
-            <a:ext cx="1947553" cy="486887"/>
-          </a:xfrm>
-          <a:prstGeom prst="roundRect">
-            <a:avLst/>
-          </a:prstGeom>
-        </p:spPr>
-        <p:style>
-          <a:lnRef idx="2">
-            <a:schemeClr val="accent1">
-              <a:shade val="50000"/>
-            </a:schemeClr>
-          </a:lnRef>
-          <a:fillRef idx="1">
-            <a:schemeClr val="accent1"/>
-          </a:fillRef>
-          <a:effectRef idx="0">
-            <a:schemeClr val="accent1"/>
-          </a:effectRef>
-          <a:fontRef idx="minor">
-            <a:schemeClr val="lt1"/>
-          </a:fontRef>
-        </p:style>
-        <p:txBody>
-          <a:bodyPr rtlCol="0" anchor="ctr"/>
-          <a:lstStyle/>
-          <a:p>
-            <a:pPr algn="ctr"/>
-            <a:r>
-              <a:rPr lang="ru-RU" sz="1400" dirty="0"/>
-              <a:t>Повторять пока стоп</a:t>
-            </a:r>
-            <a:r>
-              <a:rPr lang="en-US" sz="1400" dirty="0"/>
-              <a:t>&lt;&gt;1</a:t>
-            </a:r>
-            <a:endParaRPr lang="ru-RU" sz="1400" dirty="0"/>
-          </a:p>
-        </p:txBody>
-      </p:sp>
+      </p:cxnSp>
       <p:cxnSp>
         <p:nvCxnSpPr>
           <p:cNvPr id="9" name="Прямая со стрелкой 8">
             <a:extLst>
               <a:ext uri="{FF2B5EF4-FFF2-40B4-BE49-F238E27FC236}">
-                <a16:creationId xmlns:a16="http://schemas.microsoft.com/office/drawing/2014/main" id="{A7E9290A-15DA-6245-982A-ACA79BCA8208}"/>
-              </a:ext>
-            </a:extLst>
-          </p:cNvPr>
-          <p:cNvCxnSpPr>
-            <a:endCxn id="2" idx="0"/>
-          </p:cNvCxnSpPr>
+                <a16:creationId xmlns:a16="http://schemas.microsoft.com/office/drawing/2014/main" id="{45F09B40-B235-404C-AA7F-B1AEF3522108}"/>
+              </a:ext>
+            </a:extLst>
+          </p:cNvPr>
+          <p:cNvCxnSpPr/>
           <p:nvPr/>
         </p:nvCxnSpPr>
         <p:spPr>
           <a:xfrm>
-            <a:off x="3158834" y="825335"/>
+            <a:off x="5567493" y="2216680"/>
             <a:ext cx="2" cy="324595"/>
           </a:xfrm>
           <a:prstGeom prst="straightConnector1">
@@ -12003,17 +13151,21 @@
           <p:cNvPr id="10" name="Прямая со стрелкой 9">
             <a:extLst>
               <a:ext uri="{FF2B5EF4-FFF2-40B4-BE49-F238E27FC236}">
-                <a16:creationId xmlns:a16="http://schemas.microsoft.com/office/drawing/2014/main" id="{A9C24DF1-9129-F34C-8BC0-6EC7716D6932}"/>
-              </a:ext>
-            </a:extLst>
-          </p:cNvPr>
-          <p:cNvCxnSpPr/>
+                <a16:creationId xmlns:a16="http://schemas.microsoft.com/office/drawing/2014/main" id="{39EA0BBB-662D-B34D-8EA6-BEC332748AAB}"/>
+              </a:ext>
+            </a:extLst>
+          </p:cNvPr>
+          <p:cNvCxnSpPr>
+            <a:cxnSpLocks/>
+            <a:stCxn id="3" idx="2"/>
+            <a:endCxn id="15" idx="0"/>
+          </p:cNvCxnSpPr>
           <p:nvPr/>
         </p:nvCxnSpPr>
         <p:spPr>
           <a:xfrm>
-            <a:off x="3158830" y="1636817"/>
-            <a:ext cx="2" cy="324595"/>
+            <a:off x="5567498" y="3028162"/>
+            <a:ext cx="0" cy="483927"/>
           </a:xfrm>
           <a:prstGeom prst="straightConnector1">
             <a:avLst/>
@@ -12042,20 +13194,21 @@
           <p:cNvPr id="11" name="Прямая со стрелкой 10">
             <a:extLst>
               <a:ext uri="{FF2B5EF4-FFF2-40B4-BE49-F238E27FC236}">
-                <a16:creationId xmlns:a16="http://schemas.microsoft.com/office/drawing/2014/main" id="{5C7C337E-38CE-EC40-89B0-13A92F9EB44E}"/>
+                <a16:creationId xmlns:a16="http://schemas.microsoft.com/office/drawing/2014/main" id="{507F64B8-26DF-9345-940E-A4082229AEF8}"/>
               </a:ext>
             </a:extLst>
           </p:cNvPr>
           <p:cNvCxnSpPr>
             <a:cxnSpLocks/>
-            <a:stCxn id="3" idx="2"/>
+            <a:stCxn id="15" idx="2"/>
+            <a:endCxn id="7" idx="0"/>
           </p:cNvCxnSpPr>
           <p:nvPr/>
         </p:nvCxnSpPr>
         <p:spPr>
-          <a:xfrm flipH="1">
-            <a:off x="3158833" y="2448299"/>
-            <a:ext cx="2" cy="356271"/>
+          <a:xfrm>
+            <a:off x="5567498" y="3998976"/>
+            <a:ext cx="2" cy="430506"/>
           </a:xfrm>
           <a:prstGeom prst="straightConnector1">
             <a:avLst/>
@@ -12081,27 +13234,30 @@
       </p:cxnSp>
       <p:cxnSp>
         <p:nvCxnSpPr>
-          <p:cNvPr id="13" name="Прямая со стрелкой 12">
-            <a:extLst>
-              <a:ext uri="{FF2B5EF4-FFF2-40B4-BE49-F238E27FC236}">
-                <a16:creationId xmlns:a16="http://schemas.microsoft.com/office/drawing/2014/main" id="{8B2E38AE-D6C3-234C-8C3D-FA16A5DC5D79}"/>
+          <p:cNvPr id="14" name="Соединительная линия уступом 13">
+            <a:extLst>
+              <a:ext uri="{FF2B5EF4-FFF2-40B4-BE49-F238E27FC236}">
+                <a16:creationId xmlns:a16="http://schemas.microsoft.com/office/drawing/2014/main" id="{5EE7AA05-AFDF-F743-B348-0E0CDE0AC873}"/>
               </a:ext>
             </a:extLst>
           </p:cNvPr>
           <p:cNvCxnSpPr>
             <a:cxnSpLocks/>
-            <a:stCxn id="4" idx="2"/>
-            <a:endCxn id="7" idx="0"/>
+            <a:stCxn id="7" idx="2"/>
+            <a:endCxn id="2" idx="1"/>
           </p:cNvCxnSpPr>
           <p:nvPr/>
         </p:nvCxnSpPr>
         <p:spPr>
-          <a:xfrm>
-            <a:off x="3158833" y="3703132"/>
-            <a:ext cx="2" cy="389931"/>
-          </a:xfrm>
-          <a:prstGeom prst="straightConnector1">
-            <a:avLst/>
+          <a:xfrm rot="5400000" flipH="1">
+            <a:off x="3609045" y="2957914"/>
+            <a:ext cx="2943132" cy="973778"/>
+          </a:xfrm>
+          <a:prstGeom prst="bentConnector4">
+            <a:avLst>
+              <a:gd name="adj1" fmla="val -7767"/>
+              <a:gd name="adj2" fmla="val 123476"/>
+            </a:avLst>
           </a:prstGeom>
           <a:ln w="38100">
             <a:tailEnd type="triangle"/>
@@ -12122,138 +13278,59 @@
           </a:fontRef>
         </p:style>
       </p:cxnSp>
-      <p:cxnSp>
-        <p:nvCxnSpPr>
-          <p:cNvPr id="16" name="Прямая со стрелкой 15">
-            <a:extLst>
-              <a:ext uri="{FF2B5EF4-FFF2-40B4-BE49-F238E27FC236}">
-                <a16:creationId xmlns:a16="http://schemas.microsoft.com/office/drawing/2014/main" id="{60DE228F-6D28-9F45-B00B-3F68F9EC3DF1}"/>
-              </a:ext>
-            </a:extLst>
-          </p:cNvPr>
-          <p:cNvCxnSpPr>
-            <a:endCxn id="5" idx="1"/>
-          </p:cNvCxnSpPr>
-          <p:nvPr/>
-        </p:nvCxnSpPr>
-        <p:spPr>
-          <a:xfrm>
-            <a:off x="4061357" y="3245931"/>
-            <a:ext cx="615542" cy="1"/>
-          </a:xfrm>
-          <a:prstGeom prst="straightConnector1">
-            <a:avLst/>
-          </a:prstGeom>
-          <a:ln w="38100">
-            <a:tailEnd type="triangle"/>
-          </a:ln>
+      <p:sp>
+        <p:nvSpPr>
+          <p:cNvPr id="15" name="Скругленный прямоугольник 14">
+            <a:extLst>
+              <a:ext uri="{FF2B5EF4-FFF2-40B4-BE49-F238E27FC236}">
+                <a16:creationId xmlns:a16="http://schemas.microsoft.com/office/drawing/2014/main" id="{51F10CE0-6DFE-814C-92DC-125B45D2D0AF}"/>
+              </a:ext>
+            </a:extLst>
+          </p:cNvPr>
+          <p:cNvSpPr/>
+          <p:nvPr/>
+        </p:nvSpPr>
+        <p:spPr>
+          <a:xfrm>
+            <a:off x="4593721" y="3512089"/>
+            <a:ext cx="1947553" cy="486887"/>
+          </a:xfrm>
+          <a:prstGeom prst="roundRect">
+            <a:avLst/>
+          </a:prstGeom>
         </p:spPr>
         <p:style>
-          <a:lnRef idx="1">
-            <a:schemeClr val="accent1"/>
+          <a:lnRef idx="2">
+            <a:schemeClr val="accent1">
+              <a:shade val="50000"/>
+            </a:schemeClr>
           </a:lnRef>
-          <a:fillRef idx="0">
+          <a:fillRef idx="1">
             <a:schemeClr val="accent1"/>
           </a:fillRef>
           <a:effectRef idx="0">
             <a:schemeClr val="accent1"/>
           </a:effectRef>
           <a:fontRef idx="minor">
-            <a:schemeClr val="tx1"/>
+            <a:schemeClr val="lt1"/>
           </a:fontRef>
         </p:style>
-      </p:cxnSp>
-      <p:cxnSp>
-        <p:nvCxnSpPr>
-          <p:cNvPr id="27" name="Соединительная линия уступом 26">
-            <a:extLst>
-              <a:ext uri="{FF2B5EF4-FFF2-40B4-BE49-F238E27FC236}">
-                <a16:creationId xmlns:a16="http://schemas.microsoft.com/office/drawing/2014/main" id="{3FBFDE13-35D5-D349-930D-74E88186B062}"/>
-              </a:ext>
-            </a:extLst>
-          </p:cNvPr>
-          <p:cNvCxnSpPr>
-            <a:stCxn id="5" idx="2"/>
-            <a:endCxn id="7" idx="3"/>
-          </p:cNvCxnSpPr>
-          <p:nvPr/>
-        </p:nvCxnSpPr>
-        <p:spPr>
-          <a:xfrm rot="5400000">
-            <a:off x="4468078" y="3153909"/>
-            <a:ext cx="847132" cy="1518065"/>
-          </a:xfrm>
-          <a:prstGeom prst="bentConnector2">
-            <a:avLst/>
-          </a:prstGeom>
-          <a:ln w="38100">
-            <a:tailEnd type="triangle"/>
-          </a:ln>
-        </p:spPr>
-        <p:style>
-          <a:lnRef idx="1">
-            <a:schemeClr val="accent1"/>
-          </a:lnRef>
-          <a:fillRef idx="0">
-            <a:schemeClr val="accent1"/>
-          </a:fillRef>
-          <a:effectRef idx="0">
-            <a:schemeClr val="accent1"/>
-          </a:effectRef>
-          <a:fontRef idx="minor">
-            <a:schemeClr val="tx1"/>
-          </a:fontRef>
-        </p:style>
-      </p:cxnSp>
-      <p:cxnSp>
-        <p:nvCxnSpPr>
-          <p:cNvPr id="32" name="Соединительная линия уступом 31">
-            <a:extLst>
-              <a:ext uri="{FF2B5EF4-FFF2-40B4-BE49-F238E27FC236}">
-                <a16:creationId xmlns:a16="http://schemas.microsoft.com/office/drawing/2014/main" id="{E8664D3C-6411-6F45-833B-A05BECBD2762}"/>
-              </a:ext>
-            </a:extLst>
-          </p:cNvPr>
-          <p:cNvCxnSpPr>
-            <a:cxnSpLocks/>
-            <a:endCxn id="2" idx="1"/>
-          </p:cNvCxnSpPr>
-          <p:nvPr/>
-        </p:nvCxnSpPr>
-        <p:spPr>
-          <a:xfrm rot="16200000" flipV="1">
-            <a:off x="1070839" y="2507594"/>
-            <a:ext cx="3186578" cy="958138"/>
-          </a:xfrm>
-          <a:prstGeom prst="bentConnector4">
-            <a:avLst>
-              <a:gd name="adj1" fmla="val -11211"/>
-              <a:gd name="adj2" fmla="val 139971"/>
-            </a:avLst>
-          </a:prstGeom>
-          <a:ln w="38100">
-            <a:tailEnd type="triangle"/>
-          </a:ln>
-        </p:spPr>
-        <p:style>
-          <a:lnRef idx="1">
-            <a:schemeClr val="accent1"/>
-          </a:lnRef>
-          <a:fillRef idx="0">
-            <a:schemeClr val="accent1"/>
-          </a:fillRef>
-          <a:effectRef idx="0">
-            <a:schemeClr val="accent1"/>
-          </a:effectRef>
-          <a:fontRef idx="minor">
-            <a:schemeClr val="tx1"/>
-          </a:fontRef>
-        </p:style>
-      </p:cxnSp>
+        <p:txBody>
+          <a:bodyPr rtlCol="0" anchor="ctr"/>
+          <a:lstStyle/>
+          <a:p>
+            <a:pPr algn="ctr"/>
+            <a:r>
+              <a:rPr lang="ru-RU" sz="1400" dirty="0"/>
+              <a:t>Сделать шаг</a:t>
+            </a:r>
+          </a:p>
+        </p:txBody>
+      </p:sp>
     </p:spTree>
     <p:extLst>
       <p:ext uri="{BB962C8B-B14F-4D97-AF65-F5344CB8AC3E}">
-        <p14:creationId xmlns:p14="http://schemas.microsoft.com/office/powerpoint/2010/main" val="910671358"/>
+        <p14:creationId xmlns:p14="http://schemas.microsoft.com/office/powerpoint/2010/main" val="2667920667"/>
       </p:ext>
     </p:extLst>
   </p:cSld>
@@ -12285,7 +13362,7 @@
           <p:cNvPr id="2" name="Скругленный прямоугольник 1">
             <a:extLst>
               <a:ext uri="{FF2B5EF4-FFF2-40B4-BE49-F238E27FC236}">
-                <a16:creationId xmlns:a16="http://schemas.microsoft.com/office/drawing/2014/main" id="{54F3683C-C7B7-A242-8F0C-8E6FFE83CB52}"/>
+                <a16:creationId xmlns:a16="http://schemas.microsoft.com/office/drawing/2014/main" id="{F712F35C-86C3-FA45-A451-2E5B32619487}"/>
               </a:ext>
             </a:extLst>
           </p:cNvPr>
@@ -12324,7 +13401,7 @@
             <a:pPr algn="ctr"/>
             <a:r>
               <a:rPr lang="ru-RU" sz="1400" dirty="0"/>
-              <a:t>Отвернуть от кота</a:t>
+              <a:t>Повернуться к мышке</a:t>
             </a:r>
           </a:p>
         </p:txBody>
@@ -12334,7 +13411,7 @@
           <p:cNvPr id="3" name="Скругленный прямоугольник 2">
             <a:extLst>
               <a:ext uri="{FF2B5EF4-FFF2-40B4-BE49-F238E27FC236}">
-                <a16:creationId xmlns:a16="http://schemas.microsoft.com/office/drawing/2014/main" id="{56D25509-F34D-A34E-8D44-C471FB7656E4}"/>
+                <a16:creationId xmlns:a16="http://schemas.microsoft.com/office/drawing/2014/main" id="{30959FBE-C2EF-9249-B270-3E5D57219DFE}"/>
               </a:ext>
             </a:extLst>
           </p:cNvPr>
@@ -12383,7 +13460,7 @@
           <p:cNvPr id="4" name="Ромб 3">
             <a:extLst>
               <a:ext uri="{FF2B5EF4-FFF2-40B4-BE49-F238E27FC236}">
-                <a16:creationId xmlns:a16="http://schemas.microsoft.com/office/drawing/2014/main" id="{19144544-04FD-6F4C-A62C-532C2C94CD60}"/>
+                <a16:creationId xmlns:a16="http://schemas.microsoft.com/office/drawing/2014/main" id="{BA5848DB-05E9-A94A-B20E-4F4FA6B33D34}"/>
               </a:ext>
             </a:extLst>
           </p:cNvPr>
@@ -12422,7 +13499,7 @@
             <a:pPr algn="ctr"/>
             <a:r>
               <a:rPr lang="ru-RU" sz="1400" dirty="0"/>
-              <a:t>Граница?</a:t>
+              <a:t>Поймал?</a:t>
             </a:r>
           </a:p>
         </p:txBody>
@@ -12432,7 +13509,7 @@
           <p:cNvPr id="5" name="Скругленный прямоугольник 4">
             <a:extLst>
               <a:ext uri="{FF2B5EF4-FFF2-40B4-BE49-F238E27FC236}">
-                <a16:creationId xmlns:a16="http://schemas.microsoft.com/office/drawing/2014/main" id="{A3D6A8C5-4CF3-5E4A-8468-952D62CB1EEF}"/>
+                <a16:creationId xmlns:a16="http://schemas.microsoft.com/office/drawing/2014/main" id="{3156333C-5494-F64E-9D46-454D74BAB52C}"/>
               </a:ext>
             </a:extLst>
           </p:cNvPr>
@@ -12471,7 +13548,7 @@
             <a:pPr algn="ctr"/>
             <a:r>
               <a:rPr lang="ru-RU" sz="1400" dirty="0"/>
-              <a:t>Отвернуть от границы </a:t>
+              <a:t>Стоп=1</a:t>
             </a:r>
           </a:p>
         </p:txBody>
@@ -12481,7 +13558,7 @@
           <p:cNvPr id="6" name="Скругленный прямоугольник 5">
             <a:extLst>
               <a:ext uri="{FF2B5EF4-FFF2-40B4-BE49-F238E27FC236}">
-                <a16:creationId xmlns:a16="http://schemas.microsoft.com/office/drawing/2014/main" id="{F4E6A621-35EA-494D-B77F-CE4F4321E907}"/>
+                <a16:creationId xmlns:a16="http://schemas.microsoft.com/office/drawing/2014/main" id="{12F0B2BE-87AF-4049-A7B9-A43730567F5D}"/>
               </a:ext>
             </a:extLst>
           </p:cNvPr>
@@ -12530,7 +13607,7 @@
           <p:cNvPr id="7" name="Скругленный прямоугольник 6">
             <a:extLst>
               <a:ext uri="{FF2B5EF4-FFF2-40B4-BE49-F238E27FC236}">
-                <a16:creationId xmlns:a16="http://schemas.microsoft.com/office/drawing/2014/main" id="{B1C1F175-76B5-084A-8AEF-B222E43BCFFB}"/>
+                <a16:creationId xmlns:a16="http://schemas.microsoft.com/office/drawing/2014/main" id="{D0CB5ADA-85B5-D04D-B1A8-F82C8B44420D}"/>
               </a:ext>
             </a:extLst>
           </p:cNvPr>
@@ -12581,10 +13658,10 @@
       </p:sp>
       <p:cxnSp>
         <p:nvCxnSpPr>
-          <p:cNvPr id="8" name="Прямая со стрелкой 7">
-            <a:extLst>
-              <a:ext uri="{FF2B5EF4-FFF2-40B4-BE49-F238E27FC236}">
-                <a16:creationId xmlns:a16="http://schemas.microsoft.com/office/drawing/2014/main" id="{F5B1876E-3BA6-734B-A1D4-24E2A9AA40B6}"/>
+          <p:cNvPr id="9" name="Прямая со стрелкой 8">
+            <a:extLst>
+              <a:ext uri="{FF2B5EF4-FFF2-40B4-BE49-F238E27FC236}">
+                <a16:creationId xmlns:a16="http://schemas.microsoft.com/office/drawing/2014/main" id="{A7E9290A-15DA-6245-982A-ACA79BCA8208}"/>
               </a:ext>
             </a:extLst>
           </p:cNvPr>
@@ -12596,45 +13673,6 @@
         <p:spPr>
           <a:xfrm>
             <a:off x="3158834" y="825335"/>
-            <a:ext cx="2" cy="324595"/>
-          </a:xfrm>
-          <a:prstGeom prst="straightConnector1">
-            <a:avLst/>
-          </a:prstGeom>
-          <a:ln w="38100">
-            <a:tailEnd type="triangle"/>
-          </a:ln>
-        </p:spPr>
-        <p:style>
-          <a:lnRef idx="1">
-            <a:schemeClr val="accent1"/>
-          </a:lnRef>
-          <a:fillRef idx="0">
-            <a:schemeClr val="accent1"/>
-          </a:fillRef>
-          <a:effectRef idx="0">
-            <a:schemeClr val="accent1"/>
-          </a:effectRef>
-          <a:fontRef idx="minor">
-            <a:schemeClr val="tx1"/>
-          </a:fontRef>
-        </p:style>
-      </p:cxnSp>
-      <p:cxnSp>
-        <p:nvCxnSpPr>
-          <p:cNvPr id="9" name="Прямая со стрелкой 8">
-            <a:extLst>
-              <a:ext uri="{FF2B5EF4-FFF2-40B4-BE49-F238E27FC236}">
-                <a16:creationId xmlns:a16="http://schemas.microsoft.com/office/drawing/2014/main" id="{A1356200-0096-0D4F-8A8C-99C857A508A2}"/>
-              </a:ext>
-            </a:extLst>
-          </p:cNvPr>
-          <p:cNvCxnSpPr/>
-          <p:nvPr/>
-        </p:nvCxnSpPr>
-        <p:spPr>
-          <a:xfrm>
-            <a:off x="3158830" y="1636817"/>
             <a:ext cx="2" cy="324595"/>
           </a:xfrm>
           <a:prstGeom prst="straightConnector1">
@@ -12664,20 +13702,17 @@
           <p:cNvPr id="10" name="Прямая со стрелкой 9">
             <a:extLst>
               <a:ext uri="{FF2B5EF4-FFF2-40B4-BE49-F238E27FC236}">
-                <a16:creationId xmlns:a16="http://schemas.microsoft.com/office/drawing/2014/main" id="{8D095AFC-F66D-A74A-81A1-85B55F549F3B}"/>
-              </a:ext>
-            </a:extLst>
-          </p:cNvPr>
-          <p:cNvCxnSpPr>
-            <a:cxnSpLocks/>
-            <a:stCxn id="3" idx="2"/>
-          </p:cNvCxnSpPr>
+                <a16:creationId xmlns:a16="http://schemas.microsoft.com/office/drawing/2014/main" id="{A9C24DF1-9129-F34C-8BC0-6EC7716D6932}"/>
+              </a:ext>
+            </a:extLst>
+          </p:cNvPr>
+          <p:cNvCxnSpPr/>
           <p:nvPr/>
         </p:nvCxnSpPr>
         <p:spPr>
-          <a:xfrm flipH="1">
-            <a:off x="3158833" y="2448299"/>
-            <a:ext cx="2" cy="356271"/>
+          <a:xfrm>
+            <a:off x="3158830" y="1636817"/>
+            <a:ext cx="2" cy="324595"/>
           </a:xfrm>
           <a:prstGeom prst="straightConnector1">
             <a:avLst/>
@@ -12706,21 +13741,20 @@
           <p:cNvPr id="11" name="Прямая со стрелкой 10">
             <a:extLst>
               <a:ext uri="{FF2B5EF4-FFF2-40B4-BE49-F238E27FC236}">
-                <a16:creationId xmlns:a16="http://schemas.microsoft.com/office/drawing/2014/main" id="{9FE7028D-E71E-674C-8B32-31A989BD58F4}"/>
+                <a16:creationId xmlns:a16="http://schemas.microsoft.com/office/drawing/2014/main" id="{5C7C337E-38CE-EC40-89B0-13A92F9EB44E}"/>
               </a:ext>
             </a:extLst>
           </p:cNvPr>
           <p:cNvCxnSpPr>
             <a:cxnSpLocks/>
-            <a:stCxn id="4" idx="2"/>
-            <a:endCxn id="7" idx="0"/>
+            <a:stCxn id="3" idx="2"/>
           </p:cNvCxnSpPr>
           <p:nvPr/>
         </p:nvCxnSpPr>
         <p:spPr>
-          <a:xfrm>
-            <a:off x="3158833" y="3703132"/>
-            <a:ext cx="2" cy="389931"/>
+          <a:xfrm flipH="1">
+            <a:off x="3158833" y="2448299"/>
+            <a:ext cx="2" cy="356271"/>
           </a:xfrm>
           <a:prstGeom prst="straightConnector1">
             <a:avLst/>
@@ -12746,23 +13780,24 @@
       </p:cxnSp>
       <p:cxnSp>
         <p:nvCxnSpPr>
-          <p:cNvPr id="12" name="Прямая со стрелкой 11">
-            <a:extLst>
-              <a:ext uri="{FF2B5EF4-FFF2-40B4-BE49-F238E27FC236}">
-                <a16:creationId xmlns:a16="http://schemas.microsoft.com/office/drawing/2014/main" id="{B2503098-4FB2-CF40-B129-C88812DD9C3D}"/>
+          <p:cNvPr id="13" name="Прямая со стрелкой 12">
+            <a:extLst>
+              <a:ext uri="{FF2B5EF4-FFF2-40B4-BE49-F238E27FC236}">
+                <a16:creationId xmlns:a16="http://schemas.microsoft.com/office/drawing/2014/main" id="{8B2E38AE-D6C3-234C-8C3D-FA16A5DC5D79}"/>
               </a:ext>
             </a:extLst>
           </p:cNvPr>
           <p:cNvCxnSpPr>
             <a:cxnSpLocks/>
-            <a:endCxn id="5" idx="1"/>
+            <a:stCxn id="4" idx="2"/>
+            <a:endCxn id="7" idx="0"/>
           </p:cNvCxnSpPr>
           <p:nvPr/>
         </p:nvCxnSpPr>
         <p:spPr>
           <a:xfrm>
-            <a:off x="4061357" y="3245931"/>
-            <a:ext cx="615542" cy="1"/>
+            <a:off x="3158833" y="3703132"/>
+            <a:ext cx="2" cy="389931"/>
           </a:xfrm>
           <a:prstGeom prst="straightConnector1">
             <a:avLst/>
@@ -12788,26 +13823,24 @@
       </p:cxnSp>
       <p:cxnSp>
         <p:nvCxnSpPr>
-          <p:cNvPr id="13" name="Соединительная линия уступом 12">
-            <a:extLst>
-              <a:ext uri="{FF2B5EF4-FFF2-40B4-BE49-F238E27FC236}">
-                <a16:creationId xmlns:a16="http://schemas.microsoft.com/office/drawing/2014/main" id="{F5EB487E-16BA-504A-9C82-9491C0D88F93}"/>
+          <p:cNvPr id="16" name="Прямая со стрелкой 15">
+            <a:extLst>
+              <a:ext uri="{FF2B5EF4-FFF2-40B4-BE49-F238E27FC236}">
+                <a16:creationId xmlns:a16="http://schemas.microsoft.com/office/drawing/2014/main" id="{60DE228F-6D28-9F45-B00B-3F68F9EC3DF1}"/>
               </a:ext>
             </a:extLst>
           </p:cNvPr>
           <p:cNvCxnSpPr>
-            <a:cxnSpLocks/>
-            <a:stCxn id="5" idx="2"/>
-            <a:endCxn id="7" idx="3"/>
+            <a:endCxn id="5" idx="1"/>
           </p:cNvCxnSpPr>
           <p:nvPr/>
         </p:nvCxnSpPr>
         <p:spPr>
-          <a:xfrm rot="5400000">
-            <a:off x="4468078" y="3153909"/>
-            <a:ext cx="847132" cy="1518065"/>
-          </a:xfrm>
-          <a:prstGeom prst="bentConnector2">
+          <a:xfrm>
+            <a:off x="4061357" y="3245931"/>
+            <a:ext cx="615542" cy="1"/>
+          </a:xfrm>
+          <a:prstGeom prst="straightConnector1">
             <a:avLst/>
           </a:prstGeom>
           <a:ln w="38100">
@@ -12831,29 +13864,70 @@
       </p:cxnSp>
       <p:cxnSp>
         <p:nvCxnSpPr>
-          <p:cNvPr id="14" name="Соединительная линия уступом 13">
-            <a:extLst>
-              <a:ext uri="{FF2B5EF4-FFF2-40B4-BE49-F238E27FC236}">
-                <a16:creationId xmlns:a16="http://schemas.microsoft.com/office/drawing/2014/main" id="{702A137F-9B3F-0C47-AB5B-7608A2344A11}"/>
+          <p:cNvPr id="27" name="Соединительная линия уступом 26">
+            <a:extLst>
+              <a:ext uri="{FF2B5EF4-FFF2-40B4-BE49-F238E27FC236}">
+                <a16:creationId xmlns:a16="http://schemas.microsoft.com/office/drawing/2014/main" id="{3FBFDE13-35D5-D349-930D-74E88186B062}"/>
+              </a:ext>
+            </a:extLst>
+          </p:cNvPr>
+          <p:cNvCxnSpPr>
+            <a:stCxn id="5" idx="2"/>
+            <a:endCxn id="7" idx="3"/>
+          </p:cNvCxnSpPr>
+          <p:nvPr/>
+        </p:nvCxnSpPr>
+        <p:spPr>
+          <a:xfrm rot="5400000">
+            <a:off x="4468078" y="3153909"/>
+            <a:ext cx="847132" cy="1518065"/>
+          </a:xfrm>
+          <a:prstGeom prst="bentConnector2">
+            <a:avLst/>
+          </a:prstGeom>
+          <a:ln w="38100">
+            <a:tailEnd type="triangle"/>
+          </a:ln>
+        </p:spPr>
+        <p:style>
+          <a:lnRef idx="1">
+            <a:schemeClr val="accent1"/>
+          </a:lnRef>
+          <a:fillRef idx="0">
+            <a:schemeClr val="accent1"/>
+          </a:fillRef>
+          <a:effectRef idx="0">
+            <a:schemeClr val="accent1"/>
+          </a:effectRef>
+          <a:fontRef idx="minor">
+            <a:schemeClr val="tx1"/>
+          </a:fontRef>
+        </p:style>
+      </p:cxnSp>
+      <p:cxnSp>
+        <p:nvCxnSpPr>
+          <p:cNvPr id="32" name="Соединительная линия уступом 31">
+            <a:extLst>
+              <a:ext uri="{FF2B5EF4-FFF2-40B4-BE49-F238E27FC236}">
+                <a16:creationId xmlns:a16="http://schemas.microsoft.com/office/drawing/2014/main" id="{E8664D3C-6411-6F45-833B-A05BECBD2762}"/>
               </a:ext>
             </a:extLst>
           </p:cNvPr>
           <p:cNvCxnSpPr>
             <a:cxnSpLocks/>
-            <a:stCxn id="7" idx="2"/>
             <a:endCxn id="2" idx="1"/>
           </p:cNvCxnSpPr>
           <p:nvPr/>
         </p:nvCxnSpPr>
         <p:spPr>
-          <a:xfrm rot="5400000" flipH="1">
-            <a:off x="1078659" y="2499774"/>
-            <a:ext cx="3186576" cy="973776"/>
+          <a:xfrm rot="16200000" flipV="1">
+            <a:off x="1070839" y="2507594"/>
+            <a:ext cx="3186578" cy="958138"/>
           </a:xfrm>
           <a:prstGeom prst="bentConnector4">
             <a:avLst>
-              <a:gd name="adj1" fmla="val -7174"/>
-              <a:gd name="adj2" fmla="val 123476"/>
+              <a:gd name="adj1" fmla="val -11211"/>
+              <a:gd name="adj2" fmla="val 139971"/>
             </a:avLst>
           </a:prstGeom>
           <a:ln w="38100">
@@ -12878,7 +13952,7 @@
     </p:spTree>
     <p:extLst>
       <p:ext uri="{BB962C8B-B14F-4D97-AF65-F5344CB8AC3E}">
-        <p14:creationId xmlns:p14="http://schemas.microsoft.com/office/powerpoint/2010/main" val="1543966100"/>
+        <p14:creationId xmlns:p14="http://schemas.microsoft.com/office/powerpoint/2010/main" val="910671358"/>
       </p:ext>
     </p:extLst>
   </p:cSld>
